--- a/מצגת פרויקט.pptx
+++ b/מצגת פרויקט.pptx
@@ -9,6 +9,11 @@
     <p:sldId id="257" r:id="rId3"/>
     <p:sldId id="258" r:id="rId4"/>
     <p:sldId id="259" r:id="rId5"/>
+    <p:sldId id="260" r:id="rId6"/>
+    <p:sldId id="261" r:id="rId7"/>
+    <p:sldId id="262" r:id="rId8"/>
+    <p:sldId id="263" r:id="rId9"/>
+    <p:sldId id="264" r:id="rId10"/>
   </p:sldIdLst>
   <p:sldSz cx="12192000" cy="6858000"/>
   <p:notesSz cx="6858000" cy="9144000"/>
@@ -107,6 +112,11 @@
       </a:defRPr>
     </a:lvl9pPr>
   </p:defaultTextStyle>
+  <p:extLst>
+    <p:ext uri="{EFAFB233-063F-42B5-8137-9DF3F51BA10A}">
+      <p15:sldGuideLst xmlns:p15="http://schemas.microsoft.com/office/powerpoint/2012/main"/>
+    </p:ext>
+  </p:extLst>
 </p:presentation>
 </file>
 
@@ -3728,7 +3738,7 @@
       </a:lvl9pPr>
     </p:otherStyle>
   </p:txStyles>
-  <p:extLst mod="1">
+  <p:extLst>
     <p:ext uri="{27BBF7A9-308A-43DC-89C8-2F10F3537804}">
       <p15:sldGuideLst xmlns:p15="http://schemas.microsoft.com/office/powerpoint/2012/main">
         <p15:guide id="3" orient="horz" pos="1368">
@@ -3816,10 +3826,16 @@
           <a:lstStyle/>
           <a:p>
             <a:r>
-              <a:rPr lang="en-US" dirty="0"/>
+              <a:rPr lang="en-US" dirty="0">
+                <a:latin typeface="Aharoni" panose="02010803020104030203" pitchFamily="2" charset="-79"/>
+                <a:cs typeface="Aharoni" panose="02010803020104030203" pitchFamily="2" charset="-79"/>
+              </a:rPr>
               <a:t>filespace</a:t>
             </a:r>
-            <a:endParaRPr lang="he-IL" dirty="0"/>
+            <a:endParaRPr lang="he-IL" dirty="0">
+              <a:latin typeface="Aharoni" panose="02010803020104030203" pitchFamily="2" charset="-79"/>
+              <a:cs typeface="Aharoni" panose="02010803020104030203" pitchFamily="2" charset="-79"/>
+            </a:endParaRPr>
           </a:p>
         </p:txBody>
       </p:sp>
@@ -3971,7 +3987,7 @@
           <a:p>
             <a:r>
               <a:rPr lang="he-IL" dirty="0"/>
-              <a:t>אם למשתמש יש הרשאות קריאה וכתיבה ממשתמש אחר הוא יכול לבצע את כל הפעולות על התיקייה שלו, ואם ש לו הרשאות קריאה בלבד הוא יכול רק לראות את השינויים שקורים בתיקייה.</a:t>
+              <a:t>אם למשתמש יש הרשאות קריאה וכתיבה ממשתמש אחר הוא יכול לבצע את כל הפעולות על התיקייה שלו, ואם יש לו הרשאות קריאה בלבד הוא יכול רק לראות את השינויים שקורים בתיקייה.</a:t>
             </a:r>
           </a:p>
         </p:txBody>
@@ -4022,7 +4038,12 @@
             <p:ph type="title"/>
           </p:nvPr>
         </p:nvSpPr>
-        <p:spPr/>
+        <p:spPr>
+          <a:xfrm>
+            <a:off x="1371600" y="685800"/>
+            <a:ext cx="9601200" cy="709863"/>
+          </a:xfrm>
+        </p:spPr>
         <p:txBody>
           <a:bodyPr/>
           <a:lstStyle/>
@@ -4030,7 +4051,7 @@
             <a:pPr algn="ctr"/>
             <a:r>
               <a:rPr lang="he-IL" dirty="0"/>
-              <a:t>תקשורת</a:t>
+              <a:t>תקשורת והצפנה</a:t>
             </a:r>
           </a:p>
         </p:txBody>
@@ -4051,7 +4072,12 @@
             <p:ph idx="1"/>
           </p:nvPr>
         </p:nvSpPr>
-        <p:spPr/>
+        <p:spPr>
+          <a:xfrm>
+            <a:off x="1371600" y="1612234"/>
+            <a:ext cx="9601200" cy="2927682"/>
+          </a:xfrm>
+        </p:spPr>
         <p:txBody>
           <a:bodyPr/>
           <a:lstStyle/>
@@ -4083,6 +4109,294 @@
             <a:r>
               <a:rPr lang="he-IL" dirty="0"/>
               <a:t>פרוטוקול:</a:t>
+            </a:r>
+          </a:p>
+          <a:p>
+            <a:pPr lvl="1"/>
+            <a:r>
+              <a:rPr lang="he-IL" i="0" dirty="0"/>
+              <a:t>שליחת ההודעה: ההודעה נשלחת בשני חלקים מוצפנים - אורך ההודעה ותוכן ההודעה</a:t>
+            </a:r>
+            <a:r>
+              <a:rPr lang="en-US" i="0" dirty="0"/>
+              <a:t>.</a:t>
+            </a:r>
+            <a:endParaRPr lang="he-IL" i="0" dirty="0"/>
+          </a:p>
+          <a:p>
+            <a:pPr lvl="1"/>
+            <a:r>
+              <a:rPr lang="he-IL" i="0" dirty="0"/>
+              <a:t>קריאת ההודעה: האורך של אורך ההודעה המוצפן הוא עד 100 בייטים</a:t>
+            </a:r>
+            <a:r>
+              <a:rPr lang="he-IL" sz="1600" i="0" dirty="0"/>
+              <a:t> </a:t>
+            </a:r>
+            <a:r>
+              <a:rPr lang="he-IL" i="0" dirty="0"/>
+              <a:t>ולכן מקבלים קודם 100 בייטים ומפענחים אותם וכך מתקבל אורך ההודעה. לאחר מכן, מקבלים בלולאה בלוקים של ההודעה המוצפנת עד שמספר הבייטים שהתקבלו תואם לאורך ההודעה. אחרי שנגמרת הלולאה מפענחים את כל הבלוקים ביחד ומתקבל תוכן ההודעה.</a:t>
+            </a:r>
+            <a:endParaRPr lang="he-IL" i="0" dirty="0">
+              <a:latin typeface="Aharoni" panose="02010803020104030203" pitchFamily="2" charset="-79"/>
+              <a:cs typeface="Aharoni" panose="02010803020104030203" pitchFamily="2" charset="-79"/>
+            </a:endParaRPr>
+          </a:p>
+        </p:txBody>
+      </p:sp>
+      <p:sp>
+        <p:nvSpPr>
+          <p:cNvPr id="5" name="מציין מיקום תוכן 2">
+            <a:extLst>
+              <a:ext uri="{FF2B5EF4-FFF2-40B4-BE49-F238E27FC236}">
+                <a16:creationId xmlns:a16="http://schemas.microsoft.com/office/drawing/2014/main" id="{01252F16-11F3-B83E-F4E7-B974E865106F}"/>
+              </a:ext>
+            </a:extLst>
+          </p:cNvPr>
+          <p:cNvSpPr txBox="1">
+            <a:spLocks/>
+          </p:cNvSpPr>
+          <p:nvPr/>
+        </p:nvSpPr>
+        <p:spPr>
+          <a:xfrm>
+            <a:off x="1363580" y="4715496"/>
+            <a:ext cx="9601200" cy="1331483"/>
+          </a:xfrm>
+          <a:prstGeom prst="rect">
+            <a:avLst/>
+          </a:prstGeom>
+        </p:spPr>
+        <p:txBody>
+          <a:bodyPr vert="horz" lIns="91440" tIns="45720" rIns="91440" bIns="45720" rtlCol="0">
+            <a:normAutofit/>
+          </a:bodyPr>
+          <a:lstStyle>
+            <a:lvl1pPr marL="384048" indent="-384048" algn="r" defTabSz="914400" rtl="1" eaLnBrk="1" latinLnBrk="0" hangingPunct="1">
+              <a:lnSpc>
+                <a:spcPct val="94000"/>
+              </a:lnSpc>
+              <a:spcBef>
+                <a:spcPts val="1000"/>
+              </a:spcBef>
+              <a:spcAft>
+                <a:spcPts val="200"/>
+              </a:spcAft>
+              <a:buFont typeface="Franklin Gothic Book" panose="020B0503020102020204" pitchFamily="34" charset="0"/>
+              <a:buChar char="■"/>
+              <a:defRPr sz="2000" kern="1200" baseline="0">
+                <a:solidFill>
+                  <a:schemeClr val="tx2"/>
+                </a:solidFill>
+                <a:latin typeface="+mn-lt"/>
+                <a:ea typeface="+mn-ea"/>
+                <a:cs typeface="+mn-cs"/>
+              </a:defRPr>
+            </a:lvl1pPr>
+            <a:lvl2pPr marL="914400" indent="-384048" algn="r" defTabSz="914400" rtl="1" eaLnBrk="1" latinLnBrk="0" hangingPunct="1">
+              <a:lnSpc>
+                <a:spcPct val="94000"/>
+              </a:lnSpc>
+              <a:spcBef>
+                <a:spcPts val="500"/>
+              </a:spcBef>
+              <a:spcAft>
+                <a:spcPts val="200"/>
+              </a:spcAft>
+              <a:buFont typeface="Franklin Gothic Book" panose="020B0503020102020204" pitchFamily="34" charset="0"/>
+              <a:buChar char="–"/>
+              <a:defRPr sz="2000" i="1" kern="1200" baseline="0">
+                <a:solidFill>
+                  <a:schemeClr val="tx2"/>
+                </a:solidFill>
+                <a:latin typeface="+mn-lt"/>
+                <a:ea typeface="+mn-ea"/>
+                <a:cs typeface="+mn-cs"/>
+              </a:defRPr>
+            </a:lvl2pPr>
+            <a:lvl3pPr marL="1371600" indent="-384048" algn="r" defTabSz="914400" rtl="1" eaLnBrk="1" latinLnBrk="0" hangingPunct="1">
+              <a:lnSpc>
+                <a:spcPct val="94000"/>
+              </a:lnSpc>
+              <a:spcBef>
+                <a:spcPts val="500"/>
+              </a:spcBef>
+              <a:spcAft>
+                <a:spcPts val="200"/>
+              </a:spcAft>
+              <a:buFont typeface="Franklin Gothic Book" panose="020B0503020102020204" pitchFamily="34" charset="0"/>
+              <a:buChar char="■"/>
+              <a:defRPr sz="1800" kern="1200" baseline="0">
+                <a:solidFill>
+                  <a:schemeClr val="tx2"/>
+                </a:solidFill>
+                <a:latin typeface="+mn-lt"/>
+                <a:ea typeface="+mn-ea"/>
+                <a:cs typeface="+mn-cs"/>
+              </a:defRPr>
+            </a:lvl3pPr>
+            <a:lvl4pPr marL="1828800" indent="-384048" algn="r" defTabSz="914400" rtl="1" eaLnBrk="1" latinLnBrk="0" hangingPunct="1">
+              <a:lnSpc>
+                <a:spcPct val="94000"/>
+              </a:lnSpc>
+              <a:spcBef>
+                <a:spcPts val="500"/>
+              </a:spcBef>
+              <a:spcAft>
+                <a:spcPts val="200"/>
+              </a:spcAft>
+              <a:buFont typeface="Franklin Gothic Book" panose="020B0503020102020204" pitchFamily="34" charset="0"/>
+              <a:buChar char="–"/>
+              <a:defRPr sz="1800" i="1" kern="1200" baseline="0">
+                <a:solidFill>
+                  <a:schemeClr val="tx2"/>
+                </a:solidFill>
+                <a:latin typeface="+mn-lt"/>
+                <a:ea typeface="+mn-ea"/>
+                <a:cs typeface="+mn-cs"/>
+              </a:defRPr>
+            </a:lvl4pPr>
+            <a:lvl5pPr marL="2286000" indent="-384048" algn="r" defTabSz="914400" rtl="1" eaLnBrk="1" latinLnBrk="0" hangingPunct="1">
+              <a:lnSpc>
+                <a:spcPct val="94000"/>
+              </a:lnSpc>
+              <a:spcBef>
+                <a:spcPts val="500"/>
+              </a:spcBef>
+              <a:spcAft>
+                <a:spcPts val="200"/>
+              </a:spcAft>
+              <a:buFont typeface="Franklin Gothic Book" panose="020B0503020102020204" pitchFamily="34" charset="0"/>
+              <a:buChar char="■"/>
+              <a:defRPr sz="1600" kern="1200" baseline="0">
+                <a:solidFill>
+                  <a:schemeClr val="tx2"/>
+                </a:solidFill>
+                <a:latin typeface="+mn-lt"/>
+                <a:ea typeface="+mn-ea"/>
+                <a:cs typeface="+mn-cs"/>
+              </a:defRPr>
+            </a:lvl5pPr>
+            <a:lvl6pPr marL="2743200" indent="-384048" algn="r" defTabSz="914400" rtl="1" eaLnBrk="1" latinLnBrk="0" hangingPunct="1">
+              <a:lnSpc>
+                <a:spcPct val="94000"/>
+              </a:lnSpc>
+              <a:spcBef>
+                <a:spcPts val="500"/>
+              </a:spcBef>
+              <a:spcAft>
+                <a:spcPts val="200"/>
+              </a:spcAft>
+              <a:buFont typeface="Franklin Gothic Book" panose="020B0503020102020204" pitchFamily="34" charset="0"/>
+              <a:buChar char="–"/>
+              <a:defRPr sz="1600" i="1" kern="1200" baseline="0">
+                <a:solidFill>
+                  <a:schemeClr val="tx2"/>
+                </a:solidFill>
+                <a:latin typeface="+mn-lt"/>
+                <a:ea typeface="+mn-ea"/>
+                <a:cs typeface="+mn-cs"/>
+              </a:defRPr>
+            </a:lvl6pPr>
+            <a:lvl7pPr marL="3200400" indent="-384048" algn="r" defTabSz="914400" rtl="1" eaLnBrk="1" latinLnBrk="0" hangingPunct="1">
+              <a:lnSpc>
+                <a:spcPct val="94000"/>
+              </a:lnSpc>
+              <a:spcBef>
+                <a:spcPts val="500"/>
+              </a:spcBef>
+              <a:spcAft>
+                <a:spcPts val="200"/>
+              </a:spcAft>
+              <a:buFont typeface="Franklin Gothic Book" panose="020B0503020102020204" pitchFamily="34" charset="0"/>
+              <a:buChar char="■"/>
+              <a:defRPr sz="1400" kern="1200" baseline="0">
+                <a:solidFill>
+                  <a:schemeClr val="tx2"/>
+                </a:solidFill>
+                <a:latin typeface="+mn-lt"/>
+                <a:ea typeface="+mn-ea"/>
+                <a:cs typeface="+mn-cs"/>
+              </a:defRPr>
+            </a:lvl7pPr>
+            <a:lvl8pPr marL="3657600" indent="-384048" algn="r" defTabSz="914400" rtl="1" eaLnBrk="1" latinLnBrk="0" hangingPunct="1">
+              <a:lnSpc>
+                <a:spcPct val="94000"/>
+              </a:lnSpc>
+              <a:spcBef>
+                <a:spcPts val="500"/>
+              </a:spcBef>
+              <a:spcAft>
+                <a:spcPts val="200"/>
+              </a:spcAft>
+              <a:buFont typeface="Franklin Gothic Book" panose="020B0503020102020204" pitchFamily="34" charset="0"/>
+              <a:buChar char="–"/>
+              <a:defRPr sz="1400" i="1" kern="1200" baseline="0">
+                <a:solidFill>
+                  <a:schemeClr val="tx2"/>
+                </a:solidFill>
+                <a:latin typeface="+mn-lt"/>
+                <a:ea typeface="+mn-ea"/>
+                <a:cs typeface="+mn-cs"/>
+              </a:defRPr>
+            </a:lvl8pPr>
+            <a:lvl9pPr marL="4114800" indent="-384048" algn="r" defTabSz="914400" rtl="1" eaLnBrk="1" latinLnBrk="0" hangingPunct="1">
+              <a:lnSpc>
+                <a:spcPct val="94000"/>
+              </a:lnSpc>
+              <a:spcBef>
+                <a:spcPts val="500"/>
+              </a:spcBef>
+              <a:spcAft>
+                <a:spcPts val="200"/>
+              </a:spcAft>
+              <a:buFont typeface="Franklin Gothic Book" panose="020B0503020102020204" pitchFamily="34" charset="0"/>
+              <a:buChar char="■"/>
+              <a:defRPr sz="1400" kern="1200" baseline="0">
+                <a:solidFill>
+                  <a:schemeClr val="tx2"/>
+                </a:solidFill>
+                <a:latin typeface="+mn-lt"/>
+                <a:ea typeface="+mn-ea"/>
+                <a:cs typeface="+mn-cs"/>
+              </a:defRPr>
+            </a:lvl9pPr>
+          </a:lstStyle>
+          <a:p>
+            <a:r>
+              <a:rPr lang="he-IL" dirty="0">
+                <a:latin typeface="Aharoni" panose="02010803020104030203" pitchFamily="2" charset="-79"/>
+                <a:cs typeface="Aharoni" panose="02010803020104030203" pitchFamily="2" charset="-79"/>
+              </a:rPr>
+              <a:t>הצפנה: בתחילת הקשר, השרת והלקוח מייצרים מפתח פרטי ומפתח ציבורי בהצפנת </a:t>
+            </a:r>
+            <a:r>
+              <a:rPr lang="en-US" dirty="0">
+                <a:latin typeface="Aharoni" panose="02010803020104030203" pitchFamily="2" charset="-79"/>
+                <a:cs typeface="Aharoni" panose="02010803020104030203" pitchFamily="2" charset="-79"/>
+              </a:rPr>
+              <a:t>RSA</a:t>
+            </a:r>
+            <a:r>
+              <a:rPr lang="he-IL" dirty="0">
+                <a:latin typeface="Aharoni" panose="02010803020104030203" pitchFamily="2" charset="-79"/>
+                <a:cs typeface="Aharoni" panose="02010803020104030203" pitchFamily="2" charset="-79"/>
+              </a:rPr>
+              <a:t>. הם שולחים אחד לשני את המפתח הציבורי שלהם, והשרת שולח מפתח הצפנה </a:t>
+            </a:r>
+            <a:r>
+              <a:rPr lang="en-US" dirty="0">
+                <a:latin typeface="Aharoni" panose="02010803020104030203" pitchFamily="2" charset="-79"/>
+                <a:cs typeface="Aharoni" panose="02010803020104030203" pitchFamily="2" charset="-79"/>
+              </a:rPr>
+              <a:t>Fernet</a:t>
+            </a:r>
+            <a:r>
+              <a:rPr lang="he-IL" dirty="0">
+                <a:latin typeface="Aharoni" panose="02010803020104030203" pitchFamily="2" charset="-79"/>
+                <a:cs typeface="Aharoni" panose="02010803020104030203" pitchFamily="2" charset="-79"/>
+              </a:rPr>
+              <a:t> סימטרי ללקוח ובו יעשה שימוש בכל פעולות התקשורת ביניהם.</a:t>
             </a:r>
           </a:p>
         </p:txBody>
@@ -4165,7 +4479,7 @@
         <p:spPr/>
         <p:txBody>
           <a:bodyPr>
-            <a:normAutofit lnSpcReduction="10000"/>
+            <a:normAutofit fontScale="92500" lnSpcReduction="20000"/>
           </a:bodyPr>
           <a:lstStyle/>
           <a:p>
@@ -4181,43 +4495,43 @@
           <a:p>
             <a:pPr lvl="1"/>
             <a:r>
-              <a:rPr lang="en-US" dirty="0" err="1"/>
+              <a:rPr lang="en-US" i="0" dirty="0"/>
               <a:t>ClientThread</a:t>
             </a:r>
             <a:r>
-              <a:rPr lang="he-IL" dirty="0"/>
+              <a:rPr lang="he-IL" i="0" dirty="0"/>
               <a:t>: המחלקה יורשת מ-</a:t>
             </a:r>
             <a:r>
-              <a:rPr lang="en-US" dirty="0" err="1"/>
+              <a:rPr lang="en-US" i="0" dirty="0"/>
               <a:t>threading.Thread</a:t>
             </a:r>
             <a:r>
-              <a:rPr lang="he-IL" dirty="0"/>
+              <a:rPr lang="he-IL" i="0" dirty="0"/>
               <a:t> ומקבלת כפרמטרים </a:t>
             </a:r>
             <a:r>
-              <a:rPr lang="en-US" dirty="0" err="1"/>
+              <a:rPr lang="en-US" i="0" dirty="0"/>
               <a:t>client_socket</a:t>
             </a:r>
             <a:r>
-              <a:rPr lang="he-IL" dirty="0"/>
+              <a:rPr lang="he-IL" i="0" dirty="0"/>
               <a:t> ו</a:t>
             </a:r>
             <a:r>
-              <a:rPr lang="en-US" dirty="0" err="1"/>
+              <a:rPr lang="en-US" i="0" dirty="0"/>
               <a:t>client_address</a:t>
             </a:r>
             <a:r>
-              <a:rPr lang="he-IL" dirty="0"/>
+              <a:rPr lang="he-IL" i="0" dirty="0"/>
               <a:t>. המחלקה מייצגת </a:t>
             </a:r>
             <a:r>
-              <a:rPr lang="en-US" dirty="0"/>
+              <a:rPr lang="en-US" i="0" dirty="0"/>
               <a:t>thread</a:t>
             </a:r>
             <a:r>
-              <a:rPr lang="he-IL" dirty="0"/>
+              <a:rPr lang="he-IL" i="0" dirty="0"/>
               <a:t> בשרת ובה מתנהלת כל התקשורת מול הלקוח.</a:t>
             </a:r>
           </a:p>
@@ -4235,26 +4549,37 @@
           <a:p>
             <a:pPr lvl="1"/>
             <a:r>
-              <a:rPr lang="en-US" dirty="0" err="1"/>
+              <a:rPr lang="en-US" i="0" dirty="0"/>
               <a:t>LoginWindow</a:t>
             </a:r>
-            <a:endParaRPr lang="en-US" dirty="0"/>
+            <a:r>
+              <a:rPr lang="he-IL" i="0" dirty="0"/>
+              <a:t>: יוצרת את מסך ההתחברות למערכת.</a:t>
+            </a:r>
+            <a:endParaRPr lang="en-US" i="0" dirty="0"/>
           </a:p>
           <a:p>
             <a:pPr lvl="1"/>
             <a:r>
-              <a:rPr lang="en-US" dirty="0" err="1"/>
+              <a:rPr lang="en-US" i="0" dirty="0"/>
               <a:t>SignupWindow</a:t>
             </a:r>
-            <a:endParaRPr lang="en-US" dirty="0"/>
+            <a:r>
+              <a:rPr lang="he-IL" i="0" dirty="0"/>
+              <a:t>: יוצרת את מסך יצירת משתמש חדש.</a:t>
+            </a:r>
+            <a:endParaRPr lang="en-US" i="0" dirty="0"/>
           </a:p>
           <a:p>
             <a:pPr lvl="1"/>
             <a:r>
-              <a:rPr lang="en-US" dirty="0" err="1"/>
+              <a:rPr lang="en-US" i="0" dirty="0"/>
               <a:t>MainWindow</a:t>
             </a:r>
-            <a:endParaRPr lang="he-IL" dirty="0"/>
+            <a:r>
+              <a:rPr lang="he-IL" i="0" dirty="0"/>
+              <a:t>: יוצרת את ממשק המשתמש של המערכת ואחראית לפעולות על הקבצים והתקשורת עם השרת</a:t>
+            </a:r>
           </a:p>
           <a:p>
             <a:r>
@@ -4265,24 +4590,30 @@
           <a:p>
             <a:pPr lvl="1"/>
             <a:r>
-              <a:rPr lang="en-US" dirty="0"/>
+              <a:rPr lang="en-US" i="0" dirty="0"/>
               <a:t>File</a:t>
             </a:r>
             <a:r>
-              <a:rPr lang="he-IL" dirty="0"/>
-              <a:t>: המחלקה מייצגת קובץ שהנתיב אליו ניתן כפרמטר.</a:t>
-            </a:r>
+              <a:rPr lang="he-IL" i="0" dirty="0"/>
+              <a:t>: המחלקה מייצגת קובץ שהנתיב שלו ניתן כפרמטר ומכילה פעולות שניתן לבצע על הקובץ.</a:t>
+            </a:r>
+            <a:endParaRPr lang="en-US" i="0" dirty="0"/>
           </a:p>
           <a:p>
             <a:pPr lvl="1"/>
             <a:r>
-              <a:rPr lang="en-US" dirty="0"/>
+              <a:rPr lang="en-US" i="0" dirty="0"/>
               <a:t>Directory</a:t>
             </a:r>
             <a:r>
-              <a:rPr lang="he-IL" dirty="0"/>
-              <a:t>: המחלקה מייצגת תיקייה שהנתיב אליה ניתן כפרמטר.</a:t>
-            </a:r>
+              <a:rPr lang="he-IL" i="0" dirty="0"/>
+              <a:t>: המחלקה מייצגת תיקייה שהנתיב שלה ניתן כפרמטר ומכילה פעולות שניתן לבצע על התיקייה.</a:t>
+            </a:r>
+            <a:endParaRPr lang="en-US" i="0" dirty="0"/>
+          </a:p>
+          <a:p>
+            <a:pPr lvl="1"/>
+            <a:endParaRPr lang="he-IL" dirty="0"/>
           </a:p>
           <a:p>
             <a:pPr lvl="1"/>
@@ -4294,6 +4625,6220 @@
     <p:extLst>
       <p:ext uri="{BB962C8B-B14F-4D97-AF65-F5344CB8AC3E}">
         <p14:creationId xmlns:p14="http://schemas.microsoft.com/office/powerpoint/2010/main" val="4239030724"/>
+      </p:ext>
+    </p:extLst>
+  </p:cSld>
+  <p:clrMapOvr>
+    <a:masterClrMapping/>
+  </p:clrMapOvr>
+</p:sld>
+</file>
+
+<file path=ppt/slides/slide5.xml><?xml version="1.0" encoding="utf-8"?>
+<p:sld xmlns:a="http://schemas.openxmlformats.org/drawingml/2006/main" xmlns:r="http://schemas.openxmlformats.org/officeDocument/2006/relationships" xmlns:p="http://schemas.openxmlformats.org/presentationml/2006/main">
+  <p:cSld>
+    <p:spTree>
+      <p:nvGrpSpPr>
+        <p:cNvPr id="1" name=""/>
+        <p:cNvGrpSpPr/>
+        <p:nvPr/>
+      </p:nvGrpSpPr>
+      <p:grpSpPr>
+        <a:xfrm>
+          <a:off x="0" y="0"/>
+          <a:ext cx="0" cy="0"/>
+          <a:chOff x="0" y="0"/>
+          <a:chExt cx="0" cy="0"/>
+        </a:xfrm>
+      </p:grpSpPr>
+      <p:sp>
+        <p:nvSpPr>
+          <p:cNvPr id="2" name="Title 1">
+            <a:extLst>
+              <a:ext uri="{FF2B5EF4-FFF2-40B4-BE49-F238E27FC236}">
+                <a16:creationId xmlns:a16="http://schemas.microsoft.com/office/drawing/2014/main" id="{DD43F0D2-AE8E-5A02-0639-7D84F7599F8F}"/>
+              </a:ext>
+            </a:extLst>
+          </p:cNvPr>
+          <p:cNvSpPr>
+            <a:spLocks noGrp="1"/>
+          </p:cNvSpPr>
+          <p:nvPr>
+            <p:ph type="title"/>
+          </p:nvPr>
+        </p:nvSpPr>
+        <p:spPr>
+          <a:xfrm>
+            <a:off x="1371600" y="685800"/>
+            <a:ext cx="9601200" cy="682791"/>
+          </a:xfrm>
+        </p:spPr>
+        <p:txBody>
+          <a:bodyPr>
+            <a:noAutofit/>
+          </a:bodyPr>
+          <a:lstStyle/>
+          <a:p>
+            <a:pPr algn="ctr"/>
+            <a:r>
+              <a:rPr lang="he-IL" dirty="0"/>
+              <a:t>ניהול וסנכרון תהליכים</a:t>
+            </a:r>
+            <a:endParaRPr lang="en-US" dirty="0"/>
+          </a:p>
+        </p:txBody>
+      </p:sp>
+      <p:sp>
+        <p:nvSpPr>
+          <p:cNvPr id="3" name="Content Placeholder 2">
+            <a:extLst>
+              <a:ext uri="{FF2B5EF4-FFF2-40B4-BE49-F238E27FC236}">
+                <a16:creationId xmlns:a16="http://schemas.microsoft.com/office/drawing/2014/main" id="{773E2ACB-2D37-53AD-08B1-9BE424019256}"/>
+              </a:ext>
+            </a:extLst>
+          </p:cNvPr>
+          <p:cNvSpPr>
+            <a:spLocks noGrp="1"/>
+          </p:cNvSpPr>
+          <p:nvPr>
+            <p:ph idx="1"/>
+          </p:nvPr>
+        </p:nvSpPr>
+        <p:spPr>
+          <a:xfrm>
+            <a:off x="1371600" y="1596191"/>
+            <a:ext cx="9601200" cy="1485900"/>
+          </a:xfrm>
+        </p:spPr>
+        <p:txBody>
+          <a:bodyPr/>
+          <a:lstStyle/>
+          <a:p>
+            <a:r>
+              <a:rPr lang="he-IL" dirty="0"/>
+              <a:t>בשרת: כל תהליך אחראי לתקשר עם הלקוח. כדי להבטיח עיקביות מידע של הקבצים , השתמשתי במנעול כל פעם שתהליך מבצע פעולה על קבצי המערכת.</a:t>
+            </a:r>
+          </a:p>
+          <a:p>
+            <a:r>
+              <a:rPr lang="he-IL" dirty="0"/>
+              <a:t>בלקוח: השתמשתי בתהליכים כדי לבצע פעולות ברקע כמו רענון רשימות החברים, בקשות חברות וכו'</a:t>
+            </a:r>
+            <a:br>
+              <a:rPr lang="en-US" dirty="0"/>
+            </a:br>
+            <a:r>
+              <a:rPr lang="he-IL" dirty="0"/>
+              <a:t>וקבלת הפקודות המשותפות שיש לבצע.</a:t>
+            </a:r>
+          </a:p>
+        </p:txBody>
+      </p:sp>
+      <p:sp>
+        <p:nvSpPr>
+          <p:cNvPr id="6" name="Title 1">
+            <a:extLst>
+              <a:ext uri="{FF2B5EF4-FFF2-40B4-BE49-F238E27FC236}">
+                <a16:creationId xmlns:a16="http://schemas.microsoft.com/office/drawing/2014/main" id="{0B643CD9-16F2-929B-E763-AA3EC4BEECA2}"/>
+              </a:ext>
+            </a:extLst>
+          </p:cNvPr>
+          <p:cNvSpPr txBox="1">
+            <a:spLocks/>
+          </p:cNvSpPr>
+          <p:nvPr/>
+        </p:nvSpPr>
+        <p:spPr>
+          <a:xfrm>
+            <a:off x="1371600" y="3261565"/>
+            <a:ext cx="9601200" cy="682791"/>
+          </a:xfrm>
+          <a:prstGeom prst="rect">
+            <a:avLst/>
+          </a:prstGeom>
+        </p:spPr>
+        <p:txBody>
+          <a:bodyPr vert="horz" lIns="91440" tIns="45720" rIns="91440" bIns="45720" rtlCol="0" anchor="t">
+            <a:normAutofit lnSpcReduction="10000"/>
+          </a:bodyPr>
+          <a:lstStyle>
+            <a:lvl1pPr algn="l" defTabSz="914400" rtl="1" eaLnBrk="1" latinLnBrk="0" hangingPunct="1">
+              <a:lnSpc>
+                <a:spcPct val="89000"/>
+              </a:lnSpc>
+              <a:spcBef>
+                <a:spcPct val="0"/>
+              </a:spcBef>
+              <a:buNone/>
+              <a:defRPr sz="4400" kern="1200" baseline="0">
+                <a:solidFill>
+                  <a:schemeClr val="tx2"/>
+                </a:solidFill>
+                <a:latin typeface="+mj-lt"/>
+                <a:ea typeface="+mj-ea"/>
+                <a:cs typeface="+mj-cs"/>
+              </a:defRPr>
+            </a:lvl1pPr>
+          </a:lstStyle>
+          <a:p>
+            <a:pPr algn="ctr"/>
+            <a:r>
+              <a:rPr lang="he-IL" dirty="0"/>
+              <a:t>ניהול תצורה (</a:t>
+            </a:r>
+            <a:r>
+              <a:rPr lang="en-US" dirty="0">
+                <a:latin typeface="Aharoni" panose="02010803020104030203" pitchFamily="2" charset="-79"/>
+                <a:cs typeface="Aharoni" panose="02010803020104030203" pitchFamily="2" charset="-79"/>
+              </a:rPr>
+              <a:t>GIT</a:t>
+            </a:r>
+            <a:r>
+              <a:rPr lang="he-IL" dirty="0"/>
+              <a:t>)</a:t>
+            </a:r>
+            <a:endParaRPr lang="en-US" dirty="0"/>
+          </a:p>
+        </p:txBody>
+      </p:sp>
+      <p:sp>
+        <p:nvSpPr>
+          <p:cNvPr id="11" name="Content Placeholder 2">
+            <a:extLst>
+              <a:ext uri="{FF2B5EF4-FFF2-40B4-BE49-F238E27FC236}">
+                <a16:creationId xmlns:a16="http://schemas.microsoft.com/office/drawing/2014/main" id="{CC299772-ACA8-F62C-31EF-D9FF43E057CA}"/>
+              </a:ext>
+            </a:extLst>
+          </p:cNvPr>
+          <p:cNvSpPr txBox="1">
+            <a:spLocks/>
+          </p:cNvSpPr>
+          <p:nvPr/>
+        </p:nvSpPr>
+        <p:spPr>
+          <a:xfrm>
+            <a:off x="1379622" y="4219077"/>
+            <a:ext cx="9601200" cy="1485900"/>
+          </a:xfrm>
+          <a:prstGeom prst="rect">
+            <a:avLst/>
+          </a:prstGeom>
+        </p:spPr>
+        <p:txBody>
+          <a:bodyPr vert="horz" lIns="91440" tIns="45720" rIns="91440" bIns="45720" rtlCol="0">
+            <a:normAutofit/>
+          </a:bodyPr>
+          <a:lstStyle>
+            <a:lvl1pPr marL="384048" indent="-384048" algn="r" defTabSz="914400" rtl="1" eaLnBrk="1" latinLnBrk="0" hangingPunct="1">
+              <a:lnSpc>
+                <a:spcPct val="94000"/>
+              </a:lnSpc>
+              <a:spcBef>
+                <a:spcPts val="1000"/>
+              </a:spcBef>
+              <a:spcAft>
+                <a:spcPts val="200"/>
+              </a:spcAft>
+              <a:buFont typeface="Franklin Gothic Book" panose="020B0503020102020204" pitchFamily="34" charset="0"/>
+              <a:buChar char="■"/>
+              <a:defRPr sz="2000" kern="1200" baseline="0">
+                <a:solidFill>
+                  <a:schemeClr val="tx2"/>
+                </a:solidFill>
+                <a:latin typeface="+mn-lt"/>
+                <a:ea typeface="+mn-ea"/>
+                <a:cs typeface="+mn-cs"/>
+              </a:defRPr>
+            </a:lvl1pPr>
+            <a:lvl2pPr marL="914400" indent="-384048" algn="r" defTabSz="914400" rtl="1" eaLnBrk="1" latinLnBrk="0" hangingPunct="1">
+              <a:lnSpc>
+                <a:spcPct val="94000"/>
+              </a:lnSpc>
+              <a:spcBef>
+                <a:spcPts val="500"/>
+              </a:spcBef>
+              <a:spcAft>
+                <a:spcPts val="200"/>
+              </a:spcAft>
+              <a:buFont typeface="Franklin Gothic Book" panose="020B0503020102020204" pitchFamily="34" charset="0"/>
+              <a:buChar char="–"/>
+              <a:defRPr sz="2000" i="1" kern="1200" baseline="0">
+                <a:solidFill>
+                  <a:schemeClr val="tx2"/>
+                </a:solidFill>
+                <a:latin typeface="+mn-lt"/>
+                <a:ea typeface="+mn-ea"/>
+                <a:cs typeface="+mn-cs"/>
+              </a:defRPr>
+            </a:lvl2pPr>
+            <a:lvl3pPr marL="1371600" indent="-384048" algn="r" defTabSz="914400" rtl="1" eaLnBrk="1" latinLnBrk="0" hangingPunct="1">
+              <a:lnSpc>
+                <a:spcPct val="94000"/>
+              </a:lnSpc>
+              <a:spcBef>
+                <a:spcPts val="500"/>
+              </a:spcBef>
+              <a:spcAft>
+                <a:spcPts val="200"/>
+              </a:spcAft>
+              <a:buFont typeface="Franklin Gothic Book" panose="020B0503020102020204" pitchFamily="34" charset="0"/>
+              <a:buChar char="■"/>
+              <a:defRPr sz="1800" kern="1200" baseline="0">
+                <a:solidFill>
+                  <a:schemeClr val="tx2"/>
+                </a:solidFill>
+                <a:latin typeface="+mn-lt"/>
+                <a:ea typeface="+mn-ea"/>
+                <a:cs typeface="+mn-cs"/>
+              </a:defRPr>
+            </a:lvl3pPr>
+            <a:lvl4pPr marL="1828800" indent="-384048" algn="r" defTabSz="914400" rtl="1" eaLnBrk="1" latinLnBrk="0" hangingPunct="1">
+              <a:lnSpc>
+                <a:spcPct val="94000"/>
+              </a:lnSpc>
+              <a:spcBef>
+                <a:spcPts val="500"/>
+              </a:spcBef>
+              <a:spcAft>
+                <a:spcPts val="200"/>
+              </a:spcAft>
+              <a:buFont typeface="Franklin Gothic Book" panose="020B0503020102020204" pitchFamily="34" charset="0"/>
+              <a:buChar char="–"/>
+              <a:defRPr sz="1800" i="1" kern="1200" baseline="0">
+                <a:solidFill>
+                  <a:schemeClr val="tx2"/>
+                </a:solidFill>
+                <a:latin typeface="+mn-lt"/>
+                <a:ea typeface="+mn-ea"/>
+                <a:cs typeface="+mn-cs"/>
+              </a:defRPr>
+            </a:lvl4pPr>
+            <a:lvl5pPr marL="2286000" indent="-384048" algn="r" defTabSz="914400" rtl="1" eaLnBrk="1" latinLnBrk="0" hangingPunct="1">
+              <a:lnSpc>
+                <a:spcPct val="94000"/>
+              </a:lnSpc>
+              <a:spcBef>
+                <a:spcPts val="500"/>
+              </a:spcBef>
+              <a:spcAft>
+                <a:spcPts val="200"/>
+              </a:spcAft>
+              <a:buFont typeface="Franklin Gothic Book" panose="020B0503020102020204" pitchFamily="34" charset="0"/>
+              <a:buChar char="■"/>
+              <a:defRPr sz="1600" kern="1200" baseline="0">
+                <a:solidFill>
+                  <a:schemeClr val="tx2"/>
+                </a:solidFill>
+                <a:latin typeface="+mn-lt"/>
+                <a:ea typeface="+mn-ea"/>
+                <a:cs typeface="+mn-cs"/>
+              </a:defRPr>
+            </a:lvl5pPr>
+            <a:lvl6pPr marL="2743200" indent="-384048" algn="r" defTabSz="914400" rtl="1" eaLnBrk="1" latinLnBrk="0" hangingPunct="1">
+              <a:lnSpc>
+                <a:spcPct val="94000"/>
+              </a:lnSpc>
+              <a:spcBef>
+                <a:spcPts val="500"/>
+              </a:spcBef>
+              <a:spcAft>
+                <a:spcPts val="200"/>
+              </a:spcAft>
+              <a:buFont typeface="Franklin Gothic Book" panose="020B0503020102020204" pitchFamily="34" charset="0"/>
+              <a:buChar char="–"/>
+              <a:defRPr sz="1600" i="1" kern="1200" baseline="0">
+                <a:solidFill>
+                  <a:schemeClr val="tx2"/>
+                </a:solidFill>
+                <a:latin typeface="+mn-lt"/>
+                <a:ea typeface="+mn-ea"/>
+                <a:cs typeface="+mn-cs"/>
+              </a:defRPr>
+            </a:lvl6pPr>
+            <a:lvl7pPr marL="3200400" indent="-384048" algn="r" defTabSz="914400" rtl="1" eaLnBrk="1" latinLnBrk="0" hangingPunct="1">
+              <a:lnSpc>
+                <a:spcPct val="94000"/>
+              </a:lnSpc>
+              <a:spcBef>
+                <a:spcPts val="500"/>
+              </a:spcBef>
+              <a:spcAft>
+                <a:spcPts val="200"/>
+              </a:spcAft>
+              <a:buFont typeface="Franklin Gothic Book" panose="020B0503020102020204" pitchFamily="34" charset="0"/>
+              <a:buChar char="■"/>
+              <a:defRPr sz="1400" kern="1200" baseline="0">
+                <a:solidFill>
+                  <a:schemeClr val="tx2"/>
+                </a:solidFill>
+                <a:latin typeface="+mn-lt"/>
+                <a:ea typeface="+mn-ea"/>
+                <a:cs typeface="+mn-cs"/>
+              </a:defRPr>
+            </a:lvl7pPr>
+            <a:lvl8pPr marL="3657600" indent="-384048" algn="r" defTabSz="914400" rtl="1" eaLnBrk="1" latinLnBrk="0" hangingPunct="1">
+              <a:lnSpc>
+                <a:spcPct val="94000"/>
+              </a:lnSpc>
+              <a:spcBef>
+                <a:spcPts val="500"/>
+              </a:spcBef>
+              <a:spcAft>
+                <a:spcPts val="200"/>
+              </a:spcAft>
+              <a:buFont typeface="Franklin Gothic Book" panose="020B0503020102020204" pitchFamily="34" charset="0"/>
+              <a:buChar char="–"/>
+              <a:defRPr sz="1400" i="1" kern="1200" baseline="0">
+                <a:solidFill>
+                  <a:schemeClr val="tx2"/>
+                </a:solidFill>
+                <a:latin typeface="+mn-lt"/>
+                <a:ea typeface="+mn-ea"/>
+                <a:cs typeface="+mn-cs"/>
+              </a:defRPr>
+            </a:lvl8pPr>
+            <a:lvl9pPr marL="4114800" indent="-384048" algn="r" defTabSz="914400" rtl="1" eaLnBrk="1" latinLnBrk="0" hangingPunct="1">
+              <a:lnSpc>
+                <a:spcPct val="94000"/>
+              </a:lnSpc>
+              <a:spcBef>
+                <a:spcPts val="500"/>
+              </a:spcBef>
+              <a:spcAft>
+                <a:spcPts val="200"/>
+              </a:spcAft>
+              <a:buFont typeface="Franklin Gothic Book" panose="020B0503020102020204" pitchFamily="34" charset="0"/>
+              <a:buChar char="■"/>
+              <a:defRPr sz="1400" kern="1200" baseline="0">
+                <a:solidFill>
+                  <a:schemeClr val="tx2"/>
+                </a:solidFill>
+                <a:latin typeface="+mn-lt"/>
+                <a:ea typeface="+mn-ea"/>
+                <a:cs typeface="+mn-cs"/>
+              </a:defRPr>
+            </a:lvl9pPr>
+          </a:lstStyle>
+          <a:p>
+            <a:r>
+              <a:rPr lang="he-IL" dirty="0"/>
+              <a:t>במהלך העבודה על הפרויקט השתמשתי ב</a:t>
+            </a:r>
+            <a:r>
+              <a:rPr lang="en-US" dirty="0"/>
+              <a:t>GitHub</a:t>
+            </a:r>
+            <a:r>
+              <a:rPr lang="he-IL" dirty="0"/>
+              <a:t>, שמרתי את הקבצים ב-</a:t>
+            </a:r>
+            <a:r>
+              <a:rPr lang="en-US" dirty="0"/>
+              <a:t>master branch</a:t>
+            </a:r>
+            <a:r>
+              <a:rPr lang="he-IL" dirty="0"/>
+              <a:t> ב</a:t>
+            </a:r>
+            <a:r>
+              <a:rPr lang="en-US" dirty="0"/>
+              <a:t>repository</a:t>
+            </a:r>
+            <a:r>
+              <a:rPr lang="he-IL" dirty="0"/>
+              <a:t> שיצרתי בשביל הפרויקט. מתי שסיימתי לכתוב קטעי קוד חשובים או לפני שעברתי לעבוד על הפרויקט ממחשב אחר, עשיתי לקבצים ששיניתי </a:t>
+            </a:r>
+            <a:r>
+              <a:rPr lang="en-US" dirty="0"/>
+              <a:t>commit</a:t>
+            </a:r>
+            <a:r>
+              <a:rPr lang="he-IL" dirty="0"/>
+              <a:t> ו-</a:t>
+            </a:r>
+            <a:r>
+              <a:rPr lang="en-US" dirty="0"/>
+              <a:t>push</a:t>
+            </a:r>
+            <a:r>
+              <a:rPr lang="he-IL" dirty="0"/>
+              <a:t>.</a:t>
+            </a:r>
+          </a:p>
+        </p:txBody>
+      </p:sp>
+    </p:spTree>
+    <p:extLst>
+      <p:ext uri="{BB962C8B-B14F-4D97-AF65-F5344CB8AC3E}">
+        <p14:creationId xmlns:p14="http://schemas.microsoft.com/office/powerpoint/2010/main" val="3799365336"/>
+      </p:ext>
+    </p:extLst>
+  </p:cSld>
+  <p:clrMapOvr>
+    <a:masterClrMapping/>
+  </p:clrMapOvr>
+</p:sld>
+</file>
+
+<file path=ppt/slides/slide6.xml><?xml version="1.0" encoding="utf-8"?>
+<p:sld xmlns:a="http://schemas.openxmlformats.org/drawingml/2006/main" xmlns:r="http://schemas.openxmlformats.org/officeDocument/2006/relationships" xmlns:p="http://schemas.openxmlformats.org/presentationml/2006/main">
+  <p:cSld>
+    <p:spTree>
+      <p:nvGrpSpPr>
+        <p:cNvPr id="1" name=""/>
+        <p:cNvGrpSpPr/>
+        <p:nvPr/>
+      </p:nvGrpSpPr>
+      <p:grpSpPr>
+        <a:xfrm>
+          <a:off x="0" y="0"/>
+          <a:ext cx="0" cy="0"/>
+          <a:chOff x="0" y="0"/>
+          <a:chExt cx="0" cy="0"/>
+        </a:xfrm>
+      </p:grpSpPr>
+      <p:sp>
+        <p:nvSpPr>
+          <p:cNvPr id="2" name="Title 1">
+            <a:extLst>
+              <a:ext uri="{FF2B5EF4-FFF2-40B4-BE49-F238E27FC236}">
+                <a16:creationId xmlns:a16="http://schemas.microsoft.com/office/drawing/2014/main" id="{78EFD4E7-0F15-13DD-A304-8354CB432CD8}"/>
+              </a:ext>
+            </a:extLst>
+          </p:cNvPr>
+          <p:cNvSpPr>
+            <a:spLocks noGrp="1"/>
+          </p:cNvSpPr>
+          <p:nvPr>
+            <p:ph type="title"/>
+          </p:nvPr>
+        </p:nvSpPr>
+        <p:spPr/>
+        <p:txBody>
+          <a:bodyPr/>
+          <a:lstStyle/>
+          <a:p>
+            <a:pPr algn="ctr"/>
+            <a:r>
+              <a:rPr lang="he-IL" dirty="0"/>
+              <a:t>ניהול קבצים</a:t>
+            </a:r>
+            <a:endParaRPr lang="en-US" dirty="0"/>
+          </a:p>
+        </p:txBody>
+      </p:sp>
+      <p:sp>
+        <p:nvSpPr>
+          <p:cNvPr id="3" name="Content Placeholder 2">
+            <a:extLst>
+              <a:ext uri="{FF2B5EF4-FFF2-40B4-BE49-F238E27FC236}">
+                <a16:creationId xmlns:a16="http://schemas.microsoft.com/office/drawing/2014/main" id="{51440B22-3A1A-6454-04F7-E5EE84D24146}"/>
+              </a:ext>
+            </a:extLst>
+          </p:cNvPr>
+          <p:cNvSpPr>
+            <a:spLocks noGrp="1"/>
+          </p:cNvSpPr>
+          <p:nvPr>
+            <p:ph idx="1"/>
+          </p:nvPr>
+        </p:nvSpPr>
+        <p:spPr/>
+        <p:txBody>
+          <a:bodyPr>
+            <a:normAutofit fontScale="92500"/>
+          </a:bodyPr>
+          <a:lstStyle/>
+          <a:p>
+            <a:r>
+              <a:rPr lang="he-IL" dirty="0"/>
+              <a:t>את כל הקבצים של הפרויקט שמרתי בתיקייה בשם </a:t>
+            </a:r>
+            <a:r>
+              <a:rPr lang="en-US" dirty="0"/>
+              <a:t>FileSpace</a:t>
+            </a:r>
+            <a:r>
+              <a:rPr lang="he-IL" dirty="0"/>
+              <a:t>.</a:t>
+            </a:r>
+          </a:p>
+          <a:p>
+            <a:r>
+              <a:rPr lang="he-IL" dirty="0"/>
+              <a:t>בנוסף, התיקיות </a:t>
+            </a:r>
+            <a:r>
+              <a:rPr lang="en-US" dirty="0"/>
+              <a:t>ServerFolder </a:t>
+            </a:r>
+            <a:r>
+              <a:rPr lang="he-IL" dirty="0"/>
+              <a:t> ו </a:t>
+            </a:r>
+            <a:r>
+              <a:rPr lang="en-US" dirty="0"/>
+              <a:t>FS</a:t>
+            </a:r>
+            <a:r>
+              <a:rPr lang="he-IL" dirty="0"/>
+              <a:t> נמצאות בתיקייה זו והן אחראיות על אחסון הקבצים של המשתמשים.</a:t>
+            </a:r>
+          </a:p>
+          <a:p>
+            <a:r>
+              <a:rPr lang="en-US" dirty="0"/>
+              <a:t>ServerFolder</a:t>
+            </a:r>
+            <a:r>
+              <a:rPr lang="he-IL" dirty="0"/>
+              <a:t> מאחסנת תיקיות בשמות המשתמשים ובהן השרת מבצע שינויים לפריטיהן.</a:t>
+            </a:r>
+          </a:p>
+          <a:p>
+            <a:r>
+              <a:rPr lang="en-US" dirty="0"/>
+              <a:t>FS</a:t>
+            </a:r>
+            <a:r>
+              <a:rPr lang="he-IL" dirty="0"/>
+              <a:t> מאחסנת את: </a:t>
+            </a:r>
+          </a:p>
+          <a:p>
+            <a:pPr lvl="1"/>
+            <a:r>
+              <a:rPr lang="he-IL" i="0" dirty="0"/>
+              <a:t>תיקיית </a:t>
+            </a:r>
+            <a:r>
+              <a:rPr lang="en-US" i="0" dirty="0"/>
+              <a:t>Folders</a:t>
+            </a:r>
+            <a:r>
+              <a:rPr lang="he-IL" i="0" dirty="0"/>
+              <a:t>: מאחסנת תיקיות בשמות המשתמשים שהתחברו באותו המחשב. תיקיות אלו הן התיקיות הראשיות של כל משתמש.</a:t>
+            </a:r>
+          </a:p>
+          <a:p>
+            <a:pPr lvl="1"/>
+            <a:r>
+              <a:rPr lang="he-IL" i="0" dirty="0"/>
+              <a:t>תיקיית </a:t>
+            </a:r>
+            <a:r>
+              <a:rPr lang="en-US" i="0" dirty="0"/>
+              <a:t>Read And Write</a:t>
+            </a:r>
+            <a:r>
+              <a:rPr lang="he-IL" i="0" dirty="0"/>
+              <a:t>: מאחסנת תיקיות בשמות המשתמשים ובהן התיקיות של המשתמשים שמשתפים עם המשתמש עם הרשאות כתיבה וקריאה.</a:t>
+            </a:r>
+          </a:p>
+          <a:p>
+            <a:pPr lvl="1"/>
+            <a:r>
+              <a:rPr lang="he-IL" i="0" dirty="0"/>
+              <a:t>תיקיית </a:t>
+            </a:r>
+            <a:r>
+              <a:rPr lang="en-US" i="0" dirty="0"/>
+              <a:t>Read Only</a:t>
+            </a:r>
+            <a:r>
+              <a:rPr lang="he-IL" i="0" dirty="0"/>
+              <a:t>: מאחסנת תיקיות בשמות המשתמשים ובהן התיקיות של המשתמשים שמשתפים עם המשתמש עם הרשאות כתיבה בלבד.</a:t>
+            </a:r>
+          </a:p>
+          <a:p>
+            <a:pPr lvl="1"/>
+            <a:endParaRPr lang="he-IL" dirty="0"/>
+          </a:p>
+        </p:txBody>
+      </p:sp>
+    </p:spTree>
+    <p:extLst>
+      <p:ext uri="{BB962C8B-B14F-4D97-AF65-F5344CB8AC3E}">
+        <p14:creationId xmlns:p14="http://schemas.microsoft.com/office/powerpoint/2010/main" val="3218068481"/>
+      </p:ext>
+    </p:extLst>
+  </p:cSld>
+  <p:clrMapOvr>
+    <a:masterClrMapping/>
+  </p:clrMapOvr>
+</p:sld>
+</file>
+
+<file path=ppt/slides/slide7.xml><?xml version="1.0" encoding="utf-8"?>
+<p:sld xmlns:a="http://schemas.openxmlformats.org/drawingml/2006/main" xmlns:r="http://schemas.openxmlformats.org/officeDocument/2006/relationships" xmlns:p="http://schemas.openxmlformats.org/presentationml/2006/main">
+  <p:cSld>
+    <p:spTree>
+      <p:nvGrpSpPr>
+        <p:cNvPr id="1" name=""/>
+        <p:cNvGrpSpPr/>
+        <p:nvPr/>
+      </p:nvGrpSpPr>
+      <p:grpSpPr>
+        <a:xfrm>
+          <a:off x="0" y="0"/>
+          <a:ext cx="0" cy="0"/>
+          <a:chOff x="0" y="0"/>
+          <a:chExt cx="0" cy="0"/>
+        </a:xfrm>
+      </p:grpSpPr>
+      <p:sp>
+        <p:nvSpPr>
+          <p:cNvPr id="2" name="Title 1">
+            <a:extLst>
+              <a:ext uri="{FF2B5EF4-FFF2-40B4-BE49-F238E27FC236}">
+                <a16:creationId xmlns:a16="http://schemas.microsoft.com/office/drawing/2014/main" id="{F94FDF0E-6A34-E05E-C35E-61B1CE33680F}"/>
+              </a:ext>
+            </a:extLst>
+          </p:cNvPr>
+          <p:cNvSpPr>
+            <a:spLocks noGrp="1"/>
+          </p:cNvSpPr>
+          <p:nvPr>
+            <p:ph type="title"/>
+          </p:nvPr>
+        </p:nvSpPr>
+        <p:spPr/>
+        <p:txBody>
+          <a:bodyPr/>
+          <a:lstStyle/>
+          <a:p>
+            <a:pPr algn="ctr"/>
+            <a:r>
+              <a:rPr lang="he-IL" dirty="0"/>
+              <a:t>בסיסי נתונים</a:t>
+            </a:r>
+            <a:endParaRPr lang="en-US" dirty="0"/>
+          </a:p>
+        </p:txBody>
+      </p:sp>
+      <p:sp>
+        <p:nvSpPr>
+          <p:cNvPr id="3" name="Content Placeholder 2">
+            <a:extLst>
+              <a:ext uri="{FF2B5EF4-FFF2-40B4-BE49-F238E27FC236}">
+                <a16:creationId xmlns:a16="http://schemas.microsoft.com/office/drawing/2014/main" id="{5BCA28B9-D94D-C214-9314-1555CAB1C516}"/>
+              </a:ext>
+            </a:extLst>
+          </p:cNvPr>
+          <p:cNvSpPr>
+            <a:spLocks noGrp="1"/>
+          </p:cNvSpPr>
+          <p:nvPr>
+            <p:ph idx="1"/>
+          </p:nvPr>
+        </p:nvSpPr>
+        <p:spPr>
+          <a:xfrm>
+            <a:off x="1371600" y="2286000"/>
+            <a:ext cx="9601200" cy="4101152"/>
+          </a:xfrm>
+        </p:spPr>
+        <p:txBody>
+          <a:bodyPr>
+            <a:normAutofit lnSpcReduction="10000"/>
+          </a:bodyPr>
+          <a:lstStyle/>
+          <a:p>
+            <a:r>
+              <a:rPr lang="he-IL" dirty="0"/>
+              <a:t>לצורך שמירת נתונים השתמשתי בטבלאות בבסיס נתונים </a:t>
+            </a:r>
+            <a:r>
+              <a:rPr lang="en-US" dirty="0"/>
+              <a:t>MySQL</a:t>
+            </a:r>
+            <a:r>
+              <a:rPr lang="he-IL" dirty="0"/>
+              <a:t>.</a:t>
+            </a:r>
+            <a:endParaRPr lang="en-US" dirty="0"/>
+          </a:p>
+          <a:p>
+            <a:r>
+              <a:rPr lang="he-IL" dirty="0"/>
+              <a:t>טבלת </a:t>
+            </a:r>
+            <a:r>
+              <a:rPr lang="en-US" dirty="0"/>
+              <a:t>users</a:t>
+            </a:r>
+            <a:r>
+              <a:rPr lang="he-IL" dirty="0"/>
+              <a:t>: </a:t>
+            </a:r>
+          </a:p>
+          <a:p>
+            <a:pPr lvl="1"/>
+            <a:r>
+              <a:rPr lang="en-US" i="0" dirty="0"/>
+              <a:t>username</a:t>
+            </a:r>
+          </a:p>
+          <a:p>
+            <a:pPr lvl="1"/>
+            <a:r>
+              <a:rPr lang="en-US" i="0" dirty="0"/>
+              <a:t>password</a:t>
+            </a:r>
+            <a:r>
+              <a:rPr lang="he-IL" i="0" dirty="0"/>
+              <a:t>: הסיסמא המוצפנת.</a:t>
+            </a:r>
+            <a:endParaRPr lang="en-US" i="0" dirty="0"/>
+          </a:p>
+          <a:p>
+            <a:pPr lvl="1"/>
+            <a:r>
+              <a:rPr lang="en-US" i="0" dirty="0"/>
+              <a:t>friends</a:t>
+            </a:r>
+            <a:r>
+              <a:rPr lang="he-IL" i="0" dirty="0"/>
+              <a:t>: </a:t>
+            </a:r>
+            <a:r>
+              <a:rPr lang="en-US" i="0" dirty="0"/>
+              <a:t>comma separated string</a:t>
+            </a:r>
+            <a:r>
+              <a:rPr lang="he-IL" i="0" dirty="0"/>
+              <a:t> של החברים של המשתמש.</a:t>
+            </a:r>
+            <a:endParaRPr lang="en-US" i="0" dirty="0"/>
+          </a:p>
+          <a:p>
+            <a:pPr lvl="1"/>
+            <a:r>
+              <a:rPr lang="en-US" i="0" dirty="0"/>
+              <a:t>friend_requests</a:t>
+            </a:r>
+            <a:r>
+              <a:rPr lang="he-IL" i="0" dirty="0"/>
+              <a:t>: </a:t>
+            </a:r>
+            <a:r>
+              <a:rPr lang="en-US" i="0" dirty="0"/>
+              <a:t>comma separated string</a:t>
+            </a:r>
+            <a:r>
+              <a:rPr lang="he-IL" i="0" dirty="0"/>
+              <a:t> של המשתמשים ששלחו בקשת חברות למשתמש.</a:t>
+            </a:r>
+          </a:p>
+          <a:p>
+            <a:r>
+              <a:rPr lang="he-IL" dirty="0"/>
+              <a:t>טבלת </a:t>
+            </a:r>
+            <a:r>
+              <a:rPr lang="en-US" dirty="0"/>
+              <a:t>users_sharing</a:t>
+            </a:r>
+            <a:r>
+              <a:rPr lang="he-IL" dirty="0"/>
+              <a:t>:</a:t>
+            </a:r>
+          </a:p>
+          <a:p>
+            <a:pPr lvl="1"/>
+            <a:r>
+              <a:rPr lang="en-US" i="0" dirty="0"/>
+              <a:t>sharing_user</a:t>
+            </a:r>
+            <a:r>
+              <a:rPr lang="he-IL" i="0" dirty="0"/>
+              <a:t>: המשתמש המשתף.</a:t>
+            </a:r>
+          </a:p>
+          <a:p>
+            <a:pPr lvl="1"/>
+            <a:r>
+              <a:rPr lang="en-US" i="0" dirty="0"/>
+              <a:t>shared_user</a:t>
+            </a:r>
+            <a:r>
+              <a:rPr lang="he-IL" i="0" dirty="0"/>
+              <a:t>: המשתמש שאליו משתפים.</a:t>
+            </a:r>
+          </a:p>
+          <a:p>
+            <a:pPr lvl="1"/>
+            <a:r>
+              <a:rPr lang="en-US" i="0" dirty="0"/>
+              <a:t>permission</a:t>
+            </a:r>
+            <a:r>
+              <a:rPr lang="he-IL" i="0" dirty="0"/>
+              <a:t>: ההרשאה שהמשתף נתן למשותף. </a:t>
+            </a:r>
+            <a:r>
+              <a:rPr lang="en-US" i="0" dirty="0"/>
+              <a:t>(read/read_write)</a:t>
+            </a:r>
+            <a:endParaRPr lang="he-IL" i="0" dirty="0"/>
+          </a:p>
+        </p:txBody>
+      </p:sp>
+    </p:spTree>
+    <p:extLst>
+      <p:ext uri="{BB962C8B-B14F-4D97-AF65-F5344CB8AC3E}">
+        <p14:creationId xmlns:p14="http://schemas.microsoft.com/office/powerpoint/2010/main" val="3604851345"/>
+      </p:ext>
+    </p:extLst>
+  </p:cSld>
+  <p:clrMapOvr>
+    <a:masterClrMapping/>
+  </p:clrMapOvr>
+</p:sld>
+</file>
+
+<file path=ppt/slides/slide8.xml><?xml version="1.0" encoding="utf-8"?>
+<p:sld xmlns:a="http://schemas.openxmlformats.org/drawingml/2006/main" xmlns:r="http://schemas.openxmlformats.org/officeDocument/2006/relationships" xmlns:p="http://schemas.openxmlformats.org/presentationml/2006/main">
+  <p:cSld>
+    <p:spTree>
+      <p:nvGrpSpPr>
+        <p:cNvPr id="1" name=""/>
+        <p:cNvGrpSpPr/>
+        <p:nvPr/>
+      </p:nvGrpSpPr>
+      <p:grpSpPr>
+        <a:xfrm>
+          <a:off x="0" y="0"/>
+          <a:ext cx="0" cy="0"/>
+          <a:chOff x="0" y="0"/>
+          <a:chExt cx="0" cy="0"/>
+        </a:xfrm>
+      </p:grpSpPr>
+      <p:sp>
+        <p:nvSpPr>
+          <p:cNvPr id="2" name="Title 1">
+            <a:extLst>
+              <a:ext uri="{FF2B5EF4-FFF2-40B4-BE49-F238E27FC236}">
+                <a16:creationId xmlns:a16="http://schemas.microsoft.com/office/drawing/2014/main" id="{A236AE95-878D-FBFC-7AAE-10267FF32061}"/>
+              </a:ext>
+            </a:extLst>
+          </p:cNvPr>
+          <p:cNvSpPr>
+            <a:spLocks noGrp="1"/>
+          </p:cNvSpPr>
+          <p:nvPr>
+            <p:ph type="title"/>
+          </p:nvPr>
+        </p:nvSpPr>
+        <p:spPr/>
+        <p:txBody>
+          <a:bodyPr/>
+          <a:lstStyle/>
+          <a:p>
+            <a:pPr algn="ctr"/>
+            <a:r>
+              <a:rPr lang="he-IL" dirty="0"/>
+              <a:t>קטעי קוד</a:t>
+            </a:r>
+            <a:endParaRPr lang="en-US" dirty="0"/>
+          </a:p>
+        </p:txBody>
+      </p:sp>
+      <p:sp>
+        <p:nvSpPr>
+          <p:cNvPr id="9" name="Rectangle 4">
+            <a:extLst>
+              <a:ext uri="{FF2B5EF4-FFF2-40B4-BE49-F238E27FC236}">
+                <a16:creationId xmlns:a16="http://schemas.microsoft.com/office/drawing/2014/main" id="{0DA2B54B-9493-193C-1528-27A8E2F49B17}"/>
+              </a:ext>
+            </a:extLst>
+          </p:cNvPr>
+          <p:cNvSpPr>
+            <a:spLocks noGrp="1" noChangeArrowheads="1"/>
+          </p:cNvSpPr>
+          <p:nvPr>
+            <p:ph idx="1"/>
+          </p:nvPr>
+        </p:nvSpPr>
+        <p:spPr bwMode="auto">
+          <a:xfrm>
+            <a:off x="6278608" y="1755458"/>
+            <a:ext cx="5717274" cy="1692771"/>
+          </a:xfrm>
+          <a:prstGeom prst="rect">
+            <a:avLst/>
+          </a:prstGeom>
+          <a:solidFill>
+            <a:srgbClr val="2B2B2B"/>
+          </a:solidFill>
+          <a:ln>
+            <a:noFill/>
+          </a:ln>
+          <a:effectLst/>
+          <a:extLst>
+            <a:ext uri="{91240B29-F687-4F45-9708-019B960494DF}">
+              <a14:hiddenLine xmlns:a14="http://schemas.microsoft.com/office/drawing/2010/main" w="9525">
+                <a:solidFill>
+                  <a:schemeClr val="tx1"/>
+                </a:solidFill>
+                <a:miter lim="800000"/>
+                <a:headEnd/>
+                <a:tailEnd/>
+              </a14:hiddenLine>
+            </a:ext>
+            <a:ext uri="{AF507438-7753-43E0-B8FC-AC1667EBCBE1}">
+              <a14:hiddenEffects xmlns:a14="http://schemas.microsoft.com/office/drawing/2010/main">
+                <a:effectLst>
+                  <a:outerShdw dist="35921" dir="2700000" algn="ctr" rotWithShape="0">
+                    <a:schemeClr val="bg2"/>
+                  </a:outerShdw>
+                </a:effectLst>
+              </a14:hiddenEffects>
+            </a:ext>
+          </a:extLst>
+        </p:spPr>
+        <p:txBody>
+          <a:bodyPr vert="horz" wrap="square" lIns="91440" tIns="45720" rIns="91440" bIns="45720" numCol="1" anchor="ctr" anchorCtr="0" compatLnSpc="1">
+            <a:prstTxWarp prst="textNoShape">
+              <a:avLst/>
+            </a:prstTxWarp>
+            <a:spAutoFit/>
+          </a:bodyPr>
+          <a:lstStyle/>
+          <a:p>
+            <a:pPr marL="0" marR="0" lvl="0" indent="0" algn="l" defTabSz="914400" rtl="0" eaLnBrk="0" fontAlgn="base" latinLnBrk="0" hangingPunct="0">
+              <a:lnSpc>
+                <a:spcPct val="100000"/>
+              </a:lnSpc>
+              <a:spcBef>
+                <a:spcPct val="0"/>
+              </a:spcBef>
+              <a:spcAft>
+                <a:spcPct val="0"/>
+              </a:spcAft>
+              <a:buClrTx/>
+              <a:buSzTx/>
+              <a:buFontTx/>
+              <a:buNone/>
+              <a:tabLst/>
+            </a:pPr>
+            <a:r>
+              <a:rPr kumimoji="0" lang="en-US" altLang="en-US" sz="800" b="0" i="0" u="none" strike="noStrike" cap="none" normalizeH="0" baseline="0" dirty="0">
+                <a:ln>
+                  <a:noFill/>
+                </a:ln>
+                <a:solidFill>
+                  <a:srgbClr val="CC7832"/>
+                </a:solidFill>
+                <a:effectLst/>
+                <a:latin typeface="JetBrains Mono"/>
+              </a:rPr>
+              <a:t>def </a:t>
+            </a:r>
+            <a:r>
+              <a:rPr kumimoji="0" lang="en-US" altLang="en-US" sz="800" b="0" i="0" u="none" strike="noStrike" cap="none" normalizeH="0" baseline="0" dirty="0">
+                <a:ln>
+                  <a:noFill/>
+                </a:ln>
+                <a:solidFill>
+                  <a:srgbClr val="FFC66D"/>
+                </a:solidFill>
+                <a:effectLst/>
+                <a:latin typeface="JetBrains Mono"/>
+              </a:rPr>
+              <a:t>add_to_waiting_commands</a:t>
+            </a:r>
+            <a:r>
+              <a:rPr kumimoji="0" lang="en-US" altLang="en-US" sz="800" b="0" i="0" u="none" strike="noStrike" cap="none" normalizeH="0" baseline="0" dirty="0">
+                <a:ln>
+                  <a:noFill/>
+                </a:ln>
+                <a:solidFill>
+                  <a:srgbClr val="A9B7C6"/>
+                </a:solidFill>
+                <a:effectLst/>
+                <a:latin typeface="JetBrains Mono"/>
+              </a:rPr>
+              <a:t>(users</a:t>
+            </a:r>
+            <a:r>
+              <a:rPr kumimoji="0" lang="en-US" altLang="en-US" sz="800" b="0" i="0" u="none" strike="noStrike" cap="none" normalizeH="0" baseline="0" dirty="0">
+                <a:ln>
+                  <a:noFill/>
+                </a:ln>
+                <a:solidFill>
+                  <a:srgbClr val="CC7832"/>
+                </a:solidFill>
+                <a:effectLst/>
+                <a:latin typeface="JetBrains Mono"/>
+              </a:rPr>
+              <a:t>, </a:t>
+            </a:r>
+            <a:r>
+              <a:rPr kumimoji="0" lang="en-US" altLang="en-US" sz="800" b="0" i="0" u="none" strike="noStrike" cap="none" normalizeH="0" baseline="0" dirty="0">
+                <a:ln>
+                  <a:noFill/>
+                </a:ln>
+                <a:solidFill>
+                  <a:srgbClr val="A9B7C6"/>
+                </a:solidFill>
+                <a:effectLst/>
+                <a:latin typeface="JetBrains Mono"/>
+              </a:rPr>
+              <a:t>command):</a:t>
+            </a:r>
+            <a:br>
+              <a:rPr kumimoji="0" lang="en-US" altLang="en-US" sz="800" b="0" i="0" u="none" strike="noStrike" cap="none" normalizeH="0" baseline="0" dirty="0">
+                <a:ln>
+                  <a:noFill/>
+                </a:ln>
+                <a:solidFill>
+                  <a:srgbClr val="A9B7C6"/>
+                </a:solidFill>
+                <a:effectLst/>
+                <a:latin typeface="JetBrains Mono"/>
+              </a:rPr>
+            </a:br>
+            <a:r>
+              <a:rPr kumimoji="0" lang="en-US" altLang="en-US" sz="800" b="0" i="0" u="none" strike="noStrike" cap="none" normalizeH="0" baseline="0" dirty="0">
+                <a:ln>
+                  <a:noFill/>
+                </a:ln>
+                <a:solidFill>
+                  <a:srgbClr val="A9B7C6"/>
+                </a:solidFill>
+                <a:effectLst/>
+                <a:latin typeface="JetBrains Mono"/>
+              </a:rPr>
+              <a:t>    </a:t>
+            </a:r>
+            <a:r>
+              <a:rPr kumimoji="0" lang="en-US" altLang="en-US" sz="800" b="0" i="1" u="none" strike="noStrike" cap="none" normalizeH="0" baseline="0" dirty="0">
+                <a:ln>
+                  <a:noFill/>
+                </a:ln>
+                <a:solidFill>
+                  <a:srgbClr val="629755"/>
+                </a:solidFill>
+                <a:effectLst/>
+                <a:latin typeface="JetBrains Mono"/>
+              </a:rPr>
+              <a:t>"""</a:t>
+            </a:r>
+            <a:br>
+              <a:rPr kumimoji="0" lang="en-US" altLang="en-US" sz="800" b="0" i="1" u="none" strike="noStrike" cap="none" normalizeH="0" baseline="0" dirty="0">
+                <a:ln>
+                  <a:noFill/>
+                </a:ln>
+                <a:solidFill>
+                  <a:srgbClr val="629755"/>
+                </a:solidFill>
+                <a:effectLst/>
+                <a:latin typeface="JetBrains Mono"/>
+              </a:rPr>
+            </a:br>
+            <a:r>
+              <a:rPr kumimoji="0" lang="en-US" altLang="en-US" sz="800" b="0" i="1" u="none" strike="noStrike" cap="none" normalizeH="0" baseline="0" dirty="0">
+                <a:ln>
+                  <a:noFill/>
+                </a:ln>
+                <a:solidFill>
+                  <a:srgbClr val="629755"/>
+                </a:solidFill>
+                <a:effectLst/>
+                <a:latin typeface="JetBrains Mono"/>
+              </a:rPr>
+              <a:t>    Adds a command to the waiting commands for each user.</a:t>
+            </a:r>
+            <a:br>
+              <a:rPr kumimoji="0" lang="en-US" altLang="en-US" sz="800" b="0" i="1" u="none" strike="noStrike" cap="none" normalizeH="0" baseline="0" dirty="0">
+                <a:ln>
+                  <a:noFill/>
+                </a:ln>
+                <a:solidFill>
+                  <a:srgbClr val="629755"/>
+                </a:solidFill>
+                <a:effectLst/>
+                <a:latin typeface="JetBrains Mono"/>
+              </a:rPr>
+            </a:br>
+            <a:br>
+              <a:rPr kumimoji="0" lang="en-US" altLang="en-US" sz="800" b="0" i="1" u="none" strike="noStrike" cap="none" normalizeH="0" baseline="0" dirty="0">
+                <a:ln>
+                  <a:noFill/>
+                </a:ln>
+                <a:solidFill>
+                  <a:srgbClr val="629755"/>
+                </a:solidFill>
+                <a:effectLst/>
+                <a:latin typeface="JetBrains Mono"/>
+              </a:rPr>
+            </a:br>
+            <a:r>
+              <a:rPr kumimoji="0" lang="en-US" altLang="en-US" sz="800" b="0" i="1" u="none" strike="noStrike" cap="none" normalizeH="0" baseline="0" dirty="0">
+                <a:ln>
+                  <a:noFill/>
+                </a:ln>
+                <a:solidFill>
+                  <a:srgbClr val="629755"/>
+                </a:solidFill>
+                <a:effectLst/>
+                <a:latin typeface="JetBrains Mono"/>
+              </a:rPr>
+              <a:t>    </a:t>
+            </a:r>
+            <a:r>
+              <a:rPr kumimoji="0" lang="en-US" altLang="en-US" sz="800" b="1" i="1" u="none" strike="noStrike" cap="none" normalizeH="0" baseline="0" dirty="0">
+                <a:ln>
+                  <a:noFill/>
+                </a:ln>
+                <a:solidFill>
+                  <a:srgbClr val="629755"/>
+                </a:solidFill>
+                <a:effectLst/>
+                <a:latin typeface="JetBrains Mono"/>
+              </a:rPr>
+              <a:t>:param</a:t>
+            </a:r>
+            <a:r>
+              <a:rPr kumimoji="0" lang="en-US" altLang="en-US" sz="800" b="0" i="1" u="none" strike="noStrike" cap="none" normalizeH="0" baseline="0" dirty="0">
+                <a:ln>
+                  <a:noFill/>
+                </a:ln>
+                <a:solidFill>
+                  <a:srgbClr val="629755"/>
+                </a:solidFill>
+                <a:effectLst/>
+                <a:latin typeface="JetBrains Mono"/>
+              </a:rPr>
+              <a:t> users: A list of users.</a:t>
+            </a:r>
+            <a:br>
+              <a:rPr kumimoji="0" lang="en-US" altLang="en-US" sz="800" b="0" i="1" u="none" strike="noStrike" cap="none" normalizeH="0" baseline="0" dirty="0">
+                <a:ln>
+                  <a:noFill/>
+                </a:ln>
+                <a:solidFill>
+                  <a:srgbClr val="629755"/>
+                </a:solidFill>
+                <a:effectLst/>
+                <a:latin typeface="JetBrains Mono"/>
+              </a:rPr>
+            </a:br>
+            <a:r>
+              <a:rPr kumimoji="0" lang="en-US" altLang="en-US" sz="800" b="0" i="1" u="none" strike="noStrike" cap="none" normalizeH="0" baseline="0" dirty="0">
+                <a:ln>
+                  <a:noFill/>
+                </a:ln>
+                <a:solidFill>
+                  <a:srgbClr val="629755"/>
+                </a:solidFill>
+                <a:effectLst/>
+                <a:latin typeface="JetBrains Mono"/>
+              </a:rPr>
+              <a:t>    </a:t>
+            </a:r>
+            <a:r>
+              <a:rPr kumimoji="0" lang="en-US" altLang="en-US" sz="800" b="1" i="1" u="none" strike="noStrike" cap="none" normalizeH="0" baseline="0" dirty="0">
+                <a:ln>
+                  <a:noFill/>
+                </a:ln>
+                <a:solidFill>
+                  <a:srgbClr val="629755"/>
+                </a:solidFill>
+                <a:effectLst/>
+                <a:latin typeface="JetBrains Mono"/>
+              </a:rPr>
+              <a:t>:param</a:t>
+            </a:r>
+            <a:r>
+              <a:rPr kumimoji="0" lang="en-US" altLang="en-US" sz="800" b="0" i="1" u="none" strike="noStrike" cap="none" normalizeH="0" baseline="0" dirty="0">
+                <a:ln>
+                  <a:noFill/>
+                </a:ln>
+                <a:solidFill>
+                  <a:srgbClr val="629755"/>
+                </a:solidFill>
+                <a:effectLst/>
+                <a:latin typeface="JetBrains Mono"/>
+              </a:rPr>
+              <a:t> command: The command to be added to the waiting commands.</a:t>
+            </a:r>
+            <a:br>
+              <a:rPr kumimoji="0" lang="en-US" altLang="en-US" sz="800" b="0" i="1" u="none" strike="noStrike" cap="none" normalizeH="0" baseline="0" dirty="0">
+                <a:ln>
+                  <a:noFill/>
+                </a:ln>
+                <a:solidFill>
+                  <a:srgbClr val="629755"/>
+                </a:solidFill>
+                <a:effectLst/>
+                <a:latin typeface="JetBrains Mono"/>
+              </a:rPr>
+            </a:br>
+            <a:r>
+              <a:rPr kumimoji="0" lang="en-US" altLang="en-US" sz="800" b="0" i="1" u="none" strike="noStrike" cap="none" normalizeH="0" baseline="0" dirty="0">
+                <a:ln>
+                  <a:noFill/>
+                </a:ln>
+                <a:solidFill>
+                  <a:srgbClr val="629755"/>
+                </a:solidFill>
+                <a:effectLst/>
+                <a:latin typeface="JetBrains Mono"/>
+              </a:rPr>
+              <a:t>    </a:t>
+            </a:r>
+            <a:r>
+              <a:rPr kumimoji="0" lang="en-US" altLang="en-US" sz="800" b="1" i="1" u="none" strike="noStrike" cap="none" normalizeH="0" baseline="0" dirty="0">
+                <a:ln>
+                  <a:noFill/>
+                </a:ln>
+                <a:solidFill>
+                  <a:srgbClr val="629755"/>
+                </a:solidFill>
+                <a:effectLst/>
+                <a:latin typeface="JetBrains Mono"/>
+              </a:rPr>
+              <a:t>:returns</a:t>
+            </a:r>
+            <a:r>
+              <a:rPr kumimoji="0" lang="en-US" altLang="en-US" sz="800" b="0" i="1" u="none" strike="noStrike" cap="none" normalizeH="0" baseline="0" dirty="0">
+                <a:ln>
+                  <a:noFill/>
+                </a:ln>
+                <a:solidFill>
+                  <a:srgbClr val="629755"/>
+                </a:solidFill>
+                <a:effectLst/>
+                <a:latin typeface="JetBrains Mono"/>
+              </a:rPr>
+              <a:t>: None</a:t>
+            </a:r>
+            <a:br>
+              <a:rPr kumimoji="0" lang="en-US" altLang="en-US" sz="800" b="0" i="1" u="none" strike="noStrike" cap="none" normalizeH="0" baseline="0" dirty="0">
+                <a:ln>
+                  <a:noFill/>
+                </a:ln>
+                <a:solidFill>
+                  <a:srgbClr val="629755"/>
+                </a:solidFill>
+                <a:effectLst/>
+                <a:latin typeface="JetBrains Mono"/>
+              </a:rPr>
+            </a:br>
+            <a:r>
+              <a:rPr kumimoji="0" lang="en-US" altLang="en-US" sz="800" b="0" i="1" u="none" strike="noStrike" cap="none" normalizeH="0" baseline="0" dirty="0">
+                <a:ln>
+                  <a:noFill/>
+                </a:ln>
+                <a:solidFill>
+                  <a:srgbClr val="629755"/>
+                </a:solidFill>
+                <a:effectLst/>
+                <a:latin typeface="JetBrains Mono"/>
+              </a:rPr>
+              <a:t>    """</a:t>
+            </a:r>
+            <a:br>
+              <a:rPr kumimoji="0" lang="en-US" altLang="en-US" sz="800" b="0" i="1" u="none" strike="noStrike" cap="none" normalizeH="0" baseline="0" dirty="0">
+                <a:ln>
+                  <a:noFill/>
+                </a:ln>
+                <a:solidFill>
+                  <a:srgbClr val="629755"/>
+                </a:solidFill>
+                <a:effectLst/>
+                <a:latin typeface="JetBrains Mono"/>
+              </a:rPr>
+            </a:br>
+            <a:r>
+              <a:rPr kumimoji="0" lang="en-US" altLang="en-US" sz="800" b="0" i="1" u="none" strike="noStrike" cap="none" normalizeH="0" baseline="0" dirty="0">
+                <a:ln>
+                  <a:noFill/>
+                </a:ln>
+                <a:solidFill>
+                  <a:srgbClr val="629755"/>
+                </a:solidFill>
+                <a:effectLst/>
+                <a:latin typeface="JetBrains Mono"/>
+              </a:rPr>
+              <a:t>    </a:t>
+            </a:r>
+            <a:r>
+              <a:rPr kumimoji="0" lang="en-US" altLang="en-US" sz="800" b="0" i="0" u="none" strike="noStrike" cap="none" normalizeH="0" baseline="0" dirty="0">
+                <a:ln>
+                  <a:noFill/>
+                </a:ln>
+                <a:solidFill>
+                  <a:srgbClr val="CC7832"/>
+                </a:solidFill>
+                <a:effectLst/>
+                <a:latin typeface="JetBrains Mono"/>
+              </a:rPr>
+              <a:t>for </a:t>
+            </a:r>
+            <a:r>
+              <a:rPr kumimoji="0" lang="en-US" altLang="en-US" sz="800" b="0" i="0" u="none" strike="noStrike" cap="none" normalizeH="0" baseline="0" dirty="0">
+                <a:ln>
+                  <a:noFill/>
+                </a:ln>
+                <a:solidFill>
+                  <a:srgbClr val="A9B7C6"/>
+                </a:solidFill>
+                <a:effectLst/>
+                <a:latin typeface="JetBrains Mono"/>
+              </a:rPr>
+              <a:t>user </a:t>
+            </a:r>
+            <a:r>
+              <a:rPr kumimoji="0" lang="en-US" altLang="en-US" sz="800" b="0" i="0" u="none" strike="noStrike" cap="none" normalizeH="0" baseline="0" dirty="0">
+                <a:ln>
+                  <a:noFill/>
+                </a:ln>
+                <a:solidFill>
+                  <a:srgbClr val="CC7832"/>
+                </a:solidFill>
+                <a:effectLst/>
+                <a:latin typeface="JetBrains Mono"/>
+              </a:rPr>
+              <a:t>in </a:t>
+            </a:r>
+            <a:r>
+              <a:rPr kumimoji="0" lang="en-US" altLang="en-US" sz="800" b="0" i="0" u="none" strike="noStrike" cap="none" normalizeH="0" baseline="0" dirty="0">
+                <a:ln>
+                  <a:noFill/>
+                </a:ln>
+                <a:solidFill>
+                  <a:srgbClr val="A9B7C6"/>
+                </a:solidFill>
+                <a:effectLst/>
+                <a:latin typeface="JetBrains Mono"/>
+              </a:rPr>
+              <a:t>users:</a:t>
+            </a:r>
+            <a:br>
+              <a:rPr kumimoji="0" lang="en-US" altLang="en-US" sz="800" b="0" i="0" u="none" strike="noStrike" cap="none" normalizeH="0" baseline="0" dirty="0">
+                <a:ln>
+                  <a:noFill/>
+                </a:ln>
+                <a:solidFill>
+                  <a:srgbClr val="A9B7C6"/>
+                </a:solidFill>
+                <a:effectLst/>
+                <a:latin typeface="JetBrains Mono"/>
+              </a:rPr>
+            </a:br>
+            <a:r>
+              <a:rPr kumimoji="0" lang="en-US" altLang="en-US" sz="800" b="0" i="0" u="none" strike="noStrike" cap="none" normalizeH="0" baseline="0" dirty="0">
+                <a:ln>
+                  <a:noFill/>
+                </a:ln>
+                <a:solidFill>
+                  <a:srgbClr val="A9B7C6"/>
+                </a:solidFill>
+                <a:effectLst/>
+                <a:latin typeface="JetBrains Mono"/>
+              </a:rPr>
+              <a:t>        </a:t>
+            </a:r>
+            <a:r>
+              <a:rPr kumimoji="0" lang="en-US" altLang="en-US" sz="800" b="0" i="0" u="none" strike="noStrike" cap="none" normalizeH="0" baseline="0" dirty="0">
+                <a:ln>
+                  <a:noFill/>
+                </a:ln>
+                <a:solidFill>
+                  <a:srgbClr val="CC7832"/>
+                </a:solidFill>
+                <a:effectLst/>
+                <a:latin typeface="JetBrains Mono"/>
+              </a:rPr>
+              <a:t>if </a:t>
+            </a:r>
+            <a:r>
+              <a:rPr kumimoji="0" lang="en-US" altLang="en-US" sz="800" b="0" i="0" u="none" strike="noStrike" cap="none" normalizeH="0" baseline="0" dirty="0">
+                <a:ln>
+                  <a:noFill/>
+                </a:ln>
+                <a:solidFill>
+                  <a:srgbClr val="A9B7C6"/>
+                </a:solidFill>
+                <a:effectLst/>
+                <a:latin typeface="JetBrains Mono"/>
+              </a:rPr>
+              <a:t>user </a:t>
+            </a:r>
+            <a:r>
+              <a:rPr kumimoji="0" lang="en-US" altLang="en-US" sz="800" b="0" i="0" u="none" strike="noStrike" cap="none" normalizeH="0" baseline="0" dirty="0">
+                <a:ln>
+                  <a:noFill/>
+                </a:ln>
+                <a:solidFill>
+                  <a:srgbClr val="CC7832"/>
+                </a:solidFill>
+                <a:effectLst/>
+                <a:latin typeface="JetBrains Mono"/>
+              </a:rPr>
+              <a:t>in </a:t>
+            </a:r>
+            <a:r>
+              <a:rPr kumimoji="0" lang="en-US" altLang="en-US" sz="800" b="0" i="0" u="none" strike="noStrike" cap="none" normalizeH="0" baseline="0" dirty="0">
+                <a:ln>
+                  <a:noFill/>
+                </a:ln>
+                <a:solidFill>
+                  <a:srgbClr val="A9B7C6"/>
+                </a:solidFill>
+                <a:effectLst/>
+                <a:latin typeface="JetBrains Mono"/>
+              </a:rPr>
+              <a:t>waiting_commands:</a:t>
+            </a:r>
+            <a:br>
+              <a:rPr kumimoji="0" lang="en-US" altLang="en-US" sz="800" b="0" i="0" u="none" strike="noStrike" cap="none" normalizeH="0" baseline="0" dirty="0">
+                <a:ln>
+                  <a:noFill/>
+                </a:ln>
+                <a:solidFill>
+                  <a:srgbClr val="A9B7C6"/>
+                </a:solidFill>
+                <a:effectLst/>
+                <a:latin typeface="JetBrains Mono"/>
+              </a:rPr>
+            </a:br>
+            <a:r>
+              <a:rPr kumimoji="0" lang="en-US" altLang="en-US" sz="800" b="0" i="0" u="none" strike="noStrike" cap="none" normalizeH="0" baseline="0" dirty="0">
+                <a:ln>
+                  <a:noFill/>
+                </a:ln>
+                <a:solidFill>
+                  <a:srgbClr val="A9B7C6"/>
+                </a:solidFill>
+                <a:effectLst/>
+                <a:latin typeface="JetBrains Mono"/>
+              </a:rPr>
+              <a:t>            waiting_commands[user].</a:t>
+            </a:r>
+            <a:r>
+              <a:rPr kumimoji="0" lang="en-US" altLang="en-US" sz="800" b="0" i="0" u="none" strike="noStrike" cap="none" normalizeH="0" baseline="0" dirty="0">
+                <a:ln>
+                  <a:noFill/>
+                </a:ln>
+                <a:solidFill>
+                  <a:srgbClr val="E28D53"/>
+                </a:solidFill>
+                <a:effectLst/>
+                <a:latin typeface="JetBrains Mono"/>
+              </a:rPr>
+              <a:t>append</a:t>
+            </a:r>
+            <a:r>
+              <a:rPr kumimoji="0" lang="en-US" altLang="en-US" sz="800" b="0" i="0" u="none" strike="noStrike" cap="none" normalizeH="0" baseline="0" dirty="0">
+                <a:ln>
+                  <a:noFill/>
+                </a:ln>
+                <a:solidFill>
+                  <a:srgbClr val="A9B7C6"/>
+                </a:solidFill>
+                <a:effectLst/>
+                <a:latin typeface="JetBrains Mono"/>
+              </a:rPr>
+              <a:t>(command)</a:t>
+            </a:r>
+            <a:br>
+              <a:rPr kumimoji="0" lang="en-US" altLang="en-US" sz="800" b="0" i="0" u="none" strike="noStrike" cap="none" normalizeH="0" baseline="0" dirty="0">
+                <a:ln>
+                  <a:noFill/>
+                </a:ln>
+                <a:solidFill>
+                  <a:srgbClr val="A9B7C6"/>
+                </a:solidFill>
+                <a:effectLst/>
+                <a:latin typeface="JetBrains Mono"/>
+              </a:rPr>
+            </a:br>
+            <a:r>
+              <a:rPr kumimoji="0" lang="en-US" altLang="en-US" sz="800" b="0" i="0" u="none" strike="noStrike" cap="none" normalizeH="0" baseline="0" dirty="0">
+                <a:ln>
+                  <a:noFill/>
+                </a:ln>
+                <a:solidFill>
+                  <a:srgbClr val="A9B7C6"/>
+                </a:solidFill>
+                <a:effectLst/>
+                <a:latin typeface="JetBrains Mono"/>
+              </a:rPr>
+              <a:t>        </a:t>
+            </a:r>
+            <a:r>
+              <a:rPr kumimoji="0" lang="en-US" altLang="en-US" sz="800" b="0" i="0" u="none" strike="noStrike" cap="none" normalizeH="0" baseline="0" dirty="0">
+                <a:ln>
+                  <a:noFill/>
+                </a:ln>
+                <a:solidFill>
+                  <a:srgbClr val="CC7832"/>
+                </a:solidFill>
+                <a:effectLst/>
+                <a:latin typeface="JetBrains Mono"/>
+              </a:rPr>
+              <a:t>else</a:t>
+            </a:r>
+            <a:r>
+              <a:rPr kumimoji="0" lang="en-US" altLang="en-US" sz="800" b="0" i="0" u="none" strike="noStrike" cap="none" normalizeH="0" baseline="0" dirty="0">
+                <a:ln>
+                  <a:noFill/>
+                </a:ln>
+                <a:solidFill>
+                  <a:srgbClr val="A9B7C6"/>
+                </a:solidFill>
+                <a:effectLst/>
+                <a:latin typeface="JetBrains Mono"/>
+              </a:rPr>
+              <a:t>:</a:t>
+            </a:r>
+            <a:br>
+              <a:rPr kumimoji="0" lang="en-US" altLang="en-US" sz="800" b="0" i="0" u="none" strike="noStrike" cap="none" normalizeH="0" baseline="0" dirty="0">
+                <a:ln>
+                  <a:noFill/>
+                </a:ln>
+                <a:solidFill>
+                  <a:srgbClr val="A9B7C6"/>
+                </a:solidFill>
+                <a:effectLst/>
+                <a:latin typeface="JetBrains Mono"/>
+              </a:rPr>
+            </a:br>
+            <a:r>
+              <a:rPr kumimoji="0" lang="en-US" altLang="en-US" sz="800" b="0" i="0" u="none" strike="noStrike" cap="none" normalizeH="0" baseline="0" dirty="0">
+                <a:ln>
+                  <a:noFill/>
+                </a:ln>
+                <a:solidFill>
+                  <a:srgbClr val="A9B7C6"/>
+                </a:solidFill>
+                <a:effectLst/>
+                <a:latin typeface="JetBrains Mono"/>
+              </a:rPr>
+              <a:t>            waiting_commands[user] = [command]</a:t>
+            </a:r>
+            <a:endParaRPr kumimoji="0" lang="en-US" altLang="en-US" sz="1600" b="0" i="0" u="none" strike="noStrike" cap="none" normalizeH="0" baseline="0" dirty="0">
+              <a:ln>
+                <a:noFill/>
+              </a:ln>
+              <a:solidFill>
+                <a:schemeClr val="tx1"/>
+              </a:solidFill>
+              <a:effectLst/>
+              <a:latin typeface="Arial" panose="020B0604020202020204" pitchFamily="34" charset="0"/>
+            </a:endParaRPr>
+          </a:p>
+        </p:txBody>
+      </p:sp>
+      <p:sp>
+        <p:nvSpPr>
+          <p:cNvPr id="10" name="Rectangle 5">
+            <a:extLst>
+              <a:ext uri="{FF2B5EF4-FFF2-40B4-BE49-F238E27FC236}">
+                <a16:creationId xmlns:a16="http://schemas.microsoft.com/office/drawing/2014/main" id="{539B9A48-DB75-D1DD-1CA3-5F01F683E96A}"/>
+              </a:ext>
+            </a:extLst>
+          </p:cNvPr>
+          <p:cNvSpPr>
+            <a:spLocks noChangeArrowheads="1"/>
+          </p:cNvSpPr>
+          <p:nvPr/>
+        </p:nvSpPr>
+        <p:spPr bwMode="auto">
+          <a:xfrm>
+            <a:off x="6278608" y="3444178"/>
+            <a:ext cx="5717274" cy="2185214"/>
+          </a:xfrm>
+          <a:prstGeom prst="rect">
+            <a:avLst/>
+          </a:prstGeom>
+          <a:solidFill>
+            <a:srgbClr val="2B2B2B"/>
+          </a:solidFill>
+          <a:ln>
+            <a:noFill/>
+          </a:ln>
+          <a:effectLst/>
+          <a:extLst>
+            <a:ext uri="{91240B29-F687-4F45-9708-019B960494DF}">
+              <a14:hiddenLine xmlns:a14="http://schemas.microsoft.com/office/drawing/2010/main" w="9525">
+                <a:solidFill>
+                  <a:schemeClr val="tx1"/>
+                </a:solidFill>
+                <a:miter lim="800000"/>
+                <a:headEnd/>
+                <a:tailEnd/>
+              </a14:hiddenLine>
+            </a:ext>
+            <a:ext uri="{AF507438-7753-43E0-B8FC-AC1667EBCBE1}">
+              <a14:hiddenEffects xmlns:a14="http://schemas.microsoft.com/office/drawing/2010/main">
+                <a:effectLst>
+                  <a:outerShdw dist="35921" dir="2700000" algn="ctr" rotWithShape="0">
+                    <a:schemeClr val="bg2"/>
+                  </a:outerShdw>
+                </a:effectLst>
+              </a14:hiddenEffects>
+            </a:ext>
+          </a:extLst>
+        </p:spPr>
+        <p:txBody>
+          <a:bodyPr vert="horz" wrap="square" lIns="91440" tIns="45720" rIns="91440" bIns="45720" numCol="1" anchor="ctr" anchorCtr="0" compatLnSpc="1">
+            <a:prstTxWarp prst="textNoShape">
+              <a:avLst/>
+            </a:prstTxWarp>
+            <a:spAutoFit/>
+          </a:bodyPr>
+          <a:lstStyle/>
+          <a:p>
+            <a:pPr marL="0" marR="0" lvl="0" indent="0" algn="l" defTabSz="914400" rtl="0" eaLnBrk="0" fontAlgn="base" latinLnBrk="0" hangingPunct="0">
+              <a:lnSpc>
+                <a:spcPct val="100000"/>
+              </a:lnSpc>
+              <a:spcBef>
+                <a:spcPct val="0"/>
+              </a:spcBef>
+              <a:spcAft>
+                <a:spcPct val="0"/>
+              </a:spcAft>
+              <a:buClrTx/>
+              <a:buSzTx/>
+              <a:buFontTx/>
+              <a:buNone/>
+              <a:tabLst/>
+            </a:pPr>
+            <a:r>
+              <a:rPr kumimoji="0" lang="en-US" altLang="en-US" sz="800" b="0" i="0" u="none" strike="noStrike" cap="none" normalizeH="0" baseline="0" dirty="0">
+                <a:ln>
+                  <a:noFill/>
+                </a:ln>
+                <a:solidFill>
+                  <a:srgbClr val="CC7832"/>
+                </a:solidFill>
+                <a:effectLst/>
+                <a:latin typeface="JetBrains Mono"/>
+              </a:rPr>
+              <a:t>def </a:t>
+            </a:r>
+            <a:r>
+              <a:rPr kumimoji="0" lang="en-US" altLang="en-US" sz="800" b="0" i="0" u="none" strike="noStrike" cap="none" normalizeH="0" baseline="0" dirty="0">
+                <a:ln>
+                  <a:noFill/>
+                </a:ln>
+                <a:solidFill>
+                  <a:srgbClr val="FFC66D"/>
+                </a:solidFill>
+                <a:effectLst/>
+                <a:latin typeface="JetBrains Mono"/>
+              </a:rPr>
+              <a:t>update_command</a:t>
+            </a:r>
+            <a:r>
+              <a:rPr kumimoji="0" lang="en-US" altLang="en-US" sz="800" b="0" i="0" u="none" strike="noStrike" cap="none" normalizeH="0" baseline="0" dirty="0">
+                <a:ln>
+                  <a:noFill/>
+                </a:ln>
+                <a:solidFill>
+                  <a:srgbClr val="A9B7C6"/>
+                </a:solidFill>
+                <a:effectLst/>
+                <a:latin typeface="JetBrains Mono"/>
+              </a:rPr>
+              <a:t>(command</a:t>
+            </a:r>
+            <a:r>
+              <a:rPr kumimoji="0" lang="en-US" altLang="en-US" sz="800" b="0" i="0" u="none" strike="noStrike" cap="none" normalizeH="0" baseline="0" dirty="0">
+                <a:ln>
+                  <a:noFill/>
+                </a:ln>
+                <a:solidFill>
+                  <a:srgbClr val="CC7832"/>
+                </a:solidFill>
+                <a:effectLst/>
+                <a:latin typeface="JetBrains Mono"/>
+              </a:rPr>
+              <a:t>, </a:t>
+            </a:r>
+            <a:r>
+              <a:rPr kumimoji="0" lang="en-US" altLang="en-US" sz="800" b="0" i="0" u="none" strike="noStrike" cap="none" normalizeH="0" baseline="0" dirty="0">
+                <a:ln>
+                  <a:noFill/>
+                </a:ln>
+                <a:solidFill>
+                  <a:srgbClr val="A9B7C6"/>
+                </a:solidFill>
+                <a:effectLst/>
+                <a:latin typeface="JetBrains Mono"/>
+              </a:rPr>
+              <a:t>username</a:t>
+            </a:r>
+            <a:r>
+              <a:rPr kumimoji="0" lang="en-US" altLang="en-US" sz="800" b="0" i="0" u="none" strike="noStrike" cap="none" normalizeH="0" baseline="0" dirty="0">
+                <a:ln>
+                  <a:noFill/>
+                </a:ln>
+                <a:solidFill>
+                  <a:srgbClr val="CC7832"/>
+                </a:solidFill>
+                <a:effectLst/>
+                <a:latin typeface="JetBrains Mono"/>
+              </a:rPr>
+              <a:t>, </a:t>
+            </a:r>
+            <a:r>
+              <a:rPr kumimoji="0" lang="en-US" altLang="en-US" sz="800" b="0" i="0" u="none" strike="noStrike" cap="none" normalizeH="0" baseline="0" dirty="0">
+                <a:ln>
+                  <a:noFill/>
+                </a:ln>
+                <a:solidFill>
+                  <a:srgbClr val="A9B7C6"/>
+                </a:solidFill>
+                <a:effectLst/>
+                <a:latin typeface="JetBrains Mono"/>
+              </a:rPr>
+              <a:t>modified_folder):</a:t>
+            </a:r>
+            <a:br>
+              <a:rPr kumimoji="0" lang="en-US" altLang="en-US" sz="800" b="0" i="0" u="none" strike="noStrike" cap="none" normalizeH="0" baseline="0" dirty="0">
+                <a:ln>
+                  <a:noFill/>
+                </a:ln>
+                <a:solidFill>
+                  <a:srgbClr val="A9B7C6"/>
+                </a:solidFill>
+                <a:effectLst/>
+                <a:latin typeface="JetBrains Mono"/>
+              </a:rPr>
+            </a:br>
+            <a:r>
+              <a:rPr kumimoji="0" lang="en-US" altLang="en-US" sz="800" b="0" i="0" u="none" strike="noStrike" cap="none" normalizeH="0" baseline="0" dirty="0">
+                <a:ln>
+                  <a:noFill/>
+                </a:ln>
+                <a:solidFill>
+                  <a:srgbClr val="A9B7C6"/>
+                </a:solidFill>
+                <a:effectLst/>
+                <a:latin typeface="JetBrains Mono"/>
+              </a:rPr>
+              <a:t>    </a:t>
+            </a:r>
+            <a:r>
+              <a:rPr kumimoji="0" lang="en-US" altLang="en-US" sz="800" b="0" i="1" u="none" strike="noStrike" cap="none" normalizeH="0" baseline="0" dirty="0">
+                <a:ln>
+                  <a:noFill/>
+                </a:ln>
+                <a:solidFill>
+                  <a:srgbClr val="629755"/>
+                </a:solidFill>
+                <a:effectLst/>
+                <a:latin typeface="JetBrains Mono"/>
+              </a:rPr>
+              <a:t>"""</a:t>
+            </a:r>
+            <a:br>
+              <a:rPr kumimoji="0" lang="en-US" altLang="en-US" sz="800" b="0" i="1" u="none" strike="noStrike" cap="none" normalizeH="0" baseline="0" dirty="0">
+                <a:ln>
+                  <a:noFill/>
+                </a:ln>
+                <a:solidFill>
+                  <a:srgbClr val="629755"/>
+                </a:solidFill>
+                <a:effectLst/>
+                <a:latin typeface="JetBrains Mono"/>
+              </a:rPr>
+            </a:br>
+            <a:r>
+              <a:rPr kumimoji="0" lang="en-US" altLang="en-US" sz="800" b="0" i="1" u="none" strike="noStrike" cap="none" normalizeH="0" baseline="0" dirty="0">
+                <a:ln>
+                  <a:noFill/>
+                </a:ln>
+                <a:solidFill>
+                  <a:srgbClr val="629755"/>
+                </a:solidFill>
+                <a:effectLst/>
+                <a:latin typeface="JetBrains Mono"/>
+              </a:rPr>
+              <a:t>    Adds the command that was given by the user to the list of commands of each user that has any permission to the</a:t>
+            </a:r>
+            <a:br>
+              <a:rPr kumimoji="0" lang="en-US" altLang="en-US" sz="800" b="0" i="1" u="none" strike="noStrike" cap="none" normalizeH="0" baseline="0" dirty="0">
+                <a:ln>
+                  <a:noFill/>
+                </a:ln>
+                <a:solidFill>
+                  <a:srgbClr val="629755"/>
+                </a:solidFill>
+                <a:effectLst/>
+                <a:latin typeface="JetBrains Mono"/>
+              </a:rPr>
+            </a:br>
+            <a:r>
+              <a:rPr kumimoji="0" lang="en-US" altLang="en-US" sz="800" b="0" i="1" u="none" strike="noStrike" cap="none" normalizeH="0" baseline="0" dirty="0">
+                <a:ln>
+                  <a:noFill/>
+                </a:ln>
+                <a:solidFill>
+                  <a:srgbClr val="629755"/>
+                </a:solidFill>
+                <a:effectLst/>
+                <a:latin typeface="JetBrains Mono"/>
+              </a:rPr>
+              <a:t>    modified folder.</a:t>
+            </a:r>
+            <a:br>
+              <a:rPr kumimoji="0" lang="en-US" altLang="en-US" sz="800" b="0" i="1" u="none" strike="noStrike" cap="none" normalizeH="0" baseline="0" dirty="0">
+                <a:ln>
+                  <a:noFill/>
+                </a:ln>
+                <a:solidFill>
+                  <a:srgbClr val="629755"/>
+                </a:solidFill>
+                <a:effectLst/>
+                <a:latin typeface="JetBrains Mono"/>
+              </a:rPr>
+            </a:br>
+            <a:br>
+              <a:rPr kumimoji="0" lang="en-US" altLang="en-US" sz="800" b="0" i="1" u="none" strike="noStrike" cap="none" normalizeH="0" baseline="0" dirty="0">
+                <a:ln>
+                  <a:noFill/>
+                </a:ln>
+                <a:solidFill>
+                  <a:srgbClr val="629755"/>
+                </a:solidFill>
+                <a:effectLst/>
+                <a:latin typeface="JetBrains Mono"/>
+              </a:rPr>
+            </a:br>
+            <a:r>
+              <a:rPr kumimoji="0" lang="en-US" altLang="en-US" sz="800" b="0" i="1" u="none" strike="noStrike" cap="none" normalizeH="0" baseline="0" dirty="0">
+                <a:ln>
+                  <a:noFill/>
+                </a:ln>
+                <a:solidFill>
+                  <a:srgbClr val="629755"/>
+                </a:solidFill>
+                <a:effectLst/>
+                <a:latin typeface="JetBrains Mono"/>
+              </a:rPr>
+              <a:t>    </a:t>
+            </a:r>
+            <a:r>
+              <a:rPr kumimoji="0" lang="en-US" altLang="en-US" sz="800" b="1" i="1" u="none" strike="noStrike" cap="none" normalizeH="0" baseline="0" dirty="0">
+                <a:ln>
+                  <a:noFill/>
+                </a:ln>
+                <a:solidFill>
+                  <a:srgbClr val="629755"/>
+                </a:solidFill>
+                <a:effectLst/>
+                <a:latin typeface="JetBrains Mono"/>
+              </a:rPr>
+              <a:t>:param</a:t>
+            </a:r>
+            <a:r>
+              <a:rPr kumimoji="0" lang="en-US" altLang="en-US" sz="800" b="0" i="1" u="none" strike="noStrike" cap="none" normalizeH="0" baseline="0" dirty="0">
+                <a:ln>
+                  <a:noFill/>
+                </a:ln>
+                <a:solidFill>
+                  <a:srgbClr val="629755"/>
+                </a:solidFill>
+                <a:effectLst/>
+                <a:latin typeface="JetBrains Mono"/>
+              </a:rPr>
+              <a:t> command: The command to be added.</a:t>
+            </a:r>
+            <a:br>
+              <a:rPr kumimoji="0" lang="en-US" altLang="en-US" sz="800" b="0" i="1" u="none" strike="noStrike" cap="none" normalizeH="0" baseline="0" dirty="0">
+                <a:ln>
+                  <a:noFill/>
+                </a:ln>
+                <a:solidFill>
+                  <a:srgbClr val="629755"/>
+                </a:solidFill>
+                <a:effectLst/>
+                <a:latin typeface="JetBrains Mono"/>
+              </a:rPr>
+            </a:br>
+            <a:r>
+              <a:rPr kumimoji="0" lang="en-US" altLang="en-US" sz="800" b="0" i="1" u="none" strike="noStrike" cap="none" normalizeH="0" baseline="0" dirty="0">
+                <a:ln>
+                  <a:noFill/>
+                </a:ln>
+                <a:solidFill>
+                  <a:srgbClr val="629755"/>
+                </a:solidFill>
+                <a:effectLst/>
+                <a:latin typeface="JetBrains Mono"/>
+              </a:rPr>
+              <a:t>    </a:t>
+            </a:r>
+            <a:r>
+              <a:rPr kumimoji="0" lang="en-US" altLang="en-US" sz="800" b="1" i="1" u="none" strike="noStrike" cap="none" normalizeH="0" baseline="0" dirty="0">
+                <a:ln>
+                  <a:noFill/>
+                </a:ln>
+                <a:solidFill>
+                  <a:srgbClr val="629755"/>
+                </a:solidFill>
+                <a:effectLst/>
+                <a:latin typeface="JetBrains Mono"/>
+              </a:rPr>
+              <a:t>:param</a:t>
+            </a:r>
+            <a:r>
+              <a:rPr kumimoji="0" lang="en-US" altLang="en-US" sz="800" b="0" i="1" u="none" strike="noStrike" cap="none" normalizeH="0" baseline="0" dirty="0">
+                <a:ln>
+                  <a:noFill/>
+                </a:ln>
+                <a:solidFill>
+                  <a:srgbClr val="629755"/>
+                </a:solidFill>
+                <a:effectLst/>
+                <a:latin typeface="JetBrains Mono"/>
+              </a:rPr>
+              <a:t> username: The user that sent the command.</a:t>
+            </a:r>
+            <a:br>
+              <a:rPr kumimoji="0" lang="en-US" altLang="en-US" sz="800" b="0" i="1" u="none" strike="noStrike" cap="none" normalizeH="0" baseline="0" dirty="0">
+                <a:ln>
+                  <a:noFill/>
+                </a:ln>
+                <a:solidFill>
+                  <a:srgbClr val="629755"/>
+                </a:solidFill>
+                <a:effectLst/>
+                <a:latin typeface="JetBrains Mono"/>
+              </a:rPr>
+            </a:br>
+            <a:r>
+              <a:rPr kumimoji="0" lang="en-US" altLang="en-US" sz="800" b="0" i="1" u="none" strike="noStrike" cap="none" normalizeH="0" baseline="0" dirty="0">
+                <a:ln>
+                  <a:noFill/>
+                </a:ln>
+                <a:solidFill>
+                  <a:srgbClr val="629755"/>
+                </a:solidFill>
+                <a:effectLst/>
+                <a:latin typeface="JetBrains Mono"/>
+              </a:rPr>
+              <a:t>    </a:t>
+            </a:r>
+            <a:r>
+              <a:rPr kumimoji="0" lang="en-US" altLang="en-US" sz="800" b="1" i="1" u="none" strike="noStrike" cap="none" normalizeH="0" baseline="0" dirty="0">
+                <a:ln>
+                  <a:noFill/>
+                </a:ln>
+                <a:solidFill>
+                  <a:srgbClr val="629755"/>
+                </a:solidFill>
+                <a:effectLst/>
+                <a:latin typeface="JetBrains Mono"/>
+              </a:rPr>
+              <a:t>:param</a:t>
+            </a:r>
+            <a:r>
+              <a:rPr kumimoji="0" lang="en-US" altLang="en-US" sz="800" b="0" i="1" u="none" strike="noStrike" cap="none" normalizeH="0" baseline="0" dirty="0">
+                <a:ln>
+                  <a:noFill/>
+                </a:ln>
+                <a:solidFill>
+                  <a:srgbClr val="629755"/>
+                </a:solidFill>
+                <a:effectLst/>
+                <a:latin typeface="JetBrains Mono"/>
+              </a:rPr>
+              <a:t> modified_folder: The folder that was modified.</a:t>
+            </a:r>
+            <a:br>
+              <a:rPr kumimoji="0" lang="en-US" altLang="en-US" sz="800" b="0" i="1" u="none" strike="noStrike" cap="none" normalizeH="0" baseline="0" dirty="0">
+                <a:ln>
+                  <a:noFill/>
+                </a:ln>
+                <a:solidFill>
+                  <a:srgbClr val="629755"/>
+                </a:solidFill>
+                <a:effectLst/>
+                <a:latin typeface="JetBrains Mono"/>
+              </a:rPr>
+            </a:br>
+            <a:r>
+              <a:rPr kumimoji="0" lang="en-US" altLang="en-US" sz="800" b="0" i="1" u="none" strike="noStrike" cap="none" normalizeH="0" baseline="0" dirty="0">
+                <a:ln>
+                  <a:noFill/>
+                </a:ln>
+                <a:solidFill>
+                  <a:srgbClr val="629755"/>
+                </a:solidFill>
+                <a:effectLst/>
+                <a:latin typeface="JetBrains Mono"/>
+              </a:rPr>
+              <a:t>    </a:t>
+            </a:r>
+            <a:r>
+              <a:rPr kumimoji="0" lang="en-US" altLang="en-US" sz="800" b="1" i="1" u="none" strike="noStrike" cap="none" normalizeH="0" baseline="0" dirty="0">
+                <a:ln>
+                  <a:noFill/>
+                </a:ln>
+                <a:solidFill>
+                  <a:srgbClr val="629755"/>
+                </a:solidFill>
+                <a:effectLst/>
+                <a:latin typeface="JetBrains Mono"/>
+              </a:rPr>
+              <a:t>:returns</a:t>
+            </a:r>
+            <a:r>
+              <a:rPr kumimoji="0" lang="en-US" altLang="en-US" sz="800" b="0" i="1" u="none" strike="noStrike" cap="none" normalizeH="0" baseline="0" dirty="0">
+                <a:ln>
+                  <a:noFill/>
+                </a:ln>
+                <a:solidFill>
+                  <a:srgbClr val="629755"/>
+                </a:solidFill>
+                <a:effectLst/>
+                <a:latin typeface="JetBrains Mono"/>
+              </a:rPr>
+              <a:t>: None</a:t>
+            </a:r>
+            <a:br>
+              <a:rPr kumimoji="0" lang="en-US" altLang="en-US" sz="800" b="0" i="1" u="none" strike="noStrike" cap="none" normalizeH="0" baseline="0" dirty="0">
+                <a:ln>
+                  <a:noFill/>
+                </a:ln>
+                <a:solidFill>
+                  <a:srgbClr val="629755"/>
+                </a:solidFill>
+                <a:effectLst/>
+                <a:latin typeface="JetBrains Mono"/>
+              </a:rPr>
+            </a:br>
+            <a:r>
+              <a:rPr kumimoji="0" lang="en-US" altLang="en-US" sz="800" b="0" i="1" u="none" strike="noStrike" cap="none" normalizeH="0" baseline="0" dirty="0">
+                <a:ln>
+                  <a:noFill/>
+                </a:ln>
+                <a:solidFill>
+                  <a:srgbClr val="629755"/>
+                </a:solidFill>
+                <a:effectLst/>
+                <a:latin typeface="JetBrains Mono"/>
+              </a:rPr>
+              <a:t>    """</a:t>
+            </a:r>
+            <a:br>
+              <a:rPr kumimoji="0" lang="en-US" altLang="en-US" sz="800" b="0" i="1" u="none" strike="noStrike" cap="none" normalizeH="0" baseline="0" dirty="0">
+                <a:ln>
+                  <a:noFill/>
+                </a:ln>
+                <a:solidFill>
+                  <a:srgbClr val="629755"/>
+                </a:solidFill>
+                <a:effectLst/>
+                <a:latin typeface="JetBrains Mono"/>
+              </a:rPr>
+            </a:br>
+            <a:r>
+              <a:rPr kumimoji="0" lang="en-US" altLang="en-US" sz="800" b="0" i="1" u="none" strike="noStrike" cap="none" normalizeH="0" baseline="0" dirty="0">
+                <a:ln>
+                  <a:noFill/>
+                </a:ln>
+                <a:solidFill>
+                  <a:srgbClr val="629755"/>
+                </a:solidFill>
+                <a:effectLst/>
+                <a:latin typeface="JetBrains Mono"/>
+              </a:rPr>
+              <a:t>    </a:t>
+            </a:r>
+            <a:r>
+              <a:rPr kumimoji="0" lang="en-US" altLang="en-US" sz="800" b="0" i="0" u="none" strike="noStrike" cap="none" normalizeH="0" baseline="0" dirty="0">
+                <a:ln>
+                  <a:noFill/>
+                </a:ln>
+                <a:solidFill>
+                  <a:srgbClr val="CC7832"/>
+                </a:solidFill>
+                <a:effectLst/>
+                <a:latin typeface="JetBrains Mono"/>
+              </a:rPr>
+              <a:t>if </a:t>
+            </a:r>
+            <a:r>
+              <a:rPr kumimoji="0" lang="en-US" altLang="en-US" sz="800" b="0" i="0" u="none" strike="noStrike" cap="none" normalizeH="0" baseline="0" dirty="0">
+                <a:ln>
+                  <a:noFill/>
+                </a:ln>
+                <a:solidFill>
+                  <a:srgbClr val="A9B7C6"/>
+                </a:solidFill>
+                <a:effectLst/>
+                <a:latin typeface="JetBrains Mono"/>
+              </a:rPr>
+              <a:t>modified_folder == username:</a:t>
+            </a:r>
+            <a:br>
+              <a:rPr kumimoji="0" lang="en-US" altLang="en-US" sz="800" b="0" i="0" u="none" strike="noStrike" cap="none" normalizeH="0" baseline="0" dirty="0">
+                <a:ln>
+                  <a:noFill/>
+                </a:ln>
+                <a:solidFill>
+                  <a:srgbClr val="A9B7C6"/>
+                </a:solidFill>
+                <a:effectLst/>
+                <a:latin typeface="JetBrains Mono"/>
+              </a:rPr>
+            </a:br>
+            <a:r>
+              <a:rPr kumimoji="0" lang="en-US" altLang="en-US" sz="800" b="0" i="0" u="none" strike="noStrike" cap="none" normalizeH="0" baseline="0" dirty="0">
+                <a:ln>
+                  <a:noFill/>
+                </a:ln>
+                <a:solidFill>
+                  <a:srgbClr val="A9B7C6"/>
+                </a:solidFill>
+                <a:effectLst/>
+                <a:latin typeface="JetBrains Mono"/>
+              </a:rPr>
+              <a:t>        </a:t>
+            </a:r>
+            <a:r>
+              <a:rPr kumimoji="0" lang="en-US" altLang="en-US" sz="800" b="0" i="0" u="none" strike="noStrike" cap="none" normalizeH="0" baseline="0" dirty="0">
+                <a:ln>
+                  <a:noFill/>
+                </a:ln>
+                <a:solidFill>
+                  <a:srgbClr val="E28D53"/>
+                </a:solidFill>
+                <a:effectLst/>
+                <a:latin typeface="JetBrains Mono"/>
+              </a:rPr>
+              <a:t>add_to_waiting_commands</a:t>
+            </a:r>
+            <a:r>
+              <a:rPr kumimoji="0" lang="en-US" altLang="en-US" sz="800" b="0" i="0" u="none" strike="noStrike" cap="none" normalizeH="0" baseline="0" dirty="0">
+                <a:ln>
+                  <a:noFill/>
+                </a:ln>
+                <a:solidFill>
+                  <a:srgbClr val="A9B7C6"/>
+                </a:solidFill>
+                <a:effectLst/>
+                <a:latin typeface="JetBrains Mono"/>
+              </a:rPr>
+              <a:t>(</a:t>
+            </a:r>
+            <a:r>
+              <a:rPr kumimoji="0" lang="en-US" altLang="en-US" sz="800" b="0" i="0" u="none" strike="noStrike" cap="none" normalizeH="0" baseline="0" dirty="0">
+                <a:ln>
+                  <a:noFill/>
+                </a:ln>
+                <a:solidFill>
+                  <a:srgbClr val="E28D53"/>
+                </a:solidFill>
+                <a:effectLst/>
+                <a:latin typeface="JetBrains Mono"/>
+              </a:rPr>
+              <a:t>get_users_user_is_sharing_with</a:t>
+            </a:r>
+            <a:r>
+              <a:rPr kumimoji="0" lang="en-US" altLang="en-US" sz="800" b="0" i="0" u="none" strike="noStrike" cap="none" normalizeH="0" baseline="0" dirty="0">
+                <a:ln>
+                  <a:noFill/>
+                </a:ln>
+                <a:solidFill>
+                  <a:srgbClr val="A9B7C6"/>
+                </a:solidFill>
+                <a:effectLst/>
+                <a:latin typeface="JetBrains Mono"/>
+              </a:rPr>
+              <a:t>(username)</a:t>
+            </a:r>
+            <a:r>
+              <a:rPr kumimoji="0" lang="en-US" altLang="en-US" sz="800" b="0" i="0" u="none" strike="noStrike" cap="none" normalizeH="0" baseline="0" dirty="0">
+                <a:ln>
+                  <a:noFill/>
+                </a:ln>
+                <a:solidFill>
+                  <a:srgbClr val="CC7832"/>
+                </a:solidFill>
+                <a:effectLst/>
+                <a:latin typeface="JetBrains Mono"/>
+              </a:rPr>
+              <a:t>, </a:t>
+            </a:r>
+            <a:r>
+              <a:rPr kumimoji="0" lang="en-US" altLang="en-US" sz="800" b="0" i="0" u="none" strike="noStrike" cap="none" normalizeH="0" baseline="0" dirty="0">
+                <a:ln>
+                  <a:noFill/>
+                </a:ln>
+                <a:solidFill>
+                  <a:srgbClr val="A9B7C6"/>
+                </a:solidFill>
+                <a:effectLst/>
+                <a:latin typeface="JetBrains Mono"/>
+              </a:rPr>
+              <a:t>command)</a:t>
+            </a:r>
+            <a:br>
+              <a:rPr kumimoji="0" lang="en-US" altLang="en-US" sz="800" b="0" i="0" u="none" strike="noStrike" cap="none" normalizeH="0" baseline="0" dirty="0">
+                <a:ln>
+                  <a:noFill/>
+                </a:ln>
+                <a:solidFill>
+                  <a:srgbClr val="A9B7C6"/>
+                </a:solidFill>
+                <a:effectLst/>
+                <a:latin typeface="JetBrains Mono"/>
+              </a:rPr>
+            </a:br>
+            <a:r>
+              <a:rPr kumimoji="0" lang="en-US" altLang="en-US" sz="800" b="0" i="0" u="none" strike="noStrike" cap="none" normalizeH="0" baseline="0" dirty="0">
+                <a:ln>
+                  <a:noFill/>
+                </a:ln>
+                <a:solidFill>
+                  <a:srgbClr val="A9B7C6"/>
+                </a:solidFill>
+                <a:effectLst/>
+                <a:latin typeface="JetBrains Mono"/>
+              </a:rPr>
+              <a:t>    </a:t>
+            </a:r>
+            <a:r>
+              <a:rPr kumimoji="0" lang="en-US" altLang="en-US" sz="800" b="0" i="0" u="none" strike="noStrike" cap="none" normalizeH="0" baseline="0" dirty="0">
+                <a:ln>
+                  <a:noFill/>
+                </a:ln>
+                <a:solidFill>
+                  <a:srgbClr val="CC7832"/>
+                </a:solidFill>
+                <a:effectLst/>
+                <a:latin typeface="JetBrains Mono"/>
+              </a:rPr>
+              <a:t>else</a:t>
+            </a:r>
+            <a:r>
+              <a:rPr kumimoji="0" lang="en-US" altLang="en-US" sz="800" b="0" i="0" u="none" strike="noStrike" cap="none" normalizeH="0" baseline="0" dirty="0">
+                <a:ln>
+                  <a:noFill/>
+                </a:ln>
+                <a:solidFill>
+                  <a:srgbClr val="A9B7C6"/>
+                </a:solidFill>
+                <a:effectLst/>
+                <a:latin typeface="JetBrains Mono"/>
+              </a:rPr>
+              <a:t>:</a:t>
+            </a:r>
+            <a:br>
+              <a:rPr kumimoji="0" lang="en-US" altLang="en-US" sz="800" b="0" i="0" u="none" strike="noStrike" cap="none" normalizeH="0" baseline="0" dirty="0">
+                <a:ln>
+                  <a:noFill/>
+                </a:ln>
+                <a:solidFill>
+                  <a:srgbClr val="A9B7C6"/>
+                </a:solidFill>
+                <a:effectLst/>
+                <a:latin typeface="JetBrains Mono"/>
+              </a:rPr>
+            </a:br>
+            <a:r>
+              <a:rPr kumimoji="0" lang="en-US" altLang="en-US" sz="800" b="0" i="0" u="none" strike="noStrike" cap="none" normalizeH="0" baseline="0" dirty="0">
+                <a:ln>
+                  <a:noFill/>
+                </a:ln>
+                <a:solidFill>
+                  <a:srgbClr val="A9B7C6"/>
+                </a:solidFill>
+                <a:effectLst/>
+                <a:latin typeface="JetBrains Mono"/>
+              </a:rPr>
+              <a:t>        users = </a:t>
+            </a:r>
+            <a:r>
+              <a:rPr kumimoji="0" lang="en-US" altLang="en-US" sz="800" b="0" i="0" u="none" strike="noStrike" cap="none" normalizeH="0" baseline="0" dirty="0">
+                <a:ln>
+                  <a:noFill/>
+                </a:ln>
+                <a:solidFill>
+                  <a:srgbClr val="E28D53"/>
+                </a:solidFill>
+                <a:effectLst/>
+                <a:latin typeface="JetBrains Mono"/>
+              </a:rPr>
+              <a:t>get_users_user_is_sharing_with</a:t>
+            </a:r>
+            <a:r>
+              <a:rPr kumimoji="0" lang="en-US" altLang="en-US" sz="800" b="0" i="0" u="none" strike="noStrike" cap="none" normalizeH="0" baseline="0" dirty="0">
+                <a:ln>
+                  <a:noFill/>
+                </a:ln>
+                <a:solidFill>
+                  <a:srgbClr val="A9B7C6"/>
+                </a:solidFill>
+                <a:effectLst/>
+                <a:latin typeface="JetBrains Mono"/>
+              </a:rPr>
+              <a:t>(modified_folder)</a:t>
+            </a:r>
+            <a:br>
+              <a:rPr kumimoji="0" lang="en-US" altLang="en-US" sz="800" b="0" i="0" u="none" strike="noStrike" cap="none" normalizeH="0" baseline="0" dirty="0">
+                <a:ln>
+                  <a:noFill/>
+                </a:ln>
+                <a:solidFill>
+                  <a:srgbClr val="A9B7C6"/>
+                </a:solidFill>
+                <a:effectLst/>
+                <a:latin typeface="JetBrains Mono"/>
+              </a:rPr>
+            </a:br>
+            <a:r>
+              <a:rPr kumimoji="0" lang="en-US" altLang="en-US" sz="800" b="0" i="0" u="none" strike="noStrike" cap="none" normalizeH="0" baseline="0" dirty="0">
+                <a:ln>
+                  <a:noFill/>
+                </a:ln>
+                <a:solidFill>
+                  <a:srgbClr val="A9B7C6"/>
+                </a:solidFill>
+                <a:effectLst/>
+                <a:latin typeface="JetBrains Mono"/>
+              </a:rPr>
+              <a:t>        users.</a:t>
+            </a:r>
+            <a:r>
+              <a:rPr kumimoji="0" lang="en-US" altLang="en-US" sz="800" b="0" i="0" u="none" strike="noStrike" cap="none" normalizeH="0" baseline="0" dirty="0">
+                <a:ln>
+                  <a:noFill/>
+                </a:ln>
+                <a:solidFill>
+                  <a:srgbClr val="E28D53"/>
+                </a:solidFill>
+                <a:effectLst/>
+                <a:latin typeface="JetBrains Mono"/>
+              </a:rPr>
+              <a:t>remove</a:t>
+            </a:r>
+            <a:r>
+              <a:rPr kumimoji="0" lang="en-US" altLang="en-US" sz="800" b="0" i="0" u="none" strike="noStrike" cap="none" normalizeH="0" baseline="0" dirty="0">
+                <a:ln>
+                  <a:noFill/>
+                </a:ln>
+                <a:solidFill>
+                  <a:srgbClr val="A9B7C6"/>
+                </a:solidFill>
+                <a:effectLst/>
+                <a:latin typeface="JetBrains Mono"/>
+              </a:rPr>
+              <a:t>(username)</a:t>
+            </a:r>
+            <a:br>
+              <a:rPr kumimoji="0" lang="en-US" altLang="en-US" sz="800" b="0" i="0" u="none" strike="noStrike" cap="none" normalizeH="0" baseline="0" dirty="0">
+                <a:ln>
+                  <a:noFill/>
+                </a:ln>
+                <a:solidFill>
+                  <a:srgbClr val="A9B7C6"/>
+                </a:solidFill>
+                <a:effectLst/>
+                <a:latin typeface="JetBrains Mono"/>
+              </a:rPr>
+            </a:br>
+            <a:r>
+              <a:rPr kumimoji="0" lang="en-US" altLang="en-US" sz="800" b="0" i="0" u="none" strike="noStrike" cap="none" normalizeH="0" baseline="0" dirty="0">
+                <a:ln>
+                  <a:noFill/>
+                </a:ln>
+                <a:solidFill>
+                  <a:srgbClr val="A9B7C6"/>
+                </a:solidFill>
+                <a:effectLst/>
+                <a:latin typeface="JetBrains Mono"/>
+              </a:rPr>
+              <a:t>        users.</a:t>
+            </a:r>
+            <a:r>
+              <a:rPr kumimoji="0" lang="en-US" altLang="en-US" sz="800" b="0" i="0" u="none" strike="noStrike" cap="none" normalizeH="0" baseline="0" dirty="0">
+                <a:ln>
+                  <a:noFill/>
+                </a:ln>
+                <a:solidFill>
+                  <a:srgbClr val="E28D53"/>
+                </a:solidFill>
+                <a:effectLst/>
+                <a:latin typeface="JetBrains Mono"/>
+              </a:rPr>
+              <a:t>append</a:t>
+            </a:r>
+            <a:r>
+              <a:rPr kumimoji="0" lang="en-US" altLang="en-US" sz="800" b="0" i="0" u="none" strike="noStrike" cap="none" normalizeH="0" baseline="0" dirty="0">
+                <a:ln>
+                  <a:noFill/>
+                </a:ln>
+                <a:solidFill>
+                  <a:srgbClr val="A9B7C6"/>
+                </a:solidFill>
+                <a:effectLst/>
+                <a:latin typeface="JetBrains Mono"/>
+              </a:rPr>
+              <a:t>(modified_folder)</a:t>
+            </a:r>
+            <a:br>
+              <a:rPr kumimoji="0" lang="en-US" altLang="en-US" sz="800" b="0" i="0" u="none" strike="noStrike" cap="none" normalizeH="0" baseline="0" dirty="0">
+                <a:ln>
+                  <a:noFill/>
+                </a:ln>
+                <a:solidFill>
+                  <a:srgbClr val="A9B7C6"/>
+                </a:solidFill>
+                <a:effectLst/>
+                <a:latin typeface="JetBrains Mono"/>
+              </a:rPr>
+            </a:br>
+            <a:r>
+              <a:rPr kumimoji="0" lang="en-US" altLang="en-US" sz="800" b="0" i="0" u="none" strike="noStrike" cap="none" normalizeH="0" baseline="0" dirty="0">
+                <a:ln>
+                  <a:noFill/>
+                </a:ln>
+                <a:solidFill>
+                  <a:srgbClr val="A9B7C6"/>
+                </a:solidFill>
+                <a:effectLst/>
+                <a:latin typeface="JetBrains Mono"/>
+              </a:rPr>
+              <a:t>        </a:t>
+            </a:r>
+            <a:r>
+              <a:rPr kumimoji="0" lang="en-US" altLang="en-US" sz="800" b="0" i="0" u="none" strike="noStrike" cap="none" normalizeH="0" baseline="0" dirty="0">
+                <a:ln>
+                  <a:noFill/>
+                </a:ln>
+                <a:solidFill>
+                  <a:srgbClr val="E28D53"/>
+                </a:solidFill>
+                <a:effectLst/>
+                <a:latin typeface="JetBrains Mono"/>
+              </a:rPr>
+              <a:t>add_to_waiting_commands</a:t>
+            </a:r>
+            <a:r>
+              <a:rPr kumimoji="0" lang="en-US" altLang="en-US" sz="800" b="0" i="0" u="none" strike="noStrike" cap="none" normalizeH="0" baseline="0" dirty="0">
+                <a:ln>
+                  <a:noFill/>
+                </a:ln>
+                <a:solidFill>
+                  <a:srgbClr val="A9B7C6"/>
+                </a:solidFill>
+                <a:effectLst/>
+                <a:latin typeface="JetBrains Mono"/>
+              </a:rPr>
+              <a:t>(users</a:t>
+            </a:r>
+            <a:r>
+              <a:rPr kumimoji="0" lang="en-US" altLang="en-US" sz="800" b="0" i="0" u="none" strike="noStrike" cap="none" normalizeH="0" baseline="0" dirty="0">
+                <a:ln>
+                  <a:noFill/>
+                </a:ln>
+                <a:solidFill>
+                  <a:srgbClr val="CC7832"/>
+                </a:solidFill>
+                <a:effectLst/>
+                <a:latin typeface="JetBrains Mono"/>
+              </a:rPr>
+              <a:t>, </a:t>
+            </a:r>
+            <a:r>
+              <a:rPr kumimoji="0" lang="en-US" altLang="en-US" sz="800" b="0" i="0" u="none" strike="noStrike" cap="none" normalizeH="0" baseline="0" dirty="0">
+                <a:ln>
+                  <a:noFill/>
+                </a:ln>
+                <a:solidFill>
+                  <a:srgbClr val="A9B7C6"/>
+                </a:solidFill>
+                <a:effectLst/>
+                <a:latin typeface="JetBrains Mono"/>
+              </a:rPr>
+              <a:t>command)</a:t>
+            </a:r>
+            <a:endParaRPr kumimoji="0" lang="en-US" altLang="en-US" sz="1600" b="0" i="0" u="none" strike="noStrike" cap="none" normalizeH="0" baseline="0" dirty="0">
+              <a:ln>
+                <a:noFill/>
+              </a:ln>
+              <a:solidFill>
+                <a:schemeClr val="tx1"/>
+              </a:solidFill>
+              <a:effectLst/>
+              <a:latin typeface="Arial" panose="020B0604020202020204" pitchFamily="34" charset="0"/>
+            </a:endParaRPr>
+          </a:p>
+        </p:txBody>
+      </p:sp>
+      <p:sp>
+        <p:nvSpPr>
+          <p:cNvPr id="11" name="Rectangle 6">
+            <a:extLst>
+              <a:ext uri="{FF2B5EF4-FFF2-40B4-BE49-F238E27FC236}">
+                <a16:creationId xmlns:a16="http://schemas.microsoft.com/office/drawing/2014/main" id="{E6C1E575-35C6-583D-A037-12532B3730AA}"/>
+              </a:ext>
+            </a:extLst>
+          </p:cNvPr>
+          <p:cNvSpPr>
+            <a:spLocks noChangeArrowheads="1"/>
+          </p:cNvSpPr>
+          <p:nvPr/>
+        </p:nvSpPr>
+        <p:spPr bwMode="auto">
+          <a:xfrm>
+            <a:off x="882556" y="1543071"/>
+            <a:ext cx="901209" cy="215444"/>
+          </a:xfrm>
+          <a:prstGeom prst="rect">
+            <a:avLst/>
+          </a:prstGeom>
+          <a:solidFill>
+            <a:srgbClr val="2B2B2B"/>
+          </a:solidFill>
+          <a:ln>
+            <a:noFill/>
+          </a:ln>
+          <a:effectLst/>
+          <a:extLst>
+            <a:ext uri="{91240B29-F687-4F45-9708-019B960494DF}">
+              <a14:hiddenLine xmlns:a14="http://schemas.microsoft.com/office/drawing/2010/main" w="9525">
+                <a:solidFill>
+                  <a:schemeClr val="tx1"/>
+                </a:solidFill>
+                <a:miter lim="800000"/>
+                <a:headEnd/>
+                <a:tailEnd/>
+              </a14:hiddenLine>
+            </a:ext>
+            <a:ext uri="{AF507438-7753-43E0-B8FC-AC1667EBCBE1}">
+              <a14:hiddenEffects xmlns:a14="http://schemas.microsoft.com/office/drawing/2010/main">
+                <a:effectLst>
+                  <a:outerShdw dist="35921" dir="2700000" algn="ctr" rotWithShape="0">
+                    <a:schemeClr val="bg2"/>
+                  </a:outerShdw>
+                </a:effectLst>
+              </a14:hiddenEffects>
+            </a:ext>
+          </a:extLst>
+        </p:spPr>
+        <p:txBody>
+          <a:bodyPr vert="horz" wrap="none" lIns="91440" tIns="45720" rIns="91440" bIns="45720" numCol="1" anchor="ctr" anchorCtr="0" compatLnSpc="1">
+            <a:prstTxWarp prst="textNoShape">
+              <a:avLst/>
+            </a:prstTxWarp>
+            <a:spAutoFit/>
+          </a:bodyPr>
+          <a:lstStyle/>
+          <a:p>
+            <a:pPr marL="0" marR="0" lvl="0" indent="0" algn="l" defTabSz="914400" rtl="0" eaLnBrk="0" fontAlgn="base" latinLnBrk="0" hangingPunct="0">
+              <a:lnSpc>
+                <a:spcPct val="100000"/>
+              </a:lnSpc>
+              <a:spcBef>
+                <a:spcPct val="0"/>
+              </a:spcBef>
+              <a:spcAft>
+                <a:spcPct val="0"/>
+              </a:spcAft>
+              <a:buClrTx/>
+              <a:buSzTx/>
+              <a:buFontTx/>
+              <a:buNone/>
+              <a:tabLst/>
+            </a:pPr>
+            <a:r>
+              <a:rPr kumimoji="0" lang="en-US" altLang="en-US" sz="800" b="0" i="0" u="none" strike="noStrike" cap="none" normalizeH="0" baseline="0" dirty="0">
+                <a:ln>
+                  <a:noFill/>
+                </a:ln>
+                <a:solidFill>
+                  <a:srgbClr val="A9B7C6"/>
+                </a:solidFill>
+                <a:effectLst/>
+                <a:latin typeface="Segoe UI" panose="020B0502040204020203" pitchFamily="34" charset="0"/>
+                <a:cs typeface="Segoe UI" panose="020B0502040204020203" pitchFamily="34" charset="0"/>
+              </a:rPr>
+              <a:t>client_thread.py</a:t>
+            </a:r>
+            <a:endParaRPr kumimoji="0" lang="en-US" altLang="en-US" sz="1600" b="0" i="0" u="none" strike="noStrike" cap="none" normalizeH="0" baseline="0" dirty="0">
+              <a:ln>
+                <a:noFill/>
+              </a:ln>
+              <a:solidFill>
+                <a:schemeClr val="tx1"/>
+              </a:solidFill>
+              <a:effectLst/>
+              <a:latin typeface="Arial" panose="020B0604020202020204" pitchFamily="34" charset="0"/>
+            </a:endParaRPr>
+          </a:p>
+        </p:txBody>
+      </p:sp>
+      <p:sp>
+        <p:nvSpPr>
+          <p:cNvPr id="12" name="Rectangle 7">
+            <a:extLst>
+              <a:ext uri="{FF2B5EF4-FFF2-40B4-BE49-F238E27FC236}">
+                <a16:creationId xmlns:a16="http://schemas.microsoft.com/office/drawing/2014/main" id="{6FC91D56-166E-B7C0-A9F8-1CAB0908DC2F}"/>
+              </a:ext>
+            </a:extLst>
+          </p:cNvPr>
+          <p:cNvSpPr>
+            <a:spLocks noChangeArrowheads="1"/>
+          </p:cNvSpPr>
+          <p:nvPr/>
+        </p:nvSpPr>
+        <p:spPr bwMode="auto">
+          <a:xfrm>
+            <a:off x="881402" y="1755458"/>
+            <a:ext cx="5405673" cy="1323439"/>
+          </a:xfrm>
+          <a:prstGeom prst="rect">
+            <a:avLst/>
+          </a:prstGeom>
+          <a:solidFill>
+            <a:srgbClr val="2B2B2B"/>
+          </a:solidFill>
+          <a:ln>
+            <a:noFill/>
+          </a:ln>
+          <a:effectLst/>
+          <a:extLst>
+            <a:ext uri="{91240B29-F687-4F45-9708-019B960494DF}">
+              <a14:hiddenLine xmlns:a14="http://schemas.microsoft.com/office/drawing/2010/main" w="9525">
+                <a:solidFill>
+                  <a:schemeClr val="tx1"/>
+                </a:solidFill>
+                <a:miter lim="800000"/>
+                <a:headEnd/>
+                <a:tailEnd/>
+              </a14:hiddenLine>
+            </a:ext>
+            <a:ext uri="{AF507438-7753-43E0-B8FC-AC1667EBCBE1}">
+              <a14:hiddenEffects xmlns:a14="http://schemas.microsoft.com/office/drawing/2010/main">
+                <a:effectLst>
+                  <a:outerShdw dist="35921" dir="2700000" algn="ctr" rotWithShape="0">
+                    <a:schemeClr val="bg2"/>
+                  </a:outerShdw>
+                </a:effectLst>
+              </a14:hiddenEffects>
+            </a:ext>
+          </a:extLst>
+        </p:spPr>
+        <p:txBody>
+          <a:bodyPr vert="horz" wrap="square" lIns="91440" tIns="45720" rIns="91440" bIns="45720" numCol="1" anchor="ctr" anchorCtr="0" compatLnSpc="1">
+            <a:prstTxWarp prst="textNoShape">
+              <a:avLst/>
+            </a:prstTxWarp>
+            <a:spAutoFit/>
+          </a:bodyPr>
+          <a:lstStyle/>
+          <a:p>
+            <a:pPr marL="0" marR="0" lvl="0" indent="0" algn="l" defTabSz="914400" rtl="0" eaLnBrk="0" fontAlgn="base" latinLnBrk="0" hangingPunct="0">
+              <a:lnSpc>
+                <a:spcPct val="100000"/>
+              </a:lnSpc>
+              <a:spcBef>
+                <a:spcPct val="0"/>
+              </a:spcBef>
+              <a:spcAft>
+                <a:spcPct val="0"/>
+              </a:spcAft>
+              <a:buClrTx/>
+              <a:buSzTx/>
+              <a:buFontTx/>
+              <a:buNone/>
+              <a:tabLst/>
+            </a:pPr>
+            <a:r>
+              <a:rPr kumimoji="0" lang="en-US" altLang="en-US" sz="800" b="0" i="0" u="none" strike="noStrike" cap="none" normalizeH="0" baseline="0" dirty="0">
+                <a:ln>
+                  <a:noFill/>
+                </a:ln>
+                <a:solidFill>
+                  <a:srgbClr val="CC7832"/>
+                </a:solidFill>
+                <a:effectLst/>
+                <a:latin typeface="JetBrains Mono"/>
+              </a:rPr>
+              <a:t>elif </a:t>
+            </a:r>
+            <a:r>
+              <a:rPr kumimoji="0" lang="en-US" altLang="en-US" sz="800" b="0" i="0" u="none" strike="noStrike" cap="none" normalizeH="0" baseline="0" dirty="0">
+                <a:ln>
+                  <a:noFill/>
+                </a:ln>
+                <a:solidFill>
+                  <a:srgbClr val="A9B7C6"/>
+                </a:solidFill>
+                <a:effectLst/>
+                <a:latin typeface="JetBrains Mono"/>
+              </a:rPr>
+              <a:t>data.</a:t>
+            </a:r>
+            <a:r>
+              <a:rPr kumimoji="0" lang="en-US" altLang="en-US" sz="800" b="0" i="0" u="none" strike="noStrike" cap="none" normalizeH="0" baseline="0" dirty="0">
+                <a:ln>
+                  <a:noFill/>
+                </a:ln>
+                <a:solidFill>
+                  <a:srgbClr val="E28D53"/>
+                </a:solidFill>
+                <a:effectLst/>
+                <a:latin typeface="JetBrains Mono"/>
+              </a:rPr>
+              <a:t>startswith</a:t>
+            </a:r>
+            <a:r>
+              <a:rPr kumimoji="0" lang="en-US" altLang="en-US" sz="800" b="0" i="0" u="none" strike="noStrike" cap="none" normalizeH="0" baseline="0" dirty="0">
+                <a:ln>
+                  <a:noFill/>
+                </a:ln>
+                <a:solidFill>
+                  <a:srgbClr val="A9B7C6"/>
+                </a:solidFill>
+                <a:effectLst/>
+                <a:latin typeface="JetBrains Mono"/>
+              </a:rPr>
+              <a:t>(</a:t>
+            </a:r>
+            <a:r>
+              <a:rPr kumimoji="0" lang="en-US" altLang="en-US" sz="800" b="0" i="0" u="none" strike="noStrike" cap="none" normalizeH="0" baseline="0" dirty="0">
+                <a:ln>
+                  <a:noFill/>
+                </a:ln>
+                <a:solidFill>
+                  <a:srgbClr val="6A8759"/>
+                </a:solidFill>
+                <a:effectLst/>
+                <a:latin typeface="JetBrains Mono"/>
+              </a:rPr>
+              <a:t>"upload_dir"</a:t>
+            </a:r>
+            <a:r>
+              <a:rPr kumimoji="0" lang="en-US" altLang="en-US" sz="800" b="0" i="0" u="none" strike="noStrike" cap="none" normalizeH="0" baseline="0" dirty="0">
+                <a:ln>
+                  <a:noFill/>
+                </a:ln>
+                <a:solidFill>
+                  <a:srgbClr val="A9B7C6"/>
+                </a:solidFill>
+                <a:effectLst/>
+                <a:latin typeface="JetBrains Mono"/>
+              </a:rPr>
+              <a:t>):</a:t>
+            </a:r>
+            <a:br>
+              <a:rPr kumimoji="0" lang="en-US" altLang="en-US" sz="800" b="0" i="0" u="none" strike="noStrike" cap="none" normalizeH="0" baseline="0" dirty="0">
+                <a:ln>
+                  <a:noFill/>
+                </a:ln>
+                <a:solidFill>
+                  <a:srgbClr val="A9B7C6"/>
+                </a:solidFill>
+                <a:effectLst/>
+                <a:latin typeface="JetBrains Mono"/>
+              </a:rPr>
+            </a:br>
+            <a:r>
+              <a:rPr kumimoji="0" lang="en-US" altLang="en-US" sz="800" b="0" i="0" u="none" strike="noStrike" cap="none" normalizeH="0" baseline="0" dirty="0">
+                <a:ln>
+                  <a:noFill/>
+                </a:ln>
+                <a:solidFill>
+                  <a:srgbClr val="A9B7C6"/>
+                </a:solidFill>
+                <a:effectLst/>
+                <a:latin typeface="JetBrains Mono"/>
+              </a:rPr>
+              <a:t>    serialized_dir = </a:t>
+            </a:r>
+            <a:r>
+              <a:rPr kumimoji="0" lang="en-US" altLang="en-US" sz="800" b="0" i="0" u="none" strike="noStrike" cap="none" normalizeH="0" baseline="0" dirty="0">
+                <a:ln>
+                  <a:noFill/>
+                </a:ln>
+                <a:solidFill>
+                  <a:srgbClr val="E28D53"/>
+                </a:solidFill>
+                <a:effectLst/>
+                <a:latin typeface="JetBrains Mono"/>
+              </a:rPr>
+              <a:t>receive_data</a:t>
+            </a:r>
+            <a:r>
+              <a:rPr kumimoji="0" lang="en-US" altLang="en-US" sz="800" b="0" i="0" u="none" strike="noStrike" cap="none" normalizeH="0" baseline="0" dirty="0">
+                <a:ln>
+                  <a:noFill/>
+                </a:ln>
+                <a:solidFill>
+                  <a:srgbClr val="A9B7C6"/>
+                </a:solidFill>
+                <a:effectLst/>
+                <a:latin typeface="JetBrains Mono"/>
+              </a:rPr>
+              <a:t>(</a:t>
+            </a:r>
+            <a:r>
+              <a:rPr kumimoji="0" lang="en-US" altLang="en-US" sz="800" b="0" i="0" u="none" strike="noStrike" cap="none" normalizeH="0" baseline="0" dirty="0">
+                <a:ln>
+                  <a:noFill/>
+                </a:ln>
+                <a:solidFill>
+                  <a:srgbClr val="94558D"/>
+                </a:solidFill>
+                <a:effectLst/>
+                <a:latin typeface="JetBrains Mono"/>
+              </a:rPr>
+              <a:t>self</a:t>
+            </a:r>
+            <a:r>
+              <a:rPr kumimoji="0" lang="en-US" altLang="en-US" sz="800" b="0" i="0" u="none" strike="noStrike" cap="none" normalizeH="0" baseline="0" dirty="0">
+                <a:ln>
+                  <a:noFill/>
+                </a:ln>
+                <a:solidFill>
+                  <a:srgbClr val="A9B7C6"/>
+                </a:solidFill>
+                <a:effectLst/>
+                <a:latin typeface="JetBrains Mono"/>
+              </a:rPr>
+              <a:t>.client_socket</a:t>
+            </a:r>
+            <a:r>
+              <a:rPr kumimoji="0" lang="en-US" altLang="en-US" sz="800" b="0" i="0" u="none" strike="noStrike" cap="none" normalizeH="0" baseline="0" dirty="0">
+                <a:ln>
+                  <a:noFill/>
+                </a:ln>
+                <a:solidFill>
+                  <a:srgbClr val="CC7832"/>
+                </a:solidFill>
+                <a:effectLst/>
+                <a:latin typeface="JetBrains Mono"/>
+              </a:rPr>
+              <a:t>, </a:t>
+            </a:r>
+            <a:r>
+              <a:rPr kumimoji="0" lang="en-US" altLang="en-US" sz="800" b="0" i="0" u="none" strike="noStrike" cap="none" normalizeH="0" baseline="0" dirty="0">
+                <a:ln>
+                  <a:noFill/>
+                </a:ln>
+                <a:solidFill>
+                  <a:srgbClr val="AA4926"/>
+                </a:solidFill>
+                <a:effectLst/>
+                <a:latin typeface="JetBrains Mono"/>
+              </a:rPr>
+              <a:t>return_bytes</a:t>
+            </a:r>
+            <a:r>
+              <a:rPr kumimoji="0" lang="en-US" altLang="en-US" sz="800" b="0" i="0" u="none" strike="noStrike" cap="none" normalizeH="0" baseline="0" dirty="0">
+                <a:ln>
+                  <a:noFill/>
+                </a:ln>
+                <a:solidFill>
+                  <a:srgbClr val="A9B7C6"/>
+                </a:solidFill>
+                <a:effectLst/>
+                <a:latin typeface="JetBrains Mono"/>
+              </a:rPr>
+              <a:t>=</a:t>
+            </a:r>
+            <a:r>
+              <a:rPr kumimoji="0" lang="en-US" altLang="en-US" sz="800" b="0" i="0" u="none" strike="noStrike" cap="none" normalizeH="0" baseline="0" dirty="0">
+                <a:ln>
+                  <a:noFill/>
+                </a:ln>
+                <a:solidFill>
+                  <a:srgbClr val="CC7832"/>
+                </a:solidFill>
+                <a:effectLst/>
+                <a:latin typeface="JetBrains Mono"/>
+              </a:rPr>
+              <a:t>True</a:t>
+            </a:r>
+            <a:r>
+              <a:rPr kumimoji="0" lang="en-US" altLang="en-US" sz="800" b="0" i="0" u="none" strike="noStrike" cap="none" normalizeH="0" baseline="0" dirty="0">
+                <a:ln>
+                  <a:noFill/>
+                </a:ln>
+                <a:solidFill>
+                  <a:srgbClr val="A9B7C6"/>
+                </a:solidFill>
+                <a:effectLst/>
+                <a:latin typeface="JetBrains Mono"/>
+              </a:rPr>
+              <a:t>)</a:t>
+            </a:r>
+            <a:br>
+              <a:rPr kumimoji="0" lang="en-US" altLang="en-US" sz="800" b="0" i="0" u="none" strike="noStrike" cap="none" normalizeH="0" baseline="0" dirty="0">
+                <a:ln>
+                  <a:noFill/>
+                </a:ln>
+                <a:solidFill>
+                  <a:srgbClr val="A9B7C6"/>
+                </a:solidFill>
+                <a:effectLst/>
+                <a:latin typeface="JetBrains Mono"/>
+              </a:rPr>
+            </a:br>
+            <a:r>
+              <a:rPr kumimoji="0" lang="en-US" altLang="en-US" sz="800" b="0" i="0" u="none" strike="noStrike" cap="none" normalizeH="0" baseline="0" dirty="0">
+                <a:ln>
+                  <a:noFill/>
+                </a:ln>
+                <a:solidFill>
+                  <a:srgbClr val="A9B7C6"/>
+                </a:solidFill>
+                <a:effectLst/>
+                <a:latin typeface="JetBrains Mono"/>
+              </a:rPr>
+              <a:t>    directory = </a:t>
+            </a:r>
+            <a:r>
+              <a:rPr kumimoji="0" lang="en-US" altLang="en-US" sz="800" b="0" i="0" u="none" strike="noStrike" cap="none" normalizeH="0" baseline="0" dirty="0">
+                <a:ln>
+                  <a:noFill/>
+                </a:ln>
+                <a:solidFill>
+                  <a:srgbClr val="E28D53"/>
+                </a:solidFill>
+                <a:effectLst/>
+                <a:latin typeface="JetBrains Mono"/>
+              </a:rPr>
+              <a:t>loads</a:t>
+            </a:r>
+            <a:r>
+              <a:rPr kumimoji="0" lang="en-US" altLang="en-US" sz="800" b="0" i="0" u="none" strike="noStrike" cap="none" normalizeH="0" baseline="0" dirty="0">
+                <a:ln>
+                  <a:noFill/>
+                </a:ln>
+                <a:solidFill>
+                  <a:srgbClr val="A9B7C6"/>
+                </a:solidFill>
+                <a:effectLst/>
+                <a:latin typeface="JetBrains Mono"/>
+              </a:rPr>
+              <a:t>(serialized_dir)</a:t>
+            </a:r>
+            <a:br>
+              <a:rPr kumimoji="0" lang="en-US" altLang="en-US" sz="800" b="0" i="0" u="none" strike="noStrike" cap="none" normalizeH="0" baseline="0" dirty="0">
+                <a:ln>
+                  <a:noFill/>
+                </a:ln>
+                <a:solidFill>
+                  <a:srgbClr val="A9B7C6"/>
+                </a:solidFill>
+                <a:effectLst/>
+                <a:latin typeface="JetBrains Mono"/>
+              </a:rPr>
+            </a:br>
+            <a:r>
+              <a:rPr kumimoji="0" lang="en-US" altLang="en-US" sz="800" b="0" i="0" u="none" strike="noStrike" cap="none" normalizeH="0" baseline="0" dirty="0">
+                <a:ln>
+                  <a:noFill/>
+                </a:ln>
+                <a:solidFill>
+                  <a:srgbClr val="A9B7C6"/>
+                </a:solidFill>
+                <a:effectLst/>
+                <a:latin typeface="JetBrains Mono"/>
+              </a:rPr>
+              <a:t>    rel_path = data.</a:t>
+            </a:r>
+            <a:r>
+              <a:rPr kumimoji="0" lang="en-US" altLang="en-US" sz="800" b="0" i="0" u="none" strike="noStrike" cap="none" normalizeH="0" baseline="0" dirty="0">
+                <a:ln>
+                  <a:noFill/>
+                </a:ln>
+                <a:solidFill>
+                  <a:srgbClr val="E28D53"/>
+                </a:solidFill>
+                <a:effectLst/>
+                <a:latin typeface="JetBrains Mono"/>
+              </a:rPr>
+              <a:t>split</a:t>
+            </a:r>
+            <a:r>
+              <a:rPr kumimoji="0" lang="en-US" altLang="en-US" sz="800" b="0" i="0" u="none" strike="noStrike" cap="none" normalizeH="0" baseline="0" dirty="0">
+                <a:ln>
+                  <a:noFill/>
+                </a:ln>
+                <a:solidFill>
+                  <a:srgbClr val="A9B7C6"/>
+                </a:solidFill>
+                <a:effectLst/>
+                <a:latin typeface="JetBrains Mono"/>
+              </a:rPr>
+              <a:t>(</a:t>
+            </a:r>
+            <a:r>
+              <a:rPr kumimoji="0" lang="en-US" altLang="en-US" sz="800" b="0" i="0" u="none" strike="noStrike" cap="none" normalizeH="0" baseline="0" dirty="0">
+                <a:ln>
+                  <a:noFill/>
+                </a:ln>
+                <a:solidFill>
+                  <a:srgbClr val="6A8759"/>
+                </a:solidFill>
+                <a:effectLst/>
+                <a:latin typeface="JetBrains Mono"/>
+              </a:rPr>
+              <a:t>"||"</a:t>
+            </a:r>
+            <a:r>
+              <a:rPr kumimoji="0" lang="en-US" altLang="en-US" sz="800" b="0" i="0" u="none" strike="noStrike" cap="none" normalizeH="0" baseline="0" dirty="0">
+                <a:ln>
+                  <a:noFill/>
+                </a:ln>
+                <a:solidFill>
+                  <a:srgbClr val="A9B7C6"/>
+                </a:solidFill>
+                <a:effectLst/>
+                <a:latin typeface="JetBrains Mono"/>
+              </a:rPr>
+              <a:t>)[</a:t>
+            </a:r>
+            <a:r>
+              <a:rPr kumimoji="0" lang="en-US" altLang="en-US" sz="800" b="0" i="0" u="none" strike="noStrike" cap="none" normalizeH="0" baseline="0" dirty="0">
+                <a:ln>
+                  <a:noFill/>
+                </a:ln>
+                <a:solidFill>
+                  <a:srgbClr val="6897BB"/>
+                </a:solidFill>
+                <a:effectLst/>
+                <a:latin typeface="JetBrains Mono"/>
+              </a:rPr>
+              <a:t>1</a:t>
+            </a:r>
+            <a:r>
+              <a:rPr kumimoji="0" lang="en-US" altLang="en-US" sz="800" b="0" i="0" u="none" strike="noStrike" cap="none" normalizeH="0" baseline="0" dirty="0">
+                <a:ln>
+                  <a:noFill/>
+                </a:ln>
+                <a:solidFill>
+                  <a:srgbClr val="A9B7C6"/>
+                </a:solidFill>
+                <a:effectLst/>
+                <a:latin typeface="JetBrains Mono"/>
+              </a:rPr>
+              <a:t>].</a:t>
+            </a:r>
+            <a:r>
+              <a:rPr kumimoji="0" lang="en-US" altLang="en-US" sz="800" b="0" i="0" u="none" strike="noStrike" cap="none" normalizeH="0" baseline="0" dirty="0">
+                <a:ln>
+                  <a:noFill/>
+                </a:ln>
+                <a:solidFill>
+                  <a:srgbClr val="E28D53"/>
+                </a:solidFill>
+                <a:effectLst/>
+                <a:latin typeface="JetBrains Mono"/>
+              </a:rPr>
+              <a:t>strip</a:t>
+            </a:r>
+            <a:r>
+              <a:rPr kumimoji="0" lang="en-US" altLang="en-US" sz="800" b="0" i="0" u="none" strike="noStrike" cap="none" normalizeH="0" baseline="0" dirty="0">
+                <a:ln>
+                  <a:noFill/>
+                </a:ln>
+                <a:solidFill>
+                  <a:srgbClr val="A9B7C6"/>
+                </a:solidFill>
+                <a:effectLst/>
+                <a:latin typeface="JetBrains Mono"/>
+              </a:rPr>
+              <a:t>()  </a:t>
+            </a:r>
+            <a:r>
+              <a:rPr kumimoji="0" lang="en-US" altLang="en-US" sz="800" b="0" i="0" u="none" strike="noStrike" cap="none" normalizeH="0" baseline="0" dirty="0">
+                <a:ln>
+                  <a:noFill/>
+                </a:ln>
+                <a:solidFill>
+                  <a:srgbClr val="808080"/>
+                </a:solidFill>
+                <a:effectLst/>
+                <a:latin typeface="JetBrains Mono"/>
+              </a:rPr>
+              <a:t># Extract the relative path</a:t>
+            </a:r>
+            <a:br>
+              <a:rPr kumimoji="0" lang="en-US" altLang="en-US" sz="800" b="0" i="0" u="none" strike="noStrike" cap="none" normalizeH="0" baseline="0" dirty="0">
+                <a:ln>
+                  <a:noFill/>
+                </a:ln>
+                <a:solidFill>
+                  <a:srgbClr val="808080"/>
+                </a:solidFill>
+                <a:effectLst/>
+                <a:latin typeface="JetBrains Mono"/>
+              </a:rPr>
+            </a:br>
+            <a:r>
+              <a:rPr kumimoji="0" lang="en-US" altLang="en-US" sz="800" b="0" i="0" u="none" strike="noStrike" cap="none" normalizeH="0" baseline="0" dirty="0">
+                <a:ln>
+                  <a:noFill/>
+                </a:ln>
+                <a:solidFill>
+                  <a:srgbClr val="808080"/>
+                </a:solidFill>
+                <a:effectLst/>
+                <a:latin typeface="JetBrains Mono"/>
+              </a:rPr>
+              <a:t>    </a:t>
+            </a:r>
+            <a:r>
+              <a:rPr kumimoji="0" lang="en-US" altLang="en-US" sz="800" b="0" i="0" u="none" strike="noStrike" cap="none" normalizeH="0" baseline="0" dirty="0">
+                <a:ln>
+                  <a:noFill/>
+                </a:ln>
+                <a:solidFill>
+                  <a:srgbClr val="A9B7C6"/>
+                </a:solidFill>
+                <a:effectLst/>
+                <a:latin typeface="JetBrains Mono"/>
+              </a:rPr>
+              <a:t>location = os.path.</a:t>
+            </a:r>
+            <a:r>
+              <a:rPr kumimoji="0" lang="en-US" altLang="en-US" sz="800" b="0" i="0" u="none" strike="noStrike" cap="none" normalizeH="0" baseline="0" dirty="0">
+                <a:ln>
+                  <a:noFill/>
+                </a:ln>
+                <a:solidFill>
+                  <a:srgbClr val="E28D53"/>
+                </a:solidFill>
+                <a:effectLst/>
+                <a:latin typeface="JetBrains Mono"/>
+              </a:rPr>
+              <a:t>join</a:t>
+            </a:r>
+            <a:r>
+              <a:rPr kumimoji="0" lang="en-US" altLang="en-US" sz="800" b="0" i="0" u="none" strike="noStrike" cap="none" normalizeH="0" baseline="0" dirty="0">
+                <a:ln>
+                  <a:noFill/>
+                </a:ln>
+                <a:solidFill>
+                  <a:srgbClr val="A9B7C6"/>
+                </a:solidFill>
+                <a:effectLst/>
+                <a:latin typeface="JetBrains Mono"/>
+              </a:rPr>
+              <a:t>(FOLDER</a:t>
+            </a:r>
+            <a:r>
+              <a:rPr kumimoji="0" lang="en-US" altLang="en-US" sz="800" b="0" i="0" u="none" strike="noStrike" cap="none" normalizeH="0" baseline="0" dirty="0">
+                <a:ln>
+                  <a:noFill/>
+                </a:ln>
+                <a:solidFill>
+                  <a:srgbClr val="CC7832"/>
+                </a:solidFill>
+                <a:effectLst/>
+                <a:latin typeface="JetBrains Mono"/>
+              </a:rPr>
+              <a:t>, </a:t>
+            </a:r>
+            <a:r>
+              <a:rPr kumimoji="0" lang="en-US" altLang="en-US" sz="800" b="0" i="0" u="none" strike="noStrike" cap="none" normalizeH="0" baseline="0" dirty="0">
+                <a:ln>
+                  <a:noFill/>
+                </a:ln>
+                <a:solidFill>
+                  <a:srgbClr val="A9B7C6"/>
+                </a:solidFill>
+                <a:effectLst/>
+                <a:latin typeface="JetBrains Mono"/>
+              </a:rPr>
+              <a:t>rel_path)  </a:t>
+            </a:r>
+            <a:r>
+              <a:rPr kumimoji="0" lang="en-US" altLang="en-US" sz="800" b="0" i="0" u="none" strike="noStrike" cap="none" normalizeH="0" baseline="0" dirty="0">
+                <a:ln>
+                  <a:noFill/>
+                </a:ln>
+                <a:solidFill>
+                  <a:srgbClr val="808080"/>
+                </a:solidFill>
+                <a:effectLst/>
+                <a:latin typeface="JetBrains Mono"/>
+              </a:rPr>
+              <a:t># Create the target location</a:t>
+            </a:r>
+            <a:br>
+              <a:rPr kumimoji="0" lang="en-US" altLang="en-US" sz="800" b="0" i="0" u="none" strike="noStrike" cap="none" normalizeH="0" baseline="0" dirty="0">
+                <a:ln>
+                  <a:noFill/>
+                </a:ln>
+                <a:solidFill>
+                  <a:srgbClr val="808080"/>
+                </a:solidFill>
+                <a:effectLst/>
+                <a:latin typeface="JetBrains Mono"/>
+              </a:rPr>
+            </a:br>
+            <a:r>
+              <a:rPr kumimoji="0" lang="en-US" altLang="en-US" sz="800" b="0" i="0" u="none" strike="noStrike" cap="none" normalizeH="0" baseline="0" dirty="0">
+                <a:ln>
+                  <a:noFill/>
+                </a:ln>
+                <a:solidFill>
+                  <a:srgbClr val="808080"/>
+                </a:solidFill>
+                <a:effectLst/>
+                <a:latin typeface="JetBrains Mono"/>
+              </a:rPr>
+              <a:t>    </a:t>
+            </a:r>
+            <a:r>
+              <a:rPr kumimoji="0" lang="en-US" altLang="en-US" sz="800" b="0" i="0" u="none" strike="noStrike" cap="none" normalizeH="0" baseline="0" dirty="0">
+                <a:ln>
+                  <a:noFill/>
+                </a:ln>
+                <a:solidFill>
+                  <a:srgbClr val="CC7832"/>
+                </a:solidFill>
+                <a:effectLst/>
+                <a:latin typeface="JetBrains Mono"/>
+              </a:rPr>
+              <a:t>with </a:t>
+            </a:r>
+            <a:r>
+              <a:rPr kumimoji="0" lang="en-US" altLang="en-US" sz="800" b="0" i="0" u="none" strike="noStrike" cap="none" normalizeH="0" baseline="0" dirty="0">
+                <a:ln>
+                  <a:noFill/>
+                </a:ln>
+                <a:solidFill>
+                  <a:srgbClr val="94558D"/>
+                </a:solidFill>
+                <a:effectLst/>
+                <a:latin typeface="JetBrains Mono"/>
+              </a:rPr>
+              <a:t>self</a:t>
+            </a:r>
+            <a:r>
+              <a:rPr kumimoji="0" lang="en-US" altLang="en-US" sz="800" b="0" i="0" u="none" strike="noStrike" cap="none" normalizeH="0" baseline="0" dirty="0">
+                <a:ln>
+                  <a:noFill/>
+                </a:ln>
+                <a:solidFill>
+                  <a:srgbClr val="A9B7C6"/>
+                </a:solidFill>
+                <a:effectLst/>
+                <a:latin typeface="JetBrains Mono"/>
+              </a:rPr>
+              <a:t>.lock:</a:t>
+            </a:r>
+            <a:br>
+              <a:rPr kumimoji="0" lang="en-US" altLang="en-US" sz="800" b="0" i="0" u="none" strike="noStrike" cap="none" normalizeH="0" baseline="0" dirty="0">
+                <a:ln>
+                  <a:noFill/>
+                </a:ln>
+                <a:solidFill>
+                  <a:srgbClr val="A9B7C6"/>
+                </a:solidFill>
+                <a:effectLst/>
+                <a:latin typeface="JetBrains Mono"/>
+              </a:rPr>
+            </a:br>
+            <a:r>
+              <a:rPr kumimoji="0" lang="en-US" altLang="en-US" sz="800" b="0" i="0" u="none" strike="noStrike" cap="none" normalizeH="0" baseline="0" dirty="0">
+                <a:ln>
+                  <a:noFill/>
+                </a:ln>
+                <a:solidFill>
+                  <a:srgbClr val="A9B7C6"/>
+                </a:solidFill>
+                <a:effectLst/>
+                <a:latin typeface="JetBrains Mono"/>
+              </a:rPr>
+              <a:t>        directory.</a:t>
+            </a:r>
+            <a:r>
+              <a:rPr kumimoji="0" lang="en-US" altLang="en-US" sz="800" b="0" i="0" u="none" strike="noStrike" cap="none" normalizeH="0" baseline="0" dirty="0">
+                <a:ln>
+                  <a:noFill/>
+                </a:ln>
+                <a:solidFill>
+                  <a:srgbClr val="E28D53"/>
+                </a:solidFill>
+                <a:effectLst/>
+                <a:latin typeface="JetBrains Mono"/>
+              </a:rPr>
+              <a:t>create</a:t>
+            </a:r>
+            <a:r>
+              <a:rPr kumimoji="0" lang="en-US" altLang="en-US" sz="800" b="0" i="0" u="none" strike="noStrike" cap="none" normalizeH="0" baseline="0" dirty="0">
+                <a:ln>
+                  <a:noFill/>
+                </a:ln>
+                <a:solidFill>
+                  <a:srgbClr val="A9B7C6"/>
+                </a:solidFill>
+                <a:effectLst/>
+                <a:latin typeface="JetBrains Mono"/>
+              </a:rPr>
+              <a:t>(location)  </a:t>
+            </a:r>
+            <a:r>
+              <a:rPr kumimoji="0" lang="en-US" altLang="en-US" sz="800" b="0" i="0" u="none" strike="noStrike" cap="none" normalizeH="0" baseline="0" dirty="0">
+                <a:ln>
+                  <a:noFill/>
+                </a:ln>
+                <a:solidFill>
+                  <a:srgbClr val="808080"/>
+                </a:solidFill>
+                <a:effectLst/>
+                <a:latin typeface="JetBrains Mono"/>
+              </a:rPr>
+              <a:t># Create the directory at the target location</a:t>
+            </a:r>
+            <a:br>
+              <a:rPr kumimoji="0" lang="en-US" altLang="en-US" sz="800" b="0" i="0" u="none" strike="noStrike" cap="none" normalizeH="0" baseline="0" dirty="0">
+                <a:ln>
+                  <a:noFill/>
+                </a:ln>
+                <a:solidFill>
+                  <a:srgbClr val="808080"/>
+                </a:solidFill>
+                <a:effectLst/>
+                <a:latin typeface="JetBrains Mono"/>
+              </a:rPr>
+            </a:br>
+            <a:r>
+              <a:rPr kumimoji="0" lang="en-US" altLang="en-US" sz="800" b="0" i="0" u="none" strike="noStrike" cap="none" normalizeH="0" baseline="0" dirty="0">
+                <a:ln>
+                  <a:noFill/>
+                </a:ln>
+                <a:solidFill>
+                  <a:srgbClr val="808080"/>
+                </a:solidFill>
+                <a:effectLst/>
+                <a:latin typeface="JetBrains Mono"/>
+              </a:rPr>
+              <a:t>    </a:t>
+            </a:r>
+            <a:r>
+              <a:rPr kumimoji="0" lang="en-US" altLang="en-US" sz="800" b="0" i="0" u="none" strike="noStrike" cap="none" normalizeH="0" baseline="0" dirty="0">
+                <a:ln>
+                  <a:noFill/>
+                </a:ln>
+                <a:solidFill>
+                  <a:srgbClr val="8888C6"/>
+                </a:solidFill>
+                <a:effectLst/>
+                <a:latin typeface="JetBrains Mono"/>
+              </a:rPr>
+              <a:t>print</a:t>
+            </a:r>
+            <a:r>
+              <a:rPr kumimoji="0" lang="en-US" altLang="en-US" sz="800" b="0" i="0" u="none" strike="noStrike" cap="none" normalizeH="0" baseline="0" dirty="0">
+                <a:ln>
+                  <a:noFill/>
+                </a:ln>
+                <a:solidFill>
+                  <a:srgbClr val="A9B7C6"/>
+                </a:solidFill>
+                <a:effectLst/>
+                <a:latin typeface="JetBrains Mono"/>
+              </a:rPr>
+              <a:t>(</a:t>
+            </a:r>
+            <a:r>
+              <a:rPr kumimoji="0" lang="en-US" altLang="en-US" sz="800" b="0" i="0" u="none" strike="noStrike" cap="none" normalizeH="0" baseline="0" dirty="0">
+                <a:ln>
+                  <a:noFill/>
+                </a:ln>
+                <a:solidFill>
+                  <a:srgbClr val="6A8759"/>
+                </a:solidFill>
+                <a:effectLst/>
+                <a:latin typeface="JetBrains Mono"/>
+              </a:rPr>
+              <a:t>f"Folder </a:t>
+            </a:r>
+            <a:r>
+              <a:rPr kumimoji="0" lang="en-US" altLang="en-US" sz="800" b="0" i="0" u="none" strike="noStrike" cap="none" normalizeH="0" baseline="0" dirty="0">
+                <a:ln>
+                  <a:noFill/>
+                </a:ln>
+                <a:solidFill>
+                  <a:srgbClr val="CC7832"/>
+                </a:solidFill>
+                <a:effectLst/>
+                <a:latin typeface="JetBrains Mono"/>
+              </a:rPr>
+              <a:t>{</a:t>
+            </a:r>
+            <a:r>
+              <a:rPr kumimoji="0" lang="en-US" altLang="en-US" sz="800" b="0" i="0" u="none" strike="noStrike" cap="none" normalizeH="0" baseline="0" dirty="0">
+                <a:ln>
+                  <a:noFill/>
+                </a:ln>
+                <a:solidFill>
+                  <a:srgbClr val="A9B7C6"/>
+                </a:solidFill>
+                <a:effectLst/>
+                <a:latin typeface="JetBrains Mono"/>
+              </a:rPr>
+              <a:t>location</a:t>
+            </a:r>
+            <a:r>
+              <a:rPr kumimoji="0" lang="en-US" altLang="en-US" sz="800" b="0" i="0" u="none" strike="noStrike" cap="none" normalizeH="0" baseline="0" dirty="0">
+                <a:ln>
+                  <a:noFill/>
+                </a:ln>
+                <a:solidFill>
+                  <a:srgbClr val="CC7832"/>
+                </a:solidFill>
+                <a:effectLst/>
+                <a:latin typeface="JetBrains Mono"/>
+              </a:rPr>
+              <a:t>}</a:t>
+            </a:r>
+            <a:r>
+              <a:rPr kumimoji="0" lang="en-US" altLang="en-US" sz="800" b="0" i="0" u="none" strike="noStrike" cap="none" normalizeH="0" baseline="0" dirty="0">
+                <a:ln>
+                  <a:noFill/>
+                </a:ln>
+                <a:solidFill>
+                  <a:srgbClr val="6A8759"/>
+                </a:solidFill>
+                <a:effectLst/>
+                <a:latin typeface="JetBrains Mono"/>
+              </a:rPr>
+              <a:t> uploaded"</a:t>
+            </a:r>
+            <a:r>
+              <a:rPr kumimoji="0" lang="en-US" altLang="en-US" sz="800" b="0" i="0" u="none" strike="noStrike" cap="none" normalizeH="0" baseline="0" dirty="0">
+                <a:ln>
+                  <a:noFill/>
+                </a:ln>
+                <a:solidFill>
+                  <a:srgbClr val="A9B7C6"/>
+                </a:solidFill>
+                <a:effectLst/>
+                <a:latin typeface="JetBrains Mono"/>
+              </a:rPr>
+              <a:t>)</a:t>
+            </a:r>
+            <a:br>
+              <a:rPr kumimoji="0" lang="en-US" altLang="en-US" sz="800" b="0" i="0" u="none" strike="noStrike" cap="none" normalizeH="0" baseline="0" dirty="0">
+                <a:ln>
+                  <a:noFill/>
+                </a:ln>
+                <a:solidFill>
+                  <a:srgbClr val="A9B7C6"/>
+                </a:solidFill>
+                <a:effectLst/>
+                <a:latin typeface="JetBrains Mono"/>
+              </a:rPr>
+            </a:br>
+            <a:r>
+              <a:rPr kumimoji="0" lang="en-US" altLang="en-US" sz="800" b="0" i="0" u="none" strike="noStrike" cap="none" normalizeH="0" baseline="0" dirty="0">
+                <a:ln>
+                  <a:noFill/>
+                </a:ln>
+                <a:solidFill>
+                  <a:srgbClr val="A9B7C6"/>
+                </a:solidFill>
+                <a:effectLst/>
+                <a:latin typeface="JetBrains Mono"/>
+              </a:rPr>
+              <a:t>    modified_folder = pathlib.</a:t>
+            </a:r>
+            <a:r>
+              <a:rPr kumimoji="0" lang="en-US" altLang="en-US" sz="800" b="0" i="0" u="none" strike="noStrike" cap="none" normalizeH="0" baseline="0" dirty="0">
+                <a:ln>
+                  <a:noFill/>
+                </a:ln>
+                <a:solidFill>
+                  <a:srgbClr val="E28D53"/>
+                </a:solidFill>
+                <a:effectLst/>
+                <a:latin typeface="JetBrains Mono"/>
+              </a:rPr>
+              <a:t>Path</a:t>
+            </a:r>
+            <a:r>
+              <a:rPr kumimoji="0" lang="en-US" altLang="en-US" sz="800" b="0" i="0" u="none" strike="noStrike" cap="none" normalizeH="0" baseline="0" dirty="0">
+                <a:ln>
+                  <a:noFill/>
+                </a:ln>
+                <a:solidFill>
+                  <a:srgbClr val="A9B7C6"/>
+                </a:solidFill>
+                <a:effectLst/>
+                <a:latin typeface="JetBrains Mono"/>
+              </a:rPr>
+              <a:t>(rel_path).parts[</a:t>
+            </a:r>
+            <a:r>
+              <a:rPr kumimoji="0" lang="en-US" altLang="en-US" sz="800" b="0" i="0" u="none" strike="noStrike" cap="none" normalizeH="0" baseline="0" dirty="0">
+                <a:ln>
+                  <a:noFill/>
+                </a:ln>
+                <a:solidFill>
+                  <a:srgbClr val="6897BB"/>
+                </a:solidFill>
+                <a:effectLst/>
+                <a:latin typeface="JetBrains Mono"/>
+              </a:rPr>
+              <a:t>0</a:t>
+            </a:r>
+            <a:r>
+              <a:rPr kumimoji="0" lang="en-US" altLang="en-US" sz="800" b="0" i="0" u="none" strike="noStrike" cap="none" normalizeH="0" baseline="0" dirty="0">
+                <a:ln>
+                  <a:noFill/>
+                </a:ln>
+                <a:solidFill>
+                  <a:srgbClr val="A9B7C6"/>
+                </a:solidFill>
+                <a:effectLst/>
+                <a:latin typeface="JetBrains Mono"/>
+              </a:rPr>
+              <a:t>]  </a:t>
+            </a:r>
+            <a:r>
+              <a:rPr kumimoji="0" lang="en-US" altLang="en-US" sz="800" b="0" i="0" u="none" strike="noStrike" cap="none" normalizeH="0" baseline="0" dirty="0">
+                <a:ln>
+                  <a:noFill/>
+                </a:ln>
+                <a:solidFill>
+                  <a:srgbClr val="808080"/>
+                </a:solidFill>
+                <a:effectLst/>
+                <a:latin typeface="JetBrains Mono"/>
+              </a:rPr>
+              <a:t># Get the modified folder name from the relative path</a:t>
+            </a:r>
+            <a:br>
+              <a:rPr kumimoji="0" lang="en-US" altLang="en-US" sz="800" b="0" i="0" u="none" strike="noStrike" cap="none" normalizeH="0" baseline="0" dirty="0">
+                <a:ln>
+                  <a:noFill/>
+                </a:ln>
+                <a:solidFill>
+                  <a:srgbClr val="808080"/>
+                </a:solidFill>
+                <a:effectLst/>
+                <a:latin typeface="JetBrains Mono"/>
+              </a:rPr>
+            </a:br>
+            <a:r>
+              <a:rPr kumimoji="0" lang="en-US" altLang="en-US" sz="800" b="0" i="0" u="none" strike="noStrike" cap="none" normalizeH="0" baseline="0" dirty="0">
+                <a:ln>
+                  <a:noFill/>
+                </a:ln>
+                <a:solidFill>
+                  <a:srgbClr val="808080"/>
+                </a:solidFill>
+                <a:effectLst/>
+                <a:latin typeface="JetBrains Mono"/>
+              </a:rPr>
+              <a:t>    </a:t>
+            </a:r>
+            <a:r>
+              <a:rPr kumimoji="0" lang="en-US" altLang="en-US" sz="800" b="0" i="0" u="none" strike="noStrike" cap="none" normalizeH="0" baseline="0" dirty="0">
+                <a:ln>
+                  <a:noFill/>
+                </a:ln>
+                <a:solidFill>
+                  <a:srgbClr val="E28D53"/>
+                </a:solidFill>
+                <a:effectLst/>
+                <a:latin typeface="JetBrains Mono"/>
+              </a:rPr>
+              <a:t>update_command</a:t>
+            </a:r>
+            <a:r>
+              <a:rPr kumimoji="0" lang="en-US" altLang="en-US" sz="800" b="0" i="0" u="none" strike="noStrike" cap="none" normalizeH="0" baseline="0" dirty="0">
+                <a:ln>
+                  <a:noFill/>
+                </a:ln>
+                <a:solidFill>
+                  <a:srgbClr val="A9B7C6"/>
+                </a:solidFill>
+                <a:effectLst/>
+                <a:latin typeface="JetBrains Mono"/>
+              </a:rPr>
+              <a:t>((data</a:t>
+            </a:r>
+            <a:r>
+              <a:rPr kumimoji="0" lang="en-US" altLang="en-US" sz="800" b="0" i="0" u="none" strike="noStrike" cap="none" normalizeH="0" baseline="0" dirty="0">
+                <a:ln>
+                  <a:noFill/>
+                </a:ln>
+                <a:solidFill>
+                  <a:srgbClr val="CC7832"/>
+                </a:solidFill>
+                <a:effectLst/>
+                <a:latin typeface="JetBrains Mono"/>
+              </a:rPr>
+              <a:t>, </a:t>
+            </a:r>
+            <a:r>
+              <a:rPr kumimoji="0" lang="en-US" altLang="en-US" sz="800" b="0" i="0" u="none" strike="noStrike" cap="none" normalizeH="0" baseline="0" dirty="0">
+                <a:ln>
+                  <a:noFill/>
+                </a:ln>
+                <a:solidFill>
+                  <a:srgbClr val="A9B7C6"/>
+                </a:solidFill>
+                <a:effectLst/>
+                <a:latin typeface="JetBrains Mono"/>
+              </a:rPr>
+              <a:t>serialized_dir)</a:t>
+            </a:r>
+            <a:r>
+              <a:rPr kumimoji="0" lang="en-US" altLang="en-US" sz="800" b="0" i="0" u="none" strike="noStrike" cap="none" normalizeH="0" baseline="0" dirty="0">
+                <a:ln>
+                  <a:noFill/>
+                </a:ln>
+                <a:solidFill>
+                  <a:srgbClr val="CC7832"/>
+                </a:solidFill>
+                <a:effectLst/>
+                <a:latin typeface="JetBrains Mono"/>
+              </a:rPr>
+              <a:t>, </a:t>
+            </a:r>
+            <a:r>
+              <a:rPr kumimoji="0" lang="en-US" altLang="en-US" sz="800" b="0" i="0" u="none" strike="noStrike" cap="none" normalizeH="0" baseline="0" dirty="0">
+                <a:ln>
+                  <a:noFill/>
+                </a:ln>
+                <a:solidFill>
+                  <a:srgbClr val="94558D"/>
+                </a:solidFill>
+                <a:effectLst/>
+                <a:latin typeface="JetBrains Mono"/>
+              </a:rPr>
+              <a:t>self</a:t>
+            </a:r>
+            <a:r>
+              <a:rPr kumimoji="0" lang="en-US" altLang="en-US" sz="800" b="0" i="0" u="none" strike="noStrike" cap="none" normalizeH="0" baseline="0" dirty="0">
+                <a:ln>
+                  <a:noFill/>
+                </a:ln>
+                <a:solidFill>
+                  <a:srgbClr val="A9B7C6"/>
+                </a:solidFill>
+                <a:effectLst/>
+                <a:latin typeface="JetBrains Mono"/>
+              </a:rPr>
+              <a:t>.username</a:t>
+            </a:r>
+            <a:r>
+              <a:rPr kumimoji="0" lang="en-US" altLang="en-US" sz="800" b="0" i="0" u="none" strike="noStrike" cap="none" normalizeH="0" baseline="0" dirty="0">
+                <a:ln>
+                  <a:noFill/>
+                </a:ln>
+                <a:solidFill>
+                  <a:srgbClr val="CC7832"/>
+                </a:solidFill>
+                <a:effectLst/>
+                <a:latin typeface="JetBrains Mono"/>
+              </a:rPr>
+              <a:t>, </a:t>
+            </a:r>
+            <a:r>
+              <a:rPr kumimoji="0" lang="en-US" altLang="en-US" sz="800" b="0" i="0" u="none" strike="noStrike" cap="none" normalizeH="0" baseline="0" dirty="0">
+                <a:ln>
+                  <a:noFill/>
+                </a:ln>
+                <a:solidFill>
+                  <a:srgbClr val="A9B7C6"/>
+                </a:solidFill>
+                <a:effectLst/>
+                <a:latin typeface="JetBrains Mono"/>
+              </a:rPr>
+              <a:t>modified_folder)  </a:t>
+            </a:r>
+            <a:r>
+              <a:rPr kumimoji="0" lang="en-US" altLang="en-US" sz="800" b="0" i="0" u="none" strike="noStrike" cap="none" normalizeH="0" baseline="0" dirty="0">
+                <a:ln>
+                  <a:noFill/>
+                </a:ln>
+                <a:solidFill>
+                  <a:srgbClr val="808080"/>
+                </a:solidFill>
+                <a:effectLst/>
+                <a:latin typeface="JetBrains Mono"/>
+              </a:rPr>
+              <a:t># Add the command to waiting_commands</a:t>
+            </a:r>
+            <a:endParaRPr kumimoji="0" lang="en-US" altLang="en-US" sz="1600" b="0" i="0" u="none" strike="noStrike" cap="none" normalizeH="0" baseline="0" dirty="0">
+              <a:ln>
+                <a:noFill/>
+              </a:ln>
+              <a:solidFill>
+                <a:schemeClr val="tx1"/>
+              </a:solidFill>
+              <a:effectLst/>
+              <a:latin typeface="Arial" panose="020B0604020202020204" pitchFamily="34" charset="0"/>
+            </a:endParaRPr>
+          </a:p>
+        </p:txBody>
+      </p:sp>
+      <p:sp>
+        <p:nvSpPr>
+          <p:cNvPr id="13" name="TextBox 12">
+            <a:extLst>
+              <a:ext uri="{FF2B5EF4-FFF2-40B4-BE49-F238E27FC236}">
+                <a16:creationId xmlns:a16="http://schemas.microsoft.com/office/drawing/2014/main" id="{97C70308-61F9-9B08-6541-EC4D71BF1BF4}"/>
+              </a:ext>
+            </a:extLst>
+          </p:cNvPr>
+          <p:cNvSpPr txBox="1"/>
+          <p:nvPr/>
+        </p:nvSpPr>
+        <p:spPr>
+          <a:xfrm>
+            <a:off x="2836330" y="1364191"/>
+            <a:ext cx="8957733" cy="369332"/>
+          </a:xfrm>
+          <a:prstGeom prst="rect">
+            <a:avLst/>
+          </a:prstGeom>
+          <a:noFill/>
+        </p:spPr>
+        <p:txBody>
+          <a:bodyPr wrap="square" rtlCol="0">
+            <a:spAutoFit/>
+          </a:bodyPr>
+          <a:lstStyle/>
+          <a:p>
+            <a:pPr algn="r"/>
+            <a:r>
+              <a:rPr lang="he-IL" dirty="0"/>
+              <a:t>דוגמה לקבלת פעולה מלקוח ושליחתה אל שאר המשתמשים שיש להם הרשאות לאותה התיקייה:</a:t>
+            </a:r>
+            <a:endParaRPr lang="en-US" dirty="0"/>
+          </a:p>
+        </p:txBody>
+      </p:sp>
+      <p:sp>
+        <p:nvSpPr>
+          <p:cNvPr id="16" name="Rectangle 10">
+            <a:extLst>
+              <a:ext uri="{FF2B5EF4-FFF2-40B4-BE49-F238E27FC236}">
+                <a16:creationId xmlns:a16="http://schemas.microsoft.com/office/drawing/2014/main" id="{33E73437-C72B-7171-5CC3-6C21D1BACBA9}"/>
+              </a:ext>
+            </a:extLst>
+          </p:cNvPr>
+          <p:cNvSpPr>
+            <a:spLocks noChangeArrowheads="1"/>
+          </p:cNvSpPr>
+          <p:nvPr/>
+        </p:nvSpPr>
+        <p:spPr bwMode="auto">
+          <a:xfrm>
+            <a:off x="881401" y="3241358"/>
+            <a:ext cx="5151013" cy="3588642"/>
+          </a:xfrm>
+          <a:prstGeom prst="rect">
+            <a:avLst/>
+          </a:prstGeom>
+          <a:solidFill>
+            <a:srgbClr val="2B2B2B"/>
+          </a:solidFill>
+          <a:ln>
+            <a:noFill/>
+          </a:ln>
+          <a:effectLst/>
+          <a:extLst>
+            <a:ext uri="{91240B29-F687-4F45-9708-019B960494DF}">
+              <a14:hiddenLine xmlns:a14="http://schemas.microsoft.com/office/drawing/2010/main" w="9525">
+                <a:solidFill>
+                  <a:schemeClr val="tx1"/>
+                </a:solidFill>
+                <a:miter lim="800000"/>
+                <a:headEnd/>
+                <a:tailEnd/>
+              </a14:hiddenLine>
+            </a:ext>
+            <a:ext uri="{AF507438-7753-43E0-B8FC-AC1667EBCBE1}">
+              <a14:hiddenEffects xmlns:a14="http://schemas.microsoft.com/office/drawing/2010/main">
+                <a:effectLst>
+                  <a:outerShdw dist="35921" dir="2700000" algn="ctr" rotWithShape="0">
+                    <a:schemeClr val="bg2"/>
+                  </a:outerShdw>
+                </a:effectLst>
+              </a14:hiddenEffects>
+            </a:ext>
+          </a:extLst>
+        </p:spPr>
+        <p:txBody>
+          <a:bodyPr vert="horz" wrap="square" lIns="91440" tIns="45720" rIns="91440" bIns="45720" numCol="1" anchor="ctr" anchorCtr="0" compatLnSpc="1">
+            <a:prstTxWarp prst="textNoShape">
+              <a:avLst/>
+            </a:prstTxWarp>
+            <a:spAutoFit/>
+          </a:bodyPr>
+          <a:lstStyle/>
+          <a:p>
+            <a:pPr marL="0" marR="0" lvl="0" indent="0" algn="l" defTabSz="914400" rtl="0" eaLnBrk="0" fontAlgn="base" latinLnBrk="0" hangingPunct="0">
+              <a:lnSpc>
+                <a:spcPct val="100000"/>
+              </a:lnSpc>
+              <a:spcBef>
+                <a:spcPct val="0"/>
+              </a:spcBef>
+              <a:spcAft>
+                <a:spcPct val="0"/>
+              </a:spcAft>
+              <a:buClrTx/>
+              <a:buSzTx/>
+              <a:buFontTx/>
+              <a:buNone/>
+              <a:tabLst/>
+            </a:pPr>
+            <a:r>
+              <a:rPr kumimoji="0" lang="en-US" altLang="en-US" sz="800" b="0" i="0" u="none" strike="noStrike" cap="none" normalizeH="0" baseline="0" dirty="0">
+                <a:ln>
+                  <a:noFill/>
+                </a:ln>
+                <a:solidFill>
+                  <a:srgbClr val="CC7832"/>
+                </a:solidFill>
+                <a:effectLst/>
+                <a:latin typeface="JetBrains Mono"/>
+              </a:rPr>
+              <a:t>def </a:t>
+            </a:r>
+            <a:r>
+              <a:rPr kumimoji="0" lang="en-US" altLang="en-US" sz="800" b="0" i="0" u="none" strike="noStrike" cap="none" normalizeH="0" baseline="0" dirty="0">
+                <a:ln>
+                  <a:noFill/>
+                </a:ln>
+                <a:solidFill>
+                  <a:srgbClr val="FFC66D"/>
+                </a:solidFill>
+                <a:effectLst/>
+                <a:latin typeface="JetBrains Mono"/>
+              </a:rPr>
+              <a:t>receive_commands</a:t>
+            </a:r>
+            <a:r>
+              <a:rPr kumimoji="0" lang="en-US" altLang="en-US" sz="800" b="0" i="0" u="none" strike="noStrike" cap="none" normalizeH="0" baseline="0" dirty="0">
+                <a:ln>
+                  <a:noFill/>
+                </a:ln>
+                <a:solidFill>
+                  <a:srgbClr val="A9B7C6"/>
+                </a:solidFill>
+                <a:effectLst/>
+                <a:latin typeface="JetBrains Mono"/>
+              </a:rPr>
+              <a:t>(</a:t>
+            </a:r>
+            <a:r>
+              <a:rPr kumimoji="0" lang="en-US" altLang="en-US" sz="800" b="0" i="0" u="none" strike="noStrike" cap="none" normalizeH="0" baseline="0" dirty="0">
+                <a:ln>
+                  <a:noFill/>
+                </a:ln>
+                <a:solidFill>
+                  <a:srgbClr val="94558D"/>
+                </a:solidFill>
+                <a:effectLst/>
+                <a:latin typeface="JetBrains Mono"/>
+              </a:rPr>
+              <a:t>self</a:t>
+            </a:r>
+            <a:r>
+              <a:rPr kumimoji="0" lang="en-US" altLang="en-US" sz="800" b="0" i="0" u="none" strike="noStrike" cap="none" normalizeH="0" baseline="0" dirty="0">
+                <a:ln>
+                  <a:noFill/>
+                </a:ln>
+                <a:solidFill>
+                  <a:srgbClr val="A9B7C6"/>
+                </a:solidFill>
+                <a:effectLst/>
+                <a:latin typeface="JetBrains Mono"/>
+              </a:rPr>
+              <a:t>):</a:t>
+            </a:r>
+            <a:br>
+              <a:rPr kumimoji="0" lang="en-US" altLang="en-US" sz="800" b="0" i="0" u="none" strike="noStrike" cap="none" normalizeH="0" baseline="0" dirty="0">
+                <a:ln>
+                  <a:noFill/>
+                </a:ln>
+                <a:solidFill>
+                  <a:srgbClr val="A9B7C6"/>
+                </a:solidFill>
+                <a:effectLst/>
+                <a:latin typeface="JetBrains Mono"/>
+              </a:rPr>
+            </a:br>
+            <a:r>
+              <a:rPr kumimoji="0" lang="en-US" altLang="en-US" sz="800" b="0" i="0" u="none" strike="noStrike" cap="none" normalizeH="0" baseline="0" dirty="0">
+                <a:ln>
+                  <a:noFill/>
+                </a:ln>
+                <a:solidFill>
+                  <a:srgbClr val="A9B7C6"/>
+                </a:solidFill>
+                <a:effectLst/>
+                <a:latin typeface="JetBrains Mono"/>
+              </a:rPr>
+              <a:t>    </a:t>
+            </a:r>
+            <a:r>
+              <a:rPr kumimoji="0" lang="en-US" altLang="en-US" sz="800" b="0" i="1" u="none" strike="noStrike" cap="none" normalizeH="0" baseline="0" dirty="0">
+                <a:ln>
+                  <a:noFill/>
+                </a:ln>
+                <a:solidFill>
+                  <a:srgbClr val="629755"/>
+                </a:solidFill>
+                <a:effectLst/>
+                <a:latin typeface="JetBrains Mono"/>
+              </a:rPr>
+              <a:t>"""</a:t>
+            </a:r>
+            <a:br>
+              <a:rPr kumimoji="0" lang="en-US" altLang="en-US" sz="800" b="0" i="1" u="none" strike="noStrike" cap="none" normalizeH="0" baseline="0" dirty="0">
+                <a:ln>
+                  <a:noFill/>
+                </a:ln>
+                <a:solidFill>
+                  <a:srgbClr val="629755"/>
+                </a:solidFill>
+                <a:effectLst/>
+                <a:latin typeface="JetBrains Mono"/>
+              </a:rPr>
+            </a:br>
+            <a:r>
+              <a:rPr kumimoji="0" lang="en-US" altLang="en-US" sz="800" b="0" i="1" u="none" strike="noStrike" cap="none" normalizeH="0" baseline="0" dirty="0">
+                <a:ln>
+                  <a:noFill/>
+                </a:ln>
+                <a:solidFill>
+                  <a:srgbClr val="629755"/>
+                </a:solidFill>
+                <a:effectLst/>
+                <a:latin typeface="JetBrains Mono"/>
+              </a:rPr>
+              <a:t>        Receives and processes current user's waiting commands from the server.</a:t>
+            </a:r>
+            <a:br>
+              <a:rPr kumimoji="0" lang="en-US" altLang="en-US" sz="800" b="0" i="1" u="none" strike="noStrike" cap="none" normalizeH="0" baseline="0" dirty="0">
+                <a:ln>
+                  <a:noFill/>
+                </a:ln>
+                <a:solidFill>
+                  <a:srgbClr val="629755"/>
+                </a:solidFill>
+                <a:effectLst/>
+                <a:latin typeface="JetBrains Mono"/>
+              </a:rPr>
+            </a:br>
+            <a:r>
+              <a:rPr kumimoji="0" lang="en-US" altLang="en-US" sz="800" b="0" i="1" u="none" strike="noStrike" cap="none" normalizeH="0" baseline="0" dirty="0">
+                <a:ln>
+                  <a:noFill/>
+                </a:ln>
+                <a:solidFill>
+                  <a:srgbClr val="629755"/>
+                </a:solidFill>
+                <a:effectLst/>
+                <a:latin typeface="JetBrains Mono"/>
+              </a:rPr>
+              <a:t>        </a:t>
+            </a:r>
+            <a:r>
+              <a:rPr kumimoji="0" lang="en-US" altLang="en-US" sz="800" b="1" i="1" u="none" strike="noStrike" cap="none" normalizeH="0" baseline="0" dirty="0">
+                <a:ln>
+                  <a:noFill/>
+                </a:ln>
+                <a:solidFill>
+                  <a:srgbClr val="629755"/>
+                </a:solidFill>
+                <a:effectLst/>
+                <a:latin typeface="JetBrains Mono"/>
+              </a:rPr>
+              <a:t>:returns</a:t>
+            </a:r>
+            <a:r>
+              <a:rPr kumimoji="0" lang="en-US" altLang="en-US" sz="800" b="0" i="1" u="none" strike="noStrike" cap="none" normalizeH="0" baseline="0" dirty="0">
+                <a:ln>
+                  <a:noFill/>
+                </a:ln>
+                <a:solidFill>
+                  <a:srgbClr val="629755"/>
+                </a:solidFill>
+                <a:effectLst/>
+                <a:latin typeface="JetBrains Mono"/>
+              </a:rPr>
+              <a:t>: None</a:t>
+            </a:r>
+            <a:br>
+              <a:rPr kumimoji="0" lang="en-US" altLang="en-US" sz="800" b="0" i="1" u="none" strike="noStrike" cap="none" normalizeH="0" baseline="0" dirty="0">
+                <a:ln>
+                  <a:noFill/>
+                </a:ln>
+                <a:solidFill>
+                  <a:srgbClr val="629755"/>
+                </a:solidFill>
+                <a:effectLst/>
+                <a:latin typeface="JetBrains Mono"/>
+              </a:rPr>
+            </a:br>
+            <a:r>
+              <a:rPr kumimoji="0" lang="en-US" altLang="en-US" sz="800" b="0" i="1" u="none" strike="noStrike" cap="none" normalizeH="0" baseline="0" dirty="0">
+                <a:ln>
+                  <a:noFill/>
+                </a:ln>
+                <a:solidFill>
+                  <a:srgbClr val="629755"/>
+                </a:solidFill>
+                <a:effectLst/>
+                <a:latin typeface="JetBrains Mono"/>
+              </a:rPr>
+              <a:t>        """</a:t>
+            </a:r>
+            <a:br>
+              <a:rPr kumimoji="0" lang="en-US" altLang="en-US" sz="800" b="0" i="1" u="none" strike="noStrike" cap="none" normalizeH="0" baseline="0" dirty="0">
+                <a:ln>
+                  <a:noFill/>
+                </a:ln>
+                <a:solidFill>
+                  <a:srgbClr val="629755"/>
+                </a:solidFill>
+                <a:effectLst/>
+                <a:latin typeface="JetBrains Mono"/>
+              </a:rPr>
+            </a:br>
+            <a:r>
+              <a:rPr kumimoji="0" lang="en-US" altLang="en-US" sz="800" b="0" i="1" u="none" strike="noStrike" cap="none" normalizeH="0" baseline="0" dirty="0">
+                <a:ln>
+                  <a:noFill/>
+                </a:ln>
+                <a:solidFill>
+                  <a:srgbClr val="629755"/>
+                </a:solidFill>
+                <a:effectLst/>
+                <a:latin typeface="JetBrains Mono"/>
+              </a:rPr>
+              <a:t>    </a:t>
+            </a:r>
+            <a:r>
+              <a:rPr kumimoji="0" lang="en-US" altLang="en-US" sz="800" b="0" i="0" u="none" strike="noStrike" cap="none" normalizeH="0" baseline="0" dirty="0">
+                <a:ln>
+                  <a:noFill/>
+                </a:ln>
+                <a:solidFill>
+                  <a:srgbClr val="CC7832"/>
+                </a:solidFill>
+                <a:effectLst/>
+                <a:latin typeface="JetBrains Mono"/>
+              </a:rPr>
+              <a:t>try</a:t>
+            </a:r>
+            <a:r>
+              <a:rPr kumimoji="0" lang="en-US" altLang="en-US" sz="800" b="0" i="0" u="none" strike="noStrike" cap="none" normalizeH="0" baseline="0" dirty="0">
+                <a:ln>
+                  <a:noFill/>
+                </a:ln>
+                <a:solidFill>
+                  <a:srgbClr val="A9B7C6"/>
+                </a:solidFill>
+                <a:effectLst/>
+                <a:latin typeface="JetBrains Mono"/>
+              </a:rPr>
+              <a:t>:</a:t>
+            </a:r>
+            <a:br>
+              <a:rPr kumimoji="0" lang="en-US" altLang="en-US" sz="800" b="0" i="0" u="none" strike="noStrike" cap="none" normalizeH="0" baseline="0" dirty="0">
+                <a:ln>
+                  <a:noFill/>
+                </a:ln>
+                <a:solidFill>
+                  <a:srgbClr val="A9B7C6"/>
+                </a:solidFill>
+                <a:effectLst/>
+                <a:latin typeface="JetBrains Mono"/>
+              </a:rPr>
+            </a:br>
+            <a:r>
+              <a:rPr kumimoji="0" lang="en-US" altLang="en-US" sz="800" b="0" i="0" u="none" strike="noStrike" cap="none" normalizeH="0" baseline="0" dirty="0">
+                <a:ln>
+                  <a:noFill/>
+                </a:ln>
+                <a:solidFill>
+                  <a:srgbClr val="A9B7C6"/>
+                </a:solidFill>
+                <a:effectLst/>
+                <a:latin typeface="JetBrains Mono"/>
+              </a:rPr>
+              <a:t>        </a:t>
+            </a:r>
+            <a:r>
+              <a:rPr kumimoji="0" lang="en-US" altLang="en-US" sz="800" b="0" i="0" u="none" strike="noStrike" cap="none" normalizeH="0" baseline="0" dirty="0">
+                <a:ln>
+                  <a:noFill/>
+                </a:ln>
+                <a:solidFill>
+                  <a:srgbClr val="CC7832"/>
+                </a:solidFill>
+                <a:effectLst/>
+                <a:latin typeface="JetBrains Mono"/>
+              </a:rPr>
+              <a:t>with </a:t>
+            </a:r>
+            <a:r>
+              <a:rPr kumimoji="0" lang="en-US" altLang="en-US" sz="800" b="0" i="0" u="none" strike="noStrike" cap="none" normalizeH="0" baseline="0" dirty="0">
+                <a:ln>
+                  <a:noFill/>
+                </a:ln>
+                <a:solidFill>
+                  <a:srgbClr val="94558D"/>
+                </a:solidFill>
+                <a:effectLst/>
+                <a:latin typeface="JetBrains Mono"/>
+              </a:rPr>
+              <a:t>self</a:t>
+            </a:r>
+            <a:r>
+              <a:rPr kumimoji="0" lang="en-US" altLang="en-US" sz="800" b="0" i="0" u="none" strike="noStrike" cap="none" normalizeH="0" baseline="0" dirty="0">
+                <a:ln>
+                  <a:noFill/>
+                </a:ln>
+                <a:solidFill>
+                  <a:srgbClr val="A9B7C6"/>
+                </a:solidFill>
+                <a:effectLst/>
+                <a:latin typeface="JetBrains Mono"/>
+              </a:rPr>
+              <a:t>.lock:</a:t>
+            </a:r>
+            <a:br>
+              <a:rPr kumimoji="0" lang="en-US" altLang="en-US" sz="800" b="0" i="0" u="none" strike="noStrike" cap="none" normalizeH="0" baseline="0" dirty="0">
+                <a:ln>
+                  <a:noFill/>
+                </a:ln>
+                <a:solidFill>
+                  <a:srgbClr val="A9B7C6"/>
+                </a:solidFill>
+                <a:effectLst/>
+                <a:latin typeface="JetBrains Mono"/>
+              </a:rPr>
+            </a:br>
+            <a:r>
+              <a:rPr kumimoji="0" lang="en-US" altLang="en-US" sz="800" b="0" i="0" u="none" strike="noStrike" cap="none" normalizeH="0" baseline="0" dirty="0">
+                <a:ln>
+                  <a:noFill/>
+                </a:ln>
+                <a:solidFill>
+                  <a:srgbClr val="A9B7C6"/>
+                </a:solidFill>
+                <a:effectLst/>
+                <a:latin typeface="JetBrains Mono"/>
+              </a:rPr>
+              <a:t>            </a:t>
+            </a:r>
+            <a:r>
+              <a:rPr kumimoji="0" lang="en-US" altLang="en-US" sz="800" b="0" i="0" u="none" strike="noStrike" cap="none" normalizeH="0" baseline="0" dirty="0">
+                <a:ln>
+                  <a:noFill/>
+                </a:ln>
+                <a:solidFill>
+                  <a:srgbClr val="E28D53"/>
+                </a:solidFill>
+                <a:effectLst/>
+                <a:latin typeface="JetBrains Mono"/>
+              </a:rPr>
+              <a:t>send_data</a:t>
+            </a:r>
+            <a:r>
+              <a:rPr kumimoji="0" lang="en-US" altLang="en-US" sz="800" b="0" i="0" u="none" strike="noStrike" cap="none" normalizeH="0" baseline="0" dirty="0">
+                <a:ln>
+                  <a:noFill/>
+                </a:ln>
+                <a:solidFill>
+                  <a:srgbClr val="A9B7C6"/>
+                </a:solidFill>
+                <a:effectLst/>
+                <a:latin typeface="JetBrains Mono"/>
+              </a:rPr>
+              <a:t>(client_socket</a:t>
+            </a:r>
+            <a:r>
+              <a:rPr kumimoji="0" lang="en-US" altLang="en-US" sz="800" b="0" i="0" u="none" strike="noStrike" cap="none" normalizeH="0" baseline="0" dirty="0">
+                <a:ln>
+                  <a:noFill/>
+                </a:ln>
+                <a:solidFill>
+                  <a:srgbClr val="CC7832"/>
+                </a:solidFill>
+                <a:effectLst/>
+                <a:latin typeface="JetBrains Mono"/>
+              </a:rPr>
+              <a:t>, </a:t>
+            </a:r>
+            <a:r>
+              <a:rPr kumimoji="0" lang="en-US" altLang="en-US" sz="800" b="0" i="0" u="none" strike="noStrike" cap="none" normalizeH="0" baseline="0" dirty="0">
+                <a:ln>
+                  <a:noFill/>
+                </a:ln>
+                <a:solidFill>
+                  <a:srgbClr val="6A8759"/>
+                </a:solidFill>
+                <a:effectLst/>
+                <a:latin typeface="JetBrains Mono"/>
+              </a:rPr>
+              <a:t>"request_commands"</a:t>
+            </a:r>
+            <a:r>
+              <a:rPr kumimoji="0" lang="en-US" altLang="en-US" sz="800" b="0" i="0" u="none" strike="noStrike" cap="none" normalizeH="0" baseline="0" dirty="0">
+                <a:ln>
+                  <a:noFill/>
+                </a:ln>
+                <a:solidFill>
+                  <a:srgbClr val="A9B7C6"/>
+                </a:solidFill>
+                <a:effectLst/>
+                <a:latin typeface="JetBrains Mono"/>
+              </a:rPr>
+              <a:t>)</a:t>
+            </a:r>
+            <a:br>
+              <a:rPr kumimoji="0" lang="en-US" altLang="en-US" sz="800" b="0" i="0" u="none" strike="noStrike" cap="none" normalizeH="0" baseline="0" dirty="0">
+                <a:ln>
+                  <a:noFill/>
+                </a:ln>
+                <a:solidFill>
+                  <a:srgbClr val="A9B7C6"/>
+                </a:solidFill>
+                <a:effectLst/>
+                <a:latin typeface="JetBrains Mono"/>
+              </a:rPr>
+            </a:br>
+            <a:r>
+              <a:rPr kumimoji="0" lang="en-US" altLang="en-US" sz="800" b="0" i="0" u="none" strike="noStrike" cap="none" normalizeH="0" baseline="0" dirty="0">
+                <a:ln>
+                  <a:noFill/>
+                </a:ln>
+                <a:solidFill>
+                  <a:srgbClr val="A9B7C6"/>
+                </a:solidFill>
+                <a:effectLst/>
+                <a:latin typeface="JetBrains Mono"/>
+              </a:rPr>
+              <a:t>            serialized_commands = </a:t>
+            </a:r>
+            <a:r>
+              <a:rPr kumimoji="0" lang="en-US" altLang="en-US" sz="800" b="0" i="0" u="none" strike="noStrike" cap="none" normalizeH="0" baseline="0" dirty="0">
+                <a:ln>
+                  <a:noFill/>
+                </a:ln>
+                <a:solidFill>
+                  <a:srgbClr val="E28D53"/>
+                </a:solidFill>
+                <a:effectLst/>
+                <a:latin typeface="JetBrains Mono"/>
+              </a:rPr>
+              <a:t>receive_data</a:t>
+            </a:r>
+            <a:r>
+              <a:rPr kumimoji="0" lang="en-US" altLang="en-US" sz="800" b="0" i="0" u="none" strike="noStrike" cap="none" normalizeH="0" baseline="0" dirty="0">
+                <a:ln>
+                  <a:noFill/>
+                </a:ln>
+                <a:solidFill>
+                  <a:srgbClr val="A9B7C6"/>
+                </a:solidFill>
+                <a:effectLst/>
+                <a:latin typeface="JetBrains Mono"/>
+              </a:rPr>
+              <a:t>(client_socket</a:t>
+            </a:r>
+            <a:r>
+              <a:rPr kumimoji="0" lang="en-US" altLang="en-US" sz="800" b="0" i="0" u="none" strike="noStrike" cap="none" normalizeH="0" baseline="0" dirty="0">
+                <a:ln>
+                  <a:noFill/>
+                </a:ln>
+                <a:solidFill>
+                  <a:srgbClr val="CC7832"/>
+                </a:solidFill>
+                <a:effectLst/>
+                <a:latin typeface="JetBrains Mono"/>
+              </a:rPr>
+              <a:t>, </a:t>
+            </a:r>
+            <a:r>
+              <a:rPr kumimoji="0" lang="en-US" altLang="en-US" sz="800" b="0" i="0" u="none" strike="noStrike" cap="none" normalizeH="0" baseline="0" dirty="0">
+                <a:ln>
+                  <a:noFill/>
+                </a:ln>
+                <a:solidFill>
+                  <a:srgbClr val="AA4926"/>
+                </a:solidFill>
+                <a:effectLst/>
+                <a:latin typeface="JetBrains Mono"/>
+              </a:rPr>
+              <a:t>return_bytes</a:t>
+            </a:r>
+            <a:r>
+              <a:rPr kumimoji="0" lang="en-US" altLang="en-US" sz="800" b="0" i="0" u="none" strike="noStrike" cap="none" normalizeH="0" baseline="0" dirty="0">
+                <a:ln>
+                  <a:noFill/>
+                </a:ln>
+                <a:solidFill>
+                  <a:srgbClr val="A9B7C6"/>
+                </a:solidFill>
+                <a:effectLst/>
+                <a:latin typeface="JetBrains Mono"/>
+              </a:rPr>
+              <a:t>=</a:t>
+            </a:r>
+            <a:r>
+              <a:rPr kumimoji="0" lang="en-US" altLang="en-US" sz="800" b="0" i="0" u="none" strike="noStrike" cap="none" normalizeH="0" baseline="0" dirty="0">
+                <a:ln>
+                  <a:noFill/>
+                </a:ln>
+                <a:solidFill>
+                  <a:srgbClr val="CC7832"/>
+                </a:solidFill>
+                <a:effectLst/>
+                <a:latin typeface="JetBrains Mono"/>
+              </a:rPr>
+              <a:t>True</a:t>
+            </a:r>
+            <a:r>
+              <a:rPr kumimoji="0" lang="en-US" altLang="en-US" sz="800" b="0" i="0" u="none" strike="noStrike" cap="none" normalizeH="0" baseline="0" dirty="0">
+                <a:ln>
+                  <a:noFill/>
+                </a:ln>
+                <a:solidFill>
+                  <a:srgbClr val="A9B7C6"/>
+                </a:solidFill>
+                <a:effectLst/>
+                <a:latin typeface="JetBrains Mono"/>
+              </a:rPr>
+              <a:t>)</a:t>
+            </a:r>
+            <a:br>
+              <a:rPr kumimoji="0" lang="en-US" altLang="en-US" sz="800" b="0" i="0" u="none" strike="noStrike" cap="none" normalizeH="0" baseline="0" dirty="0">
+                <a:ln>
+                  <a:noFill/>
+                </a:ln>
+                <a:solidFill>
+                  <a:srgbClr val="A9B7C6"/>
+                </a:solidFill>
+                <a:effectLst/>
+                <a:latin typeface="JetBrains Mono"/>
+              </a:rPr>
+            </a:br>
+            <a:r>
+              <a:rPr kumimoji="0" lang="en-US" altLang="en-US" sz="800" b="0" i="0" u="none" strike="noStrike" cap="none" normalizeH="0" baseline="0" dirty="0">
+                <a:ln>
+                  <a:noFill/>
+                </a:ln>
+                <a:solidFill>
+                  <a:srgbClr val="A9B7C6"/>
+                </a:solidFill>
+                <a:effectLst/>
+                <a:latin typeface="JetBrains Mono"/>
+              </a:rPr>
+              <a:t>            commands = </a:t>
+            </a:r>
+            <a:r>
+              <a:rPr kumimoji="0" lang="en-US" altLang="en-US" sz="800" b="0" i="0" u="none" strike="noStrike" cap="none" normalizeH="0" baseline="0" dirty="0">
+                <a:ln>
+                  <a:noFill/>
+                </a:ln>
+                <a:solidFill>
+                  <a:srgbClr val="E28D53"/>
+                </a:solidFill>
+                <a:effectLst/>
+                <a:latin typeface="JetBrains Mono"/>
+              </a:rPr>
+              <a:t>loads</a:t>
+            </a:r>
+            <a:r>
+              <a:rPr kumimoji="0" lang="en-US" altLang="en-US" sz="800" b="0" i="0" u="none" strike="noStrike" cap="none" normalizeH="0" baseline="0" dirty="0">
+                <a:ln>
+                  <a:noFill/>
+                </a:ln>
+                <a:solidFill>
+                  <a:srgbClr val="A9B7C6"/>
+                </a:solidFill>
+                <a:effectLst/>
+                <a:latin typeface="JetBrains Mono"/>
+              </a:rPr>
+              <a:t>(serialized_commands)</a:t>
+            </a:r>
+            <a:br>
+              <a:rPr kumimoji="0" lang="en-US" altLang="en-US" sz="800" b="0" i="0" u="none" strike="noStrike" cap="none" normalizeH="0" baseline="0" dirty="0">
+                <a:ln>
+                  <a:noFill/>
+                </a:ln>
+                <a:solidFill>
+                  <a:srgbClr val="A9B7C6"/>
+                </a:solidFill>
+                <a:effectLst/>
+                <a:latin typeface="JetBrains Mono"/>
+              </a:rPr>
+            </a:br>
+            <a:r>
+              <a:rPr kumimoji="0" lang="en-US" altLang="en-US" sz="800" b="0" i="0" u="none" strike="noStrike" cap="none" normalizeH="0" baseline="0" dirty="0">
+                <a:ln>
+                  <a:noFill/>
+                </a:ln>
+                <a:solidFill>
+                  <a:srgbClr val="A9B7C6"/>
+                </a:solidFill>
+                <a:effectLst/>
+                <a:latin typeface="JetBrains Mono"/>
+              </a:rPr>
+              <a:t>            </a:t>
+            </a:r>
+            <a:r>
+              <a:rPr kumimoji="0" lang="en-US" altLang="en-US" sz="800" b="0" i="0" u="none" strike="noStrike" cap="none" normalizeH="0" baseline="0" dirty="0">
+                <a:ln>
+                  <a:noFill/>
+                </a:ln>
+                <a:solidFill>
+                  <a:srgbClr val="CC7832"/>
+                </a:solidFill>
+                <a:effectLst/>
+                <a:latin typeface="JetBrains Mono"/>
+              </a:rPr>
+              <a:t>for </a:t>
+            </a:r>
+            <a:r>
+              <a:rPr kumimoji="0" lang="en-US" altLang="en-US" sz="800" b="0" i="0" u="none" strike="noStrike" cap="none" normalizeH="0" baseline="0" dirty="0">
+                <a:ln>
+                  <a:noFill/>
+                </a:ln>
+                <a:solidFill>
+                  <a:srgbClr val="A9B7C6"/>
+                </a:solidFill>
+                <a:effectLst/>
+                <a:latin typeface="JetBrains Mono"/>
+              </a:rPr>
+              <a:t>command </a:t>
+            </a:r>
+            <a:r>
+              <a:rPr kumimoji="0" lang="en-US" altLang="en-US" sz="800" b="0" i="0" u="none" strike="noStrike" cap="none" normalizeH="0" baseline="0" dirty="0">
+                <a:ln>
+                  <a:noFill/>
+                </a:ln>
+                <a:solidFill>
+                  <a:srgbClr val="CC7832"/>
+                </a:solidFill>
+                <a:effectLst/>
+                <a:latin typeface="JetBrains Mono"/>
+              </a:rPr>
+              <a:t>in </a:t>
+            </a:r>
+            <a:r>
+              <a:rPr kumimoji="0" lang="en-US" altLang="en-US" sz="800" b="0" i="0" u="none" strike="noStrike" cap="none" normalizeH="0" baseline="0" dirty="0">
+                <a:ln>
+                  <a:noFill/>
+                </a:ln>
+                <a:solidFill>
+                  <a:srgbClr val="A9B7C6"/>
+                </a:solidFill>
+                <a:effectLst/>
+                <a:latin typeface="JetBrains Mono"/>
+              </a:rPr>
+              <a:t>commands:</a:t>
+            </a:r>
+            <a:br>
+              <a:rPr kumimoji="0" lang="en-US" altLang="en-US" sz="800" b="0" i="0" u="none" strike="noStrike" cap="none" normalizeH="0" baseline="0" dirty="0">
+                <a:ln>
+                  <a:noFill/>
+                </a:ln>
+                <a:solidFill>
+                  <a:srgbClr val="A9B7C6"/>
+                </a:solidFill>
+                <a:effectLst/>
+                <a:latin typeface="JetBrains Mono"/>
+              </a:rPr>
+            </a:br>
+            <a:r>
+              <a:rPr kumimoji="0" lang="en-US" altLang="en-US" sz="800" b="0" i="0" u="none" strike="noStrike" cap="none" normalizeH="0" baseline="0" dirty="0">
+                <a:ln>
+                  <a:noFill/>
+                </a:ln>
+                <a:solidFill>
+                  <a:srgbClr val="A9B7C6"/>
+                </a:solidFill>
+                <a:effectLst/>
+                <a:latin typeface="JetBrains Mono"/>
+              </a:rPr>
+              <a:t>                </a:t>
+            </a:r>
+            <a:r>
+              <a:rPr kumimoji="0" lang="en-US" altLang="en-US" sz="800" b="0" i="0" u="none" strike="noStrike" cap="none" normalizeH="0" baseline="0" dirty="0">
+                <a:ln>
+                  <a:noFill/>
+                </a:ln>
+                <a:solidFill>
+                  <a:srgbClr val="CC7832"/>
+                </a:solidFill>
+                <a:effectLst/>
+                <a:latin typeface="JetBrains Mono"/>
+              </a:rPr>
+              <a:t>if </a:t>
+            </a:r>
+            <a:r>
+              <a:rPr kumimoji="0" lang="en-US" altLang="en-US" sz="800" b="0" i="0" u="none" strike="noStrike" cap="none" normalizeH="0" baseline="0" dirty="0">
+                <a:ln>
+                  <a:noFill/>
+                </a:ln>
+                <a:solidFill>
+                  <a:srgbClr val="8888C6"/>
+                </a:solidFill>
+                <a:effectLst/>
+                <a:latin typeface="JetBrains Mono"/>
+              </a:rPr>
+              <a:t>type</a:t>
+            </a:r>
+            <a:r>
+              <a:rPr kumimoji="0" lang="en-US" altLang="en-US" sz="800" b="0" i="0" u="none" strike="noStrike" cap="none" normalizeH="0" baseline="0" dirty="0">
+                <a:ln>
+                  <a:noFill/>
+                </a:ln>
+                <a:solidFill>
+                  <a:srgbClr val="A9B7C6"/>
+                </a:solidFill>
+                <a:effectLst/>
+                <a:latin typeface="JetBrains Mono"/>
+              </a:rPr>
+              <a:t>(command) </a:t>
+            </a:r>
+            <a:r>
+              <a:rPr kumimoji="0" lang="en-US" altLang="en-US" sz="800" b="0" i="0" u="none" strike="noStrike" cap="none" normalizeH="0" baseline="0" dirty="0">
+                <a:ln>
+                  <a:noFill/>
+                </a:ln>
+                <a:solidFill>
+                  <a:srgbClr val="CC7832"/>
+                </a:solidFill>
+                <a:effectLst/>
+                <a:latin typeface="JetBrains Mono"/>
+              </a:rPr>
+              <a:t>is </a:t>
+            </a:r>
+            <a:r>
+              <a:rPr kumimoji="0" lang="en-US" altLang="en-US" sz="800" b="0" i="0" u="none" strike="noStrike" cap="none" normalizeH="0" baseline="0" dirty="0">
+                <a:ln>
+                  <a:noFill/>
+                </a:ln>
+                <a:solidFill>
+                  <a:srgbClr val="8888C6"/>
+                </a:solidFill>
+                <a:effectLst/>
+                <a:latin typeface="JetBrains Mono"/>
+              </a:rPr>
+              <a:t>tuple</a:t>
+            </a:r>
+            <a:r>
+              <a:rPr kumimoji="0" lang="en-US" altLang="en-US" sz="800" b="0" i="0" u="none" strike="noStrike" cap="none" normalizeH="0" baseline="0" dirty="0">
+                <a:ln>
+                  <a:noFill/>
+                </a:ln>
+                <a:solidFill>
+                  <a:srgbClr val="A9B7C6"/>
+                </a:solidFill>
+                <a:effectLst/>
+                <a:latin typeface="JetBrains Mono"/>
+              </a:rPr>
+              <a:t>:</a:t>
+            </a:r>
+            <a:br>
+              <a:rPr kumimoji="0" lang="en-US" altLang="en-US" sz="800" b="0" i="0" u="none" strike="noStrike" cap="none" normalizeH="0" baseline="0" dirty="0">
+                <a:ln>
+                  <a:noFill/>
+                </a:ln>
+                <a:solidFill>
+                  <a:srgbClr val="A9B7C6"/>
+                </a:solidFill>
+                <a:effectLst/>
+                <a:latin typeface="JetBrains Mono"/>
+              </a:rPr>
+            </a:br>
+            <a:r>
+              <a:rPr kumimoji="0" lang="en-US" altLang="en-US" sz="800" b="0" i="0" u="none" strike="noStrike" cap="none" normalizeH="0" baseline="0" dirty="0">
+                <a:ln>
+                  <a:noFill/>
+                </a:ln>
+                <a:solidFill>
+                  <a:srgbClr val="A9B7C6"/>
+                </a:solidFill>
+                <a:effectLst/>
+                <a:latin typeface="JetBrains Mono"/>
+              </a:rPr>
+              <a:t>                    </a:t>
+            </a:r>
+            <a:r>
+              <a:rPr kumimoji="0" lang="en-US" altLang="en-US" sz="800" b="0" i="0" u="none" strike="noStrike" cap="none" normalizeH="0" baseline="0" dirty="0">
+                <a:ln>
+                  <a:noFill/>
+                </a:ln>
+                <a:solidFill>
+                  <a:srgbClr val="CC7832"/>
+                </a:solidFill>
+                <a:effectLst/>
+                <a:latin typeface="JetBrains Mono"/>
+              </a:rPr>
+              <a:t>if </a:t>
+            </a:r>
+            <a:r>
+              <a:rPr kumimoji="0" lang="en-US" altLang="en-US" sz="800" b="0" i="0" u="none" strike="noStrike" cap="none" normalizeH="0" baseline="0" dirty="0">
+                <a:ln>
+                  <a:noFill/>
+                </a:ln>
+                <a:solidFill>
+                  <a:srgbClr val="A9B7C6"/>
+                </a:solidFill>
+                <a:effectLst/>
+                <a:latin typeface="JetBrains Mono"/>
+              </a:rPr>
+              <a:t>command[</a:t>
+            </a:r>
+            <a:r>
+              <a:rPr kumimoji="0" lang="en-US" altLang="en-US" sz="800" b="0" i="0" u="none" strike="noStrike" cap="none" normalizeH="0" baseline="0" dirty="0">
+                <a:ln>
+                  <a:noFill/>
+                </a:ln>
+                <a:solidFill>
+                  <a:srgbClr val="6897BB"/>
+                </a:solidFill>
+                <a:effectLst/>
+                <a:latin typeface="JetBrains Mono"/>
+              </a:rPr>
+              <a:t>0</a:t>
+            </a:r>
+            <a:r>
+              <a:rPr kumimoji="0" lang="en-US" altLang="en-US" sz="800" b="0" i="0" u="none" strike="noStrike" cap="none" normalizeH="0" baseline="0" dirty="0">
+                <a:ln>
+                  <a:noFill/>
+                </a:ln>
+                <a:solidFill>
+                  <a:srgbClr val="A9B7C6"/>
+                </a:solidFill>
+                <a:effectLst/>
+                <a:latin typeface="JetBrains Mono"/>
+              </a:rPr>
+              <a:t>].</a:t>
+            </a:r>
+            <a:r>
+              <a:rPr kumimoji="0" lang="en-US" altLang="en-US" sz="800" b="0" i="0" u="none" strike="noStrike" cap="none" normalizeH="0" baseline="0" dirty="0">
+                <a:ln>
+                  <a:noFill/>
+                </a:ln>
+                <a:solidFill>
+                  <a:srgbClr val="E28D53"/>
+                </a:solidFill>
+                <a:effectLst/>
+                <a:latin typeface="JetBrains Mono"/>
+              </a:rPr>
+              <a:t>startswith</a:t>
+            </a:r>
+            <a:r>
+              <a:rPr kumimoji="0" lang="en-US" altLang="en-US" sz="800" b="0" i="0" u="none" strike="noStrike" cap="none" normalizeH="0" baseline="0" dirty="0">
+                <a:ln>
+                  <a:noFill/>
+                </a:ln>
+                <a:solidFill>
+                  <a:srgbClr val="A9B7C6"/>
+                </a:solidFill>
+                <a:effectLst/>
+                <a:latin typeface="JetBrains Mono"/>
+              </a:rPr>
+              <a:t>(</a:t>
+            </a:r>
+            <a:r>
+              <a:rPr kumimoji="0" lang="en-US" altLang="en-US" sz="800" b="0" i="0" u="none" strike="noStrike" cap="none" normalizeH="0" baseline="0" dirty="0">
+                <a:ln>
+                  <a:noFill/>
+                </a:ln>
+                <a:solidFill>
+                  <a:srgbClr val="6A8759"/>
+                </a:solidFill>
+                <a:effectLst/>
+                <a:latin typeface="JetBrains Mono"/>
+              </a:rPr>
+              <a:t>"upload_dir"</a:t>
+            </a:r>
+            <a:r>
+              <a:rPr kumimoji="0" lang="en-US" altLang="en-US" sz="800" b="0" i="0" u="none" strike="noStrike" cap="none" normalizeH="0" baseline="0" dirty="0">
+                <a:ln>
+                  <a:noFill/>
+                </a:ln>
+                <a:solidFill>
+                  <a:srgbClr val="A9B7C6"/>
+                </a:solidFill>
+                <a:effectLst/>
+                <a:latin typeface="JetBrains Mono"/>
+              </a:rPr>
+              <a:t>):</a:t>
+            </a:r>
+            <a:br>
+              <a:rPr kumimoji="0" lang="en-US" altLang="en-US" sz="800" b="0" i="0" u="none" strike="noStrike" cap="none" normalizeH="0" baseline="0" dirty="0">
+                <a:ln>
+                  <a:noFill/>
+                </a:ln>
+                <a:solidFill>
+                  <a:srgbClr val="A9B7C6"/>
+                </a:solidFill>
+                <a:effectLst/>
+                <a:latin typeface="JetBrains Mono"/>
+              </a:rPr>
+            </a:br>
+            <a:r>
+              <a:rPr kumimoji="0" lang="en-US" altLang="en-US" sz="800" b="0" i="0" u="none" strike="noStrike" cap="none" normalizeH="0" baseline="0" dirty="0">
+                <a:ln>
+                  <a:noFill/>
+                </a:ln>
+                <a:solidFill>
+                  <a:srgbClr val="A9B7C6"/>
+                </a:solidFill>
+                <a:effectLst/>
+                <a:latin typeface="JetBrains Mono"/>
+              </a:rPr>
+              <a:t>                        rel_path = command[</a:t>
+            </a:r>
+            <a:r>
+              <a:rPr kumimoji="0" lang="en-US" altLang="en-US" sz="800" b="0" i="0" u="none" strike="noStrike" cap="none" normalizeH="0" baseline="0" dirty="0">
+                <a:ln>
+                  <a:noFill/>
+                </a:ln>
+                <a:solidFill>
+                  <a:srgbClr val="6897BB"/>
+                </a:solidFill>
+                <a:effectLst/>
+                <a:latin typeface="JetBrains Mono"/>
+              </a:rPr>
+              <a:t>0</a:t>
+            </a:r>
+            <a:r>
+              <a:rPr kumimoji="0" lang="en-US" altLang="en-US" sz="800" b="0" i="0" u="none" strike="noStrike" cap="none" normalizeH="0" baseline="0" dirty="0">
+                <a:ln>
+                  <a:noFill/>
+                </a:ln>
+                <a:solidFill>
+                  <a:srgbClr val="A9B7C6"/>
+                </a:solidFill>
+                <a:effectLst/>
+                <a:latin typeface="JetBrains Mono"/>
+              </a:rPr>
+              <a:t>].</a:t>
+            </a:r>
+            <a:r>
+              <a:rPr kumimoji="0" lang="en-US" altLang="en-US" sz="800" b="0" i="0" u="none" strike="noStrike" cap="none" normalizeH="0" baseline="0" dirty="0">
+                <a:ln>
+                  <a:noFill/>
+                </a:ln>
+                <a:solidFill>
+                  <a:srgbClr val="E28D53"/>
+                </a:solidFill>
+                <a:effectLst/>
+                <a:latin typeface="JetBrains Mono"/>
+              </a:rPr>
+              <a:t>split</a:t>
+            </a:r>
+            <a:r>
+              <a:rPr kumimoji="0" lang="en-US" altLang="en-US" sz="800" b="0" i="0" u="none" strike="noStrike" cap="none" normalizeH="0" baseline="0" dirty="0">
+                <a:ln>
+                  <a:noFill/>
+                </a:ln>
+                <a:solidFill>
+                  <a:srgbClr val="A9B7C6"/>
+                </a:solidFill>
+                <a:effectLst/>
+                <a:latin typeface="JetBrains Mono"/>
+              </a:rPr>
+              <a:t>(</a:t>
+            </a:r>
+            <a:r>
+              <a:rPr kumimoji="0" lang="en-US" altLang="en-US" sz="800" b="0" i="0" u="none" strike="noStrike" cap="none" normalizeH="0" baseline="0" dirty="0">
+                <a:ln>
+                  <a:noFill/>
+                </a:ln>
+                <a:solidFill>
+                  <a:srgbClr val="6A8759"/>
+                </a:solidFill>
+                <a:effectLst/>
+                <a:latin typeface="JetBrains Mono"/>
+              </a:rPr>
+              <a:t>"||"</a:t>
+            </a:r>
+            <a:r>
+              <a:rPr kumimoji="0" lang="en-US" altLang="en-US" sz="800" b="0" i="0" u="none" strike="noStrike" cap="none" normalizeH="0" baseline="0" dirty="0">
+                <a:ln>
+                  <a:noFill/>
+                </a:ln>
+                <a:solidFill>
+                  <a:srgbClr val="A9B7C6"/>
+                </a:solidFill>
+                <a:effectLst/>
+                <a:latin typeface="JetBrains Mono"/>
+              </a:rPr>
+              <a:t>)[-</a:t>
+            </a:r>
+            <a:r>
+              <a:rPr kumimoji="0" lang="en-US" altLang="en-US" sz="800" b="0" i="0" u="none" strike="noStrike" cap="none" normalizeH="0" baseline="0" dirty="0">
+                <a:ln>
+                  <a:noFill/>
+                </a:ln>
+                <a:solidFill>
+                  <a:srgbClr val="6897BB"/>
+                </a:solidFill>
+                <a:effectLst/>
+                <a:latin typeface="JetBrains Mono"/>
+              </a:rPr>
+              <a:t>1</a:t>
+            </a:r>
+            <a:r>
+              <a:rPr kumimoji="0" lang="en-US" altLang="en-US" sz="800" b="0" i="0" u="none" strike="noStrike" cap="none" normalizeH="0" baseline="0" dirty="0">
+                <a:ln>
+                  <a:noFill/>
+                </a:ln>
+                <a:solidFill>
+                  <a:srgbClr val="A9B7C6"/>
+                </a:solidFill>
+                <a:effectLst/>
+                <a:latin typeface="JetBrains Mono"/>
+              </a:rPr>
+              <a:t>].</a:t>
+            </a:r>
+            <a:r>
+              <a:rPr kumimoji="0" lang="en-US" altLang="en-US" sz="800" b="0" i="0" u="none" strike="noStrike" cap="none" normalizeH="0" baseline="0" dirty="0">
+                <a:ln>
+                  <a:noFill/>
+                </a:ln>
+                <a:solidFill>
+                  <a:srgbClr val="E28D53"/>
+                </a:solidFill>
+                <a:effectLst/>
+                <a:latin typeface="JetBrains Mono"/>
+              </a:rPr>
+              <a:t>strip</a:t>
+            </a:r>
+            <a:r>
+              <a:rPr kumimoji="0" lang="en-US" altLang="en-US" sz="800" b="0" i="0" u="none" strike="noStrike" cap="none" normalizeH="0" baseline="0" dirty="0">
+                <a:ln>
+                  <a:noFill/>
+                </a:ln>
+                <a:solidFill>
+                  <a:srgbClr val="A9B7C6"/>
+                </a:solidFill>
+                <a:effectLst/>
+                <a:latin typeface="JetBrains Mono"/>
+              </a:rPr>
+              <a:t>()  </a:t>
+            </a:r>
+            <a:r>
+              <a:rPr kumimoji="0" lang="en-US" altLang="en-US" sz="800" b="0" i="0" u="none" strike="noStrike" cap="none" normalizeH="0" baseline="0" dirty="0">
+                <a:ln>
+                  <a:noFill/>
+                </a:ln>
+                <a:solidFill>
+                  <a:srgbClr val="808080"/>
+                </a:solidFill>
+                <a:effectLst/>
+                <a:latin typeface="JetBrains Mono"/>
+              </a:rPr>
+              <a:t># Extract the relative path</a:t>
+            </a:r>
+            <a:br>
+              <a:rPr kumimoji="0" lang="en-US" altLang="en-US" sz="800" b="0" i="0" u="none" strike="noStrike" cap="none" normalizeH="0" baseline="0" dirty="0">
+                <a:ln>
+                  <a:noFill/>
+                </a:ln>
+                <a:solidFill>
+                  <a:srgbClr val="808080"/>
+                </a:solidFill>
+                <a:effectLst/>
+                <a:latin typeface="JetBrains Mono"/>
+              </a:rPr>
+            </a:br>
+            <a:r>
+              <a:rPr kumimoji="0" lang="en-US" altLang="en-US" sz="800" b="0" i="0" u="none" strike="noStrike" cap="none" normalizeH="0" baseline="0" dirty="0">
+                <a:ln>
+                  <a:noFill/>
+                </a:ln>
+                <a:solidFill>
+                  <a:srgbClr val="808080"/>
+                </a:solidFill>
+                <a:effectLst/>
+                <a:latin typeface="JetBrains Mono"/>
+              </a:rPr>
+              <a:t>                        </a:t>
+            </a:r>
+            <a:r>
+              <a:rPr kumimoji="0" lang="en-US" altLang="en-US" sz="800" b="0" i="0" u="none" strike="noStrike" cap="none" normalizeH="0" baseline="0" dirty="0">
+                <a:ln>
+                  <a:noFill/>
+                </a:ln>
+                <a:solidFill>
+                  <a:srgbClr val="A9B7C6"/>
+                </a:solidFill>
+                <a:effectLst/>
+                <a:latin typeface="JetBrains Mono"/>
+              </a:rPr>
+              <a:t>serialized_dir = command[</a:t>
+            </a:r>
+            <a:r>
+              <a:rPr kumimoji="0" lang="en-US" altLang="en-US" sz="800" b="0" i="0" u="none" strike="noStrike" cap="none" normalizeH="0" baseline="0" dirty="0">
+                <a:ln>
+                  <a:noFill/>
+                </a:ln>
+                <a:solidFill>
+                  <a:srgbClr val="6897BB"/>
+                </a:solidFill>
+                <a:effectLst/>
+                <a:latin typeface="JetBrains Mono"/>
+              </a:rPr>
+              <a:t>1</a:t>
+            </a:r>
+            <a:r>
+              <a:rPr kumimoji="0" lang="en-US" altLang="en-US" sz="800" b="0" i="0" u="none" strike="noStrike" cap="none" normalizeH="0" baseline="0" dirty="0">
+                <a:ln>
+                  <a:noFill/>
+                </a:ln>
+                <a:solidFill>
+                  <a:srgbClr val="A9B7C6"/>
+                </a:solidFill>
+                <a:effectLst/>
+                <a:latin typeface="JetBrains Mono"/>
+              </a:rPr>
+              <a:t>]</a:t>
+            </a:r>
+            <a:br>
+              <a:rPr kumimoji="0" lang="en-US" altLang="en-US" sz="800" b="0" i="0" u="none" strike="noStrike" cap="none" normalizeH="0" baseline="0" dirty="0">
+                <a:ln>
+                  <a:noFill/>
+                </a:ln>
+                <a:solidFill>
+                  <a:srgbClr val="A9B7C6"/>
+                </a:solidFill>
+                <a:effectLst/>
+                <a:latin typeface="JetBrains Mono"/>
+              </a:rPr>
+            </a:br>
+            <a:r>
+              <a:rPr kumimoji="0" lang="en-US" altLang="en-US" sz="800" b="0" i="0" u="none" strike="noStrike" cap="none" normalizeH="0" baseline="0" dirty="0">
+                <a:ln>
+                  <a:noFill/>
+                </a:ln>
+                <a:solidFill>
+                  <a:srgbClr val="A9B7C6"/>
+                </a:solidFill>
+                <a:effectLst/>
+                <a:latin typeface="JetBrains Mono"/>
+              </a:rPr>
+              <a:t>                        directory = </a:t>
+            </a:r>
+            <a:r>
+              <a:rPr kumimoji="0" lang="en-US" altLang="en-US" sz="800" b="0" i="0" u="none" strike="noStrike" cap="none" normalizeH="0" baseline="0" dirty="0">
+                <a:ln>
+                  <a:noFill/>
+                </a:ln>
+                <a:solidFill>
+                  <a:srgbClr val="E28D53"/>
+                </a:solidFill>
+                <a:effectLst/>
+                <a:latin typeface="JetBrains Mono"/>
+              </a:rPr>
+              <a:t>loads</a:t>
+            </a:r>
+            <a:r>
+              <a:rPr kumimoji="0" lang="en-US" altLang="en-US" sz="800" b="0" i="0" u="none" strike="noStrike" cap="none" normalizeH="0" baseline="0" dirty="0">
+                <a:ln>
+                  <a:noFill/>
+                </a:ln>
+                <a:solidFill>
+                  <a:srgbClr val="A9B7C6"/>
+                </a:solidFill>
+                <a:effectLst/>
+                <a:latin typeface="JetBrains Mono"/>
+              </a:rPr>
+              <a:t>(serialized_dir)</a:t>
+            </a:r>
+            <a:br>
+              <a:rPr kumimoji="0" lang="en-US" altLang="en-US" sz="800" b="0" i="0" u="none" strike="noStrike" cap="none" normalizeH="0" baseline="0" dirty="0">
+                <a:ln>
+                  <a:noFill/>
+                </a:ln>
+                <a:solidFill>
+                  <a:srgbClr val="A9B7C6"/>
+                </a:solidFill>
+                <a:effectLst/>
+                <a:latin typeface="JetBrains Mono"/>
+              </a:rPr>
+            </a:br>
+            <a:r>
+              <a:rPr kumimoji="0" lang="en-US" altLang="en-US" sz="800" b="0" i="0" u="none" strike="noStrike" cap="none" normalizeH="0" baseline="0" dirty="0">
+                <a:ln>
+                  <a:noFill/>
+                </a:ln>
+                <a:solidFill>
+                  <a:srgbClr val="A9B7C6"/>
+                </a:solidFill>
+                <a:effectLst/>
+                <a:latin typeface="JetBrains Mono"/>
+              </a:rPr>
+              <a:t>                        </a:t>
+            </a:r>
+            <a:r>
+              <a:rPr kumimoji="0" lang="en-US" altLang="en-US" sz="800" b="0" i="0" u="none" strike="noStrike" cap="none" normalizeH="0" baseline="0" dirty="0">
+                <a:ln>
+                  <a:noFill/>
+                </a:ln>
+                <a:solidFill>
+                  <a:srgbClr val="CC7832"/>
+                </a:solidFill>
+                <a:effectLst/>
+                <a:latin typeface="JetBrains Mono"/>
+              </a:rPr>
+              <a:t>if </a:t>
+            </a:r>
+            <a:r>
+              <a:rPr kumimoji="0" lang="en-US" altLang="en-US" sz="800" b="0" i="0" u="none" strike="noStrike" cap="none" normalizeH="0" baseline="0" dirty="0">
+                <a:ln>
+                  <a:noFill/>
+                </a:ln>
+                <a:solidFill>
+                  <a:srgbClr val="A9B7C6"/>
+                </a:solidFill>
+                <a:effectLst/>
+                <a:latin typeface="JetBrains Mono"/>
+              </a:rPr>
+              <a:t>pathlib.</a:t>
+            </a:r>
+            <a:r>
+              <a:rPr kumimoji="0" lang="en-US" altLang="en-US" sz="800" b="0" i="0" u="none" strike="noStrike" cap="none" normalizeH="0" baseline="0" dirty="0">
+                <a:ln>
+                  <a:noFill/>
+                </a:ln>
+                <a:solidFill>
+                  <a:srgbClr val="E28D53"/>
+                </a:solidFill>
+                <a:effectLst/>
+                <a:latin typeface="JetBrains Mono"/>
+              </a:rPr>
+              <a:t>Path</a:t>
+            </a:r>
+            <a:r>
+              <a:rPr kumimoji="0" lang="en-US" altLang="en-US" sz="800" b="0" i="0" u="none" strike="noStrike" cap="none" normalizeH="0" baseline="0" dirty="0">
+                <a:ln>
+                  <a:noFill/>
+                </a:ln>
+                <a:solidFill>
+                  <a:srgbClr val="A9B7C6"/>
+                </a:solidFill>
+                <a:effectLst/>
+                <a:latin typeface="JetBrains Mono"/>
+              </a:rPr>
+              <a:t>(rel_path).parts[</a:t>
+            </a:r>
+            <a:r>
+              <a:rPr kumimoji="0" lang="en-US" altLang="en-US" sz="800" b="0" i="0" u="none" strike="noStrike" cap="none" normalizeH="0" baseline="0" dirty="0">
+                <a:ln>
+                  <a:noFill/>
+                </a:ln>
+                <a:solidFill>
+                  <a:srgbClr val="6897BB"/>
+                </a:solidFill>
+                <a:effectLst/>
+                <a:latin typeface="JetBrains Mono"/>
+              </a:rPr>
+              <a:t>0</a:t>
+            </a:r>
+            <a:r>
+              <a:rPr kumimoji="0" lang="en-US" altLang="en-US" sz="800" b="0" i="0" u="none" strike="noStrike" cap="none" normalizeH="0" baseline="0" dirty="0">
+                <a:ln>
+                  <a:noFill/>
+                </a:ln>
+                <a:solidFill>
+                  <a:srgbClr val="A9B7C6"/>
+                </a:solidFill>
+                <a:effectLst/>
+                <a:latin typeface="JetBrains Mono"/>
+              </a:rPr>
+              <a:t>] == </a:t>
+            </a:r>
+            <a:r>
+              <a:rPr kumimoji="0" lang="en-US" altLang="en-US" sz="800" b="0" i="0" u="none" strike="noStrike" cap="none" normalizeH="0" baseline="0" dirty="0">
+                <a:ln>
+                  <a:noFill/>
+                </a:ln>
+                <a:solidFill>
+                  <a:srgbClr val="94558D"/>
+                </a:solidFill>
+                <a:effectLst/>
+                <a:latin typeface="JetBrains Mono"/>
+              </a:rPr>
+              <a:t>self</a:t>
+            </a:r>
+            <a:r>
+              <a:rPr kumimoji="0" lang="en-US" altLang="en-US" sz="800" b="0" i="0" u="none" strike="noStrike" cap="none" normalizeH="0" baseline="0" dirty="0">
+                <a:ln>
+                  <a:noFill/>
+                </a:ln>
+                <a:solidFill>
+                  <a:srgbClr val="A9B7C6"/>
+                </a:solidFill>
+                <a:effectLst/>
+                <a:latin typeface="JetBrains Mono"/>
+              </a:rPr>
+              <a:t>.username:</a:t>
+            </a:r>
+            <a:br>
+              <a:rPr kumimoji="0" lang="en-US" altLang="en-US" sz="800" b="0" i="0" u="none" strike="noStrike" cap="none" normalizeH="0" baseline="0" dirty="0">
+                <a:ln>
+                  <a:noFill/>
+                </a:ln>
+                <a:solidFill>
+                  <a:srgbClr val="A9B7C6"/>
+                </a:solidFill>
+                <a:effectLst/>
+                <a:latin typeface="JetBrains Mono"/>
+              </a:rPr>
+            </a:br>
+            <a:r>
+              <a:rPr kumimoji="0" lang="en-US" altLang="en-US" sz="800" b="0" i="0" u="none" strike="noStrike" cap="none" normalizeH="0" baseline="0" dirty="0">
+                <a:ln>
+                  <a:noFill/>
+                </a:ln>
+                <a:solidFill>
+                  <a:srgbClr val="A9B7C6"/>
+                </a:solidFill>
+                <a:effectLst/>
+                <a:latin typeface="JetBrains Mono"/>
+              </a:rPr>
+              <a:t>                            location = os.path.</a:t>
+            </a:r>
+            <a:r>
+              <a:rPr kumimoji="0" lang="en-US" altLang="en-US" sz="800" b="0" i="0" u="none" strike="noStrike" cap="none" normalizeH="0" baseline="0" dirty="0">
+                <a:ln>
+                  <a:noFill/>
+                </a:ln>
+                <a:solidFill>
+                  <a:srgbClr val="E28D53"/>
+                </a:solidFill>
+                <a:effectLst/>
+                <a:latin typeface="JetBrains Mono"/>
+              </a:rPr>
+              <a:t>join</a:t>
+            </a:r>
+            <a:r>
+              <a:rPr kumimoji="0" lang="en-US" altLang="en-US" sz="800" b="0" i="0" u="none" strike="noStrike" cap="none" normalizeH="0" baseline="0" dirty="0">
+                <a:ln>
+                  <a:noFill/>
+                </a:ln>
+                <a:solidFill>
+                  <a:srgbClr val="A9B7C6"/>
+                </a:solidFill>
+                <a:effectLst/>
+                <a:latin typeface="JetBrains Mono"/>
+              </a:rPr>
+              <a:t>(DIRECTORY</a:t>
+            </a:r>
+            <a:r>
+              <a:rPr kumimoji="0" lang="en-US" altLang="en-US" sz="800" b="0" i="0" u="none" strike="noStrike" cap="none" normalizeH="0" baseline="0" dirty="0">
+                <a:ln>
+                  <a:noFill/>
+                </a:ln>
+                <a:solidFill>
+                  <a:srgbClr val="CC7832"/>
+                </a:solidFill>
+                <a:effectLst/>
+                <a:latin typeface="JetBrains Mono"/>
+              </a:rPr>
+              <a:t>, </a:t>
+            </a:r>
+            <a:r>
+              <a:rPr kumimoji="0" lang="en-US" altLang="en-US" sz="800" b="0" i="0" u="none" strike="noStrike" cap="none" normalizeH="0" baseline="0" dirty="0">
+                <a:ln>
+                  <a:noFill/>
+                </a:ln>
+                <a:solidFill>
+                  <a:srgbClr val="A9B7C6"/>
+                </a:solidFill>
+                <a:effectLst/>
+                <a:latin typeface="JetBrains Mono"/>
+              </a:rPr>
+              <a:t>rel_path)  </a:t>
+            </a:r>
+            <a:r>
+              <a:rPr kumimoji="0" lang="en-US" altLang="en-US" sz="800" b="0" i="0" u="none" strike="noStrike" cap="none" normalizeH="0" baseline="0" dirty="0">
+                <a:ln>
+                  <a:noFill/>
+                </a:ln>
+                <a:solidFill>
+                  <a:srgbClr val="808080"/>
+                </a:solidFill>
+                <a:effectLst/>
+                <a:latin typeface="JetBrains Mono"/>
+              </a:rPr>
+              <a:t># If the modified folder is owned by </a:t>
+            </a:r>
+            <a:br>
+              <a:rPr kumimoji="0" lang="en-US" altLang="en-US" sz="800" b="0" i="0" u="none" strike="noStrike" cap="none" normalizeH="0" baseline="0" dirty="0">
+                <a:ln>
+                  <a:noFill/>
+                </a:ln>
+                <a:solidFill>
+                  <a:srgbClr val="808080"/>
+                </a:solidFill>
+                <a:effectLst/>
+                <a:latin typeface="JetBrains Mono"/>
+              </a:rPr>
+            </a:br>
+            <a:r>
+              <a:rPr kumimoji="0" lang="en-US" altLang="en-US" sz="800" b="0" i="0" u="none" strike="noStrike" cap="none" normalizeH="0" baseline="0" dirty="0">
+                <a:ln>
+                  <a:noFill/>
+                </a:ln>
+                <a:solidFill>
+                  <a:srgbClr val="808080"/>
+                </a:solidFill>
+                <a:effectLst/>
+                <a:latin typeface="JetBrains Mono"/>
+              </a:rPr>
+              <a:t>                            # the user, use the user's main directory </a:t>
+            </a:r>
+            <a:br>
+              <a:rPr kumimoji="0" lang="en-US" altLang="en-US" sz="800" b="0" i="0" u="none" strike="noStrike" cap="none" normalizeH="0" baseline="0" dirty="0">
+                <a:ln>
+                  <a:noFill/>
+                </a:ln>
+                <a:solidFill>
+                  <a:srgbClr val="808080"/>
+                </a:solidFill>
+                <a:effectLst/>
+                <a:latin typeface="JetBrains Mono"/>
+              </a:rPr>
+            </a:br>
+            <a:r>
+              <a:rPr kumimoji="0" lang="en-US" altLang="en-US" sz="800" b="0" i="0" u="none" strike="noStrike" cap="none" normalizeH="0" baseline="0" dirty="0">
+                <a:ln>
+                  <a:noFill/>
+                </a:ln>
+                <a:solidFill>
+                  <a:srgbClr val="808080"/>
+                </a:solidFill>
+                <a:effectLst/>
+                <a:latin typeface="JetBrains Mono"/>
+              </a:rPr>
+              <a:t>                        </a:t>
+            </a:r>
+            <a:r>
+              <a:rPr kumimoji="0" lang="en-US" altLang="en-US" sz="800" b="0" i="0" u="none" strike="noStrike" cap="none" normalizeH="0" baseline="0" dirty="0">
+                <a:ln>
+                  <a:noFill/>
+                </a:ln>
+                <a:solidFill>
+                  <a:srgbClr val="CC7832"/>
+                </a:solidFill>
+                <a:effectLst/>
+                <a:latin typeface="JetBrains Mono"/>
+              </a:rPr>
+              <a:t>else</a:t>
+            </a:r>
+            <a:r>
+              <a:rPr kumimoji="0" lang="en-US" altLang="en-US" sz="800" b="0" i="0" u="none" strike="noStrike" cap="none" normalizeH="0" baseline="0" dirty="0">
+                <a:ln>
+                  <a:noFill/>
+                </a:ln>
+                <a:solidFill>
+                  <a:srgbClr val="A9B7C6"/>
+                </a:solidFill>
+                <a:effectLst/>
+                <a:latin typeface="JetBrains Mono"/>
+              </a:rPr>
+              <a:t>:</a:t>
+            </a:r>
+            <a:br>
+              <a:rPr kumimoji="0" lang="en-US" altLang="en-US" sz="800" b="0" i="0" u="none" strike="noStrike" cap="none" normalizeH="0" baseline="0" dirty="0">
+                <a:ln>
+                  <a:noFill/>
+                </a:ln>
+                <a:solidFill>
+                  <a:srgbClr val="A9B7C6"/>
+                </a:solidFill>
+                <a:effectLst/>
+                <a:latin typeface="JetBrains Mono"/>
+              </a:rPr>
+            </a:br>
+            <a:r>
+              <a:rPr kumimoji="0" lang="en-US" altLang="en-US" sz="800" b="0" i="0" u="none" strike="noStrike" cap="none" normalizeH="0" baseline="0" dirty="0">
+                <a:ln>
+                  <a:noFill/>
+                </a:ln>
+                <a:solidFill>
+                  <a:srgbClr val="A9B7C6"/>
+                </a:solidFill>
+                <a:effectLst/>
+                <a:latin typeface="JetBrains Mono"/>
+              </a:rPr>
+              <a:t>                            </a:t>
+            </a:r>
+            <a:r>
+              <a:rPr kumimoji="0" lang="en-US" altLang="en-US" sz="800" b="0" i="0" u="none" strike="noStrike" cap="none" normalizeH="0" baseline="0" dirty="0">
+                <a:ln>
+                  <a:noFill/>
+                </a:ln>
+                <a:solidFill>
+                  <a:srgbClr val="CC7832"/>
+                </a:solidFill>
+                <a:effectLst/>
+                <a:latin typeface="JetBrains Mono"/>
+              </a:rPr>
+              <a:t>if </a:t>
+            </a:r>
+            <a:r>
+              <a:rPr kumimoji="0" lang="en-US" altLang="en-US" sz="800" b="0" i="0" u="none" strike="noStrike" cap="none" normalizeH="0" baseline="0" dirty="0">
+                <a:ln>
+                  <a:noFill/>
+                </a:ln>
+                <a:solidFill>
+                  <a:srgbClr val="A9B7C6"/>
+                </a:solidFill>
+                <a:effectLst/>
+                <a:latin typeface="JetBrains Mono"/>
+              </a:rPr>
+              <a:t>pathlib.</a:t>
+            </a:r>
+            <a:r>
+              <a:rPr kumimoji="0" lang="en-US" altLang="en-US" sz="800" b="0" i="0" u="none" strike="noStrike" cap="none" normalizeH="0" baseline="0" dirty="0">
+                <a:ln>
+                  <a:noFill/>
+                </a:ln>
+                <a:solidFill>
+                  <a:srgbClr val="E28D53"/>
+                </a:solidFill>
+                <a:effectLst/>
+                <a:latin typeface="JetBrains Mono"/>
+              </a:rPr>
+              <a:t>Path</a:t>
+            </a:r>
+            <a:r>
+              <a:rPr kumimoji="0" lang="en-US" altLang="en-US" sz="800" b="0" i="0" u="none" strike="noStrike" cap="none" normalizeH="0" baseline="0" dirty="0">
+                <a:ln>
+                  <a:noFill/>
+                </a:ln>
+                <a:solidFill>
+                  <a:srgbClr val="A9B7C6"/>
+                </a:solidFill>
+                <a:effectLst/>
+                <a:latin typeface="JetBrains Mono"/>
+              </a:rPr>
+              <a:t>(rel_path).parts[</a:t>
+            </a:r>
+            <a:r>
+              <a:rPr kumimoji="0" lang="en-US" altLang="en-US" sz="800" b="0" i="0" u="none" strike="noStrike" cap="none" normalizeH="0" baseline="0" dirty="0">
+                <a:ln>
+                  <a:noFill/>
+                </a:ln>
+                <a:solidFill>
+                  <a:srgbClr val="6897BB"/>
+                </a:solidFill>
+                <a:effectLst/>
+                <a:latin typeface="JetBrains Mono"/>
+              </a:rPr>
+              <a:t>0</a:t>
+            </a:r>
+            <a:r>
+              <a:rPr kumimoji="0" lang="en-US" altLang="en-US" sz="800" b="0" i="0" u="none" strike="noStrike" cap="none" normalizeH="0" baseline="0" dirty="0">
+                <a:ln>
+                  <a:noFill/>
+                </a:ln>
+                <a:solidFill>
+                  <a:srgbClr val="A9B7C6"/>
+                </a:solidFill>
+                <a:effectLst/>
+                <a:latin typeface="JetBrains Mono"/>
+              </a:rPr>
+              <a:t>] </a:t>
+            </a:r>
+            <a:r>
+              <a:rPr kumimoji="0" lang="en-US" altLang="en-US" sz="800" b="0" i="0" u="none" strike="noStrike" cap="none" normalizeH="0" baseline="0" dirty="0">
+                <a:ln>
+                  <a:noFill/>
+                </a:ln>
+                <a:solidFill>
+                  <a:srgbClr val="CC7832"/>
+                </a:solidFill>
+                <a:effectLst/>
+                <a:latin typeface="JetBrains Mono"/>
+              </a:rPr>
+              <a:t>in </a:t>
+            </a:r>
+            <a:r>
+              <a:rPr kumimoji="0" lang="en-US" altLang="en-US" sz="800" b="0" i="0" u="none" strike="noStrike" cap="none" normalizeH="0" baseline="0" dirty="0">
+                <a:ln>
+                  <a:noFill/>
+                </a:ln>
+                <a:solidFill>
+                  <a:srgbClr val="94558D"/>
+                </a:solidFill>
+                <a:effectLst/>
+                <a:latin typeface="JetBrains Mono"/>
+              </a:rPr>
+              <a:t>self</a:t>
+            </a:r>
+            <a:r>
+              <a:rPr kumimoji="0" lang="en-US" altLang="en-US" sz="800" b="0" i="0" u="none" strike="noStrike" cap="none" normalizeH="0" baseline="0" dirty="0">
+                <a:ln>
+                  <a:noFill/>
+                </a:ln>
+                <a:solidFill>
+                  <a:srgbClr val="A9B7C6"/>
+                </a:solidFill>
+                <a:effectLst/>
+                <a:latin typeface="JetBrains Mono"/>
+              </a:rPr>
+              <a:t>.shared_read_write:</a:t>
+            </a:r>
+            <a:br>
+              <a:rPr kumimoji="0" lang="en-US" altLang="en-US" sz="800" b="0" i="0" u="none" strike="noStrike" cap="none" normalizeH="0" baseline="0" dirty="0">
+                <a:ln>
+                  <a:noFill/>
+                </a:ln>
+                <a:solidFill>
+                  <a:srgbClr val="A9B7C6"/>
+                </a:solidFill>
+                <a:effectLst/>
+                <a:latin typeface="JetBrains Mono"/>
+              </a:rPr>
+            </a:br>
+            <a:r>
+              <a:rPr kumimoji="0" lang="en-US" altLang="en-US" sz="800" b="0" i="0" u="none" strike="noStrike" cap="none" normalizeH="0" baseline="0" dirty="0">
+                <a:ln>
+                  <a:noFill/>
+                </a:ln>
+                <a:solidFill>
+                  <a:srgbClr val="A9B7C6"/>
+                </a:solidFill>
+                <a:effectLst/>
+                <a:latin typeface="JetBrains Mono"/>
+              </a:rPr>
+              <a:t>                                location = os.path.</a:t>
+            </a:r>
+            <a:r>
+              <a:rPr kumimoji="0" lang="en-US" altLang="en-US" sz="800" b="0" i="0" u="none" strike="noStrike" cap="none" normalizeH="0" baseline="0" dirty="0">
+                <a:ln>
+                  <a:noFill/>
+                </a:ln>
+                <a:solidFill>
+                  <a:srgbClr val="E28D53"/>
+                </a:solidFill>
+                <a:effectLst/>
+                <a:latin typeface="JetBrains Mono"/>
+              </a:rPr>
+              <a:t>join</a:t>
+            </a:r>
+            <a:r>
+              <a:rPr kumimoji="0" lang="en-US" altLang="en-US" sz="800" b="0" i="0" u="none" strike="noStrike" cap="none" normalizeH="0" baseline="0" dirty="0">
+                <a:ln>
+                  <a:noFill/>
+                </a:ln>
+                <a:solidFill>
+                  <a:srgbClr val="A9B7C6"/>
+                </a:solidFill>
+                <a:effectLst/>
+                <a:latin typeface="JetBrains Mono"/>
+              </a:rPr>
+              <a:t>(</a:t>
+            </a:r>
+            <a:r>
+              <a:rPr kumimoji="0" lang="en-US" altLang="en-US" sz="800" b="0" i="0" u="none" strike="noStrike" cap="none" normalizeH="0" baseline="0" dirty="0">
+                <a:ln>
+                  <a:noFill/>
+                </a:ln>
+                <a:solidFill>
+                  <a:srgbClr val="94558D"/>
+                </a:solidFill>
+                <a:effectLst/>
+                <a:latin typeface="JetBrains Mono"/>
+              </a:rPr>
+              <a:t>self</a:t>
+            </a:r>
+            <a:r>
+              <a:rPr kumimoji="0" lang="en-US" altLang="en-US" sz="800" b="0" i="0" u="none" strike="noStrike" cap="none" normalizeH="0" baseline="0" dirty="0">
+                <a:ln>
+                  <a:noFill/>
+                </a:ln>
+                <a:solidFill>
+                  <a:srgbClr val="A9B7C6"/>
+                </a:solidFill>
+                <a:effectLst/>
+                <a:latin typeface="JetBrains Mono"/>
+              </a:rPr>
+              <a:t>.read_write_path</a:t>
+            </a:r>
+            <a:r>
+              <a:rPr kumimoji="0" lang="en-US" altLang="en-US" sz="800" b="0" i="0" u="none" strike="noStrike" cap="none" normalizeH="0" baseline="0" dirty="0">
+                <a:ln>
+                  <a:noFill/>
+                </a:ln>
+                <a:solidFill>
+                  <a:srgbClr val="CC7832"/>
+                </a:solidFill>
+                <a:effectLst/>
+                <a:latin typeface="JetBrains Mono"/>
+              </a:rPr>
+              <a:t>, </a:t>
+            </a:r>
+            <a:r>
+              <a:rPr kumimoji="0" lang="en-US" altLang="en-US" sz="800" b="0" i="0" u="none" strike="noStrike" cap="none" normalizeH="0" baseline="0" dirty="0">
+                <a:ln>
+                  <a:noFill/>
+                </a:ln>
+                <a:solidFill>
+                  <a:srgbClr val="A9B7C6"/>
+                </a:solidFill>
+                <a:effectLst/>
+                <a:latin typeface="JetBrains Mono"/>
+              </a:rPr>
+              <a:t>rel_path)  </a:t>
+            </a:r>
+            <a:r>
+              <a:rPr kumimoji="0" lang="en-US" altLang="en-US" sz="800" b="0" i="0" u="none" strike="noStrike" cap="none" normalizeH="0" baseline="0" dirty="0">
+                <a:ln>
+                  <a:noFill/>
+                </a:ln>
+                <a:solidFill>
+                  <a:srgbClr val="808080"/>
+                </a:solidFill>
+                <a:effectLst/>
+                <a:latin typeface="JetBrains Mono"/>
+              </a:rPr>
+              <a:t># If the modified folder</a:t>
+            </a:r>
+            <a:br>
+              <a:rPr kumimoji="0" lang="en-US" altLang="en-US" sz="800" b="0" i="0" u="none" strike="noStrike" cap="none" normalizeH="0" baseline="0" dirty="0">
+                <a:ln>
+                  <a:noFill/>
+                </a:ln>
+                <a:solidFill>
+                  <a:srgbClr val="808080"/>
+                </a:solidFill>
+                <a:effectLst/>
+                <a:latin typeface="JetBrains Mono"/>
+              </a:rPr>
+            </a:br>
+            <a:r>
+              <a:rPr kumimoji="0" lang="en-US" altLang="en-US" sz="800" b="0" i="0" u="none" strike="noStrike" cap="none" normalizeH="0" baseline="0" dirty="0">
+                <a:ln>
+                  <a:noFill/>
+                </a:ln>
+                <a:solidFill>
+                  <a:srgbClr val="808080"/>
+                </a:solidFill>
+                <a:effectLst/>
+                <a:latin typeface="JetBrains Mono"/>
+              </a:rPr>
+              <a:t>                                # is in the shared read-write list, use the read-write path </a:t>
+            </a:r>
+            <a:br>
+              <a:rPr kumimoji="0" lang="en-US" altLang="en-US" sz="800" b="0" i="0" u="none" strike="noStrike" cap="none" normalizeH="0" baseline="0" dirty="0">
+                <a:ln>
+                  <a:noFill/>
+                </a:ln>
+                <a:solidFill>
+                  <a:srgbClr val="808080"/>
+                </a:solidFill>
+                <a:effectLst/>
+                <a:latin typeface="JetBrains Mono"/>
+              </a:rPr>
+            </a:br>
+            <a:r>
+              <a:rPr kumimoji="0" lang="en-US" altLang="en-US" sz="800" b="0" i="0" u="none" strike="noStrike" cap="none" normalizeH="0" baseline="0" dirty="0">
+                <a:ln>
+                  <a:noFill/>
+                </a:ln>
+                <a:solidFill>
+                  <a:srgbClr val="808080"/>
+                </a:solidFill>
+                <a:effectLst/>
+                <a:latin typeface="JetBrains Mono"/>
+              </a:rPr>
+              <a:t>                            </a:t>
+            </a:r>
+            <a:r>
+              <a:rPr kumimoji="0" lang="en-US" altLang="en-US" sz="800" b="0" i="0" u="none" strike="noStrike" cap="none" normalizeH="0" baseline="0" dirty="0">
+                <a:ln>
+                  <a:noFill/>
+                </a:ln>
+                <a:solidFill>
+                  <a:srgbClr val="CC7832"/>
+                </a:solidFill>
+                <a:effectLst/>
+                <a:latin typeface="JetBrains Mono"/>
+              </a:rPr>
+              <a:t>else</a:t>
+            </a:r>
+            <a:r>
+              <a:rPr kumimoji="0" lang="en-US" altLang="en-US" sz="800" b="0" i="0" u="none" strike="noStrike" cap="none" normalizeH="0" baseline="0" dirty="0">
+                <a:ln>
+                  <a:noFill/>
+                </a:ln>
+                <a:solidFill>
+                  <a:srgbClr val="A9B7C6"/>
+                </a:solidFill>
+                <a:effectLst/>
+                <a:latin typeface="JetBrains Mono"/>
+              </a:rPr>
+              <a:t>:</a:t>
+            </a:r>
+            <a:br>
+              <a:rPr kumimoji="0" lang="en-US" altLang="en-US" sz="800" b="0" i="0" u="none" strike="noStrike" cap="none" normalizeH="0" baseline="0" dirty="0">
+                <a:ln>
+                  <a:noFill/>
+                </a:ln>
+                <a:solidFill>
+                  <a:srgbClr val="A9B7C6"/>
+                </a:solidFill>
+                <a:effectLst/>
+                <a:latin typeface="JetBrains Mono"/>
+              </a:rPr>
+            </a:br>
+            <a:r>
+              <a:rPr kumimoji="0" lang="en-US" altLang="en-US" sz="800" b="0" i="0" u="none" strike="noStrike" cap="none" normalizeH="0" baseline="0" dirty="0">
+                <a:ln>
+                  <a:noFill/>
+                </a:ln>
+                <a:solidFill>
+                  <a:srgbClr val="A9B7C6"/>
+                </a:solidFill>
+                <a:effectLst/>
+                <a:latin typeface="JetBrains Mono"/>
+              </a:rPr>
+              <a:t>                                location = os.path.</a:t>
+            </a:r>
+            <a:r>
+              <a:rPr kumimoji="0" lang="en-US" altLang="en-US" sz="800" b="0" i="0" u="none" strike="noStrike" cap="none" normalizeH="0" baseline="0" dirty="0">
+                <a:ln>
+                  <a:noFill/>
+                </a:ln>
+                <a:solidFill>
+                  <a:srgbClr val="E28D53"/>
+                </a:solidFill>
+                <a:effectLst/>
+                <a:latin typeface="JetBrains Mono"/>
+              </a:rPr>
+              <a:t>join</a:t>
+            </a:r>
+            <a:r>
+              <a:rPr kumimoji="0" lang="en-US" altLang="en-US" sz="800" b="0" i="0" u="none" strike="noStrike" cap="none" normalizeH="0" baseline="0" dirty="0">
+                <a:ln>
+                  <a:noFill/>
+                </a:ln>
+                <a:solidFill>
+                  <a:srgbClr val="A9B7C6"/>
+                </a:solidFill>
+                <a:effectLst/>
+                <a:latin typeface="JetBrains Mono"/>
+              </a:rPr>
+              <a:t>(</a:t>
+            </a:r>
+            <a:r>
+              <a:rPr kumimoji="0" lang="en-US" altLang="en-US" sz="800" b="0" i="0" u="none" strike="noStrike" cap="none" normalizeH="0" baseline="0" dirty="0">
+                <a:ln>
+                  <a:noFill/>
+                </a:ln>
+                <a:solidFill>
+                  <a:srgbClr val="94558D"/>
+                </a:solidFill>
+                <a:effectLst/>
+                <a:latin typeface="JetBrains Mono"/>
+              </a:rPr>
+              <a:t>self</a:t>
+            </a:r>
+            <a:r>
+              <a:rPr kumimoji="0" lang="en-US" altLang="en-US" sz="800" b="0" i="0" u="none" strike="noStrike" cap="none" normalizeH="0" baseline="0" dirty="0">
+                <a:ln>
+                  <a:noFill/>
+                </a:ln>
+                <a:solidFill>
+                  <a:srgbClr val="A9B7C6"/>
+                </a:solidFill>
+                <a:effectLst/>
+                <a:latin typeface="JetBrains Mono"/>
+              </a:rPr>
+              <a:t>.read_only_path</a:t>
+            </a:r>
+            <a:r>
+              <a:rPr kumimoji="0" lang="en-US" altLang="en-US" sz="800" b="0" i="0" u="none" strike="noStrike" cap="none" normalizeH="0" baseline="0" dirty="0">
+                <a:ln>
+                  <a:noFill/>
+                </a:ln>
+                <a:solidFill>
+                  <a:srgbClr val="CC7832"/>
+                </a:solidFill>
+                <a:effectLst/>
+                <a:latin typeface="JetBrains Mono"/>
+              </a:rPr>
+              <a:t>, </a:t>
+            </a:r>
+            <a:r>
+              <a:rPr kumimoji="0" lang="en-US" altLang="en-US" sz="800" b="0" i="0" u="none" strike="noStrike" cap="none" normalizeH="0" baseline="0" dirty="0">
+                <a:ln>
+                  <a:noFill/>
+                </a:ln>
+                <a:solidFill>
+                  <a:srgbClr val="A9B7C6"/>
+                </a:solidFill>
+                <a:effectLst/>
+                <a:latin typeface="JetBrains Mono"/>
+              </a:rPr>
+              <a:t>rel_path)  </a:t>
+            </a:r>
+            <a:r>
+              <a:rPr kumimoji="0" lang="en-US" altLang="en-US" sz="800" b="0" i="0" u="none" strike="noStrike" cap="none" normalizeH="0" baseline="0" dirty="0">
+                <a:ln>
+                  <a:noFill/>
+                </a:ln>
+                <a:solidFill>
+                  <a:srgbClr val="808080"/>
+                </a:solidFill>
+                <a:effectLst/>
+                <a:latin typeface="JetBrains Mono"/>
+              </a:rPr>
+              <a:t># Otherwise, use the </a:t>
+            </a:r>
+            <a:br>
+              <a:rPr kumimoji="0" lang="en-US" altLang="en-US" sz="800" b="0" i="0" u="none" strike="noStrike" cap="none" normalizeH="0" baseline="0" dirty="0">
+                <a:ln>
+                  <a:noFill/>
+                </a:ln>
+                <a:solidFill>
+                  <a:srgbClr val="808080"/>
+                </a:solidFill>
+                <a:effectLst/>
+                <a:latin typeface="JetBrains Mono"/>
+              </a:rPr>
+            </a:br>
+            <a:r>
+              <a:rPr kumimoji="0" lang="en-US" altLang="en-US" sz="800" b="0" i="0" u="none" strike="noStrike" cap="none" normalizeH="0" baseline="0" dirty="0">
+                <a:ln>
+                  <a:noFill/>
+                </a:ln>
+                <a:solidFill>
+                  <a:srgbClr val="808080"/>
+                </a:solidFill>
+                <a:effectLst/>
+                <a:latin typeface="JetBrains Mono"/>
+              </a:rPr>
+              <a:t>                                # read-only path </a:t>
+            </a:r>
+            <a:br>
+              <a:rPr kumimoji="0" lang="en-US" altLang="en-US" sz="800" b="0" i="0" u="none" strike="noStrike" cap="none" normalizeH="0" baseline="0" dirty="0">
+                <a:ln>
+                  <a:noFill/>
+                </a:ln>
+                <a:solidFill>
+                  <a:srgbClr val="808080"/>
+                </a:solidFill>
+                <a:effectLst/>
+                <a:latin typeface="JetBrains Mono"/>
+              </a:rPr>
+            </a:br>
+            <a:r>
+              <a:rPr kumimoji="0" lang="en-US" altLang="en-US" sz="800" b="0" i="0" u="none" strike="noStrike" cap="none" normalizeH="0" baseline="0" dirty="0">
+                <a:ln>
+                  <a:noFill/>
+                </a:ln>
+                <a:solidFill>
+                  <a:srgbClr val="808080"/>
+                </a:solidFill>
+                <a:effectLst/>
+                <a:latin typeface="JetBrains Mono"/>
+              </a:rPr>
+              <a:t>                        </a:t>
+            </a:r>
+            <a:r>
+              <a:rPr kumimoji="0" lang="en-US" altLang="en-US" sz="800" b="0" i="0" u="none" strike="noStrike" cap="none" normalizeH="0" baseline="0" dirty="0">
+                <a:ln>
+                  <a:noFill/>
+                </a:ln>
+                <a:solidFill>
+                  <a:srgbClr val="8888C6"/>
+                </a:solidFill>
+                <a:effectLst/>
+                <a:latin typeface="JetBrains Mono"/>
+              </a:rPr>
+              <a:t>print</a:t>
+            </a:r>
+            <a:r>
+              <a:rPr kumimoji="0" lang="en-US" altLang="en-US" sz="800" b="0" i="0" u="none" strike="noStrike" cap="none" normalizeH="0" baseline="0" dirty="0">
+                <a:ln>
+                  <a:noFill/>
+                </a:ln>
+                <a:solidFill>
+                  <a:srgbClr val="A9B7C6"/>
+                </a:solidFill>
+                <a:effectLst/>
+                <a:latin typeface="JetBrains Mono"/>
+              </a:rPr>
+              <a:t>(location)</a:t>
+            </a:r>
+            <a:br>
+              <a:rPr kumimoji="0" lang="en-US" altLang="en-US" sz="800" b="0" i="0" u="none" strike="noStrike" cap="none" normalizeH="0" baseline="0" dirty="0">
+                <a:ln>
+                  <a:noFill/>
+                </a:ln>
+                <a:solidFill>
+                  <a:srgbClr val="A9B7C6"/>
+                </a:solidFill>
+                <a:effectLst/>
+                <a:latin typeface="JetBrains Mono"/>
+              </a:rPr>
+            </a:br>
+            <a:r>
+              <a:rPr kumimoji="0" lang="en-US" altLang="en-US" sz="800" b="0" i="0" u="none" strike="noStrike" cap="none" normalizeH="0" baseline="0" dirty="0">
+                <a:ln>
+                  <a:noFill/>
+                </a:ln>
+                <a:solidFill>
+                  <a:srgbClr val="A9B7C6"/>
+                </a:solidFill>
+                <a:effectLst/>
+                <a:latin typeface="JetBrains Mono"/>
+              </a:rPr>
+              <a:t>                        directory.</a:t>
+            </a:r>
+            <a:r>
+              <a:rPr kumimoji="0" lang="en-US" altLang="en-US" sz="800" b="0" i="0" u="none" strike="noStrike" cap="none" normalizeH="0" baseline="0" dirty="0">
+                <a:ln>
+                  <a:noFill/>
+                </a:ln>
+                <a:solidFill>
+                  <a:srgbClr val="E28D53"/>
+                </a:solidFill>
+                <a:effectLst/>
+                <a:latin typeface="JetBrains Mono"/>
+              </a:rPr>
+              <a:t>create</a:t>
+            </a:r>
+            <a:r>
+              <a:rPr kumimoji="0" lang="en-US" altLang="en-US" sz="800" b="0" i="0" u="none" strike="noStrike" cap="none" normalizeH="0" baseline="0" dirty="0">
+                <a:ln>
+                  <a:noFill/>
+                </a:ln>
+                <a:solidFill>
+                  <a:srgbClr val="A9B7C6"/>
+                </a:solidFill>
+                <a:effectLst/>
+                <a:latin typeface="JetBrains Mono"/>
+              </a:rPr>
+              <a:t>(location)  </a:t>
+            </a:r>
+            <a:r>
+              <a:rPr kumimoji="0" lang="en-US" altLang="en-US" sz="800" b="0" i="0" u="none" strike="noStrike" cap="none" normalizeH="0" baseline="0" dirty="0">
+                <a:ln>
+                  <a:noFill/>
+                </a:ln>
+                <a:solidFill>
+                  <a:srgbClr val="808080"/>
+                </a:solidFill>
+                <a:effectLst/>
+                <a:latin typeface="JetBrains Mono"/>
+              </a:rPr>
+              <a:t># Create the directory at the specified location</a:t>
+            </a:r>
+            <a:endParaRPr kumimoji="0" lang="en-US" altLang="en-US" sz="1600" b="0" i="0" u="none" strike="noStrike" cap="none" normalizeH="0" baseline="0" dirty="0">
+              <a:ln>
+                <a:noFill/>
+              </a:ln>
+              <a:solidFill>
+                <a:schemeClr val="tx1"/>
+              </a:solidFill>
+              <a:effectLst/>
+              <a:latin typeface="Arial" panose="020B0604020202020204" pitchFamily="34" charset="0"/>
+            </a:endParaRPr>
+          </a:p>
+        </p:txBody>
+      </p:sp>
+      <p:sp>
+        <p:nvSpPr>
+          <p:cNvPr id="17" name="Rectangle 11">
+            <a:extLst>
+              <a:ext uri="{FF2B5EF4-FFF2-40B4-BE49-F238E27FC236}">
+                <a16:creationId xmlns:a16="http://schemas.microsoft.com/office/drawing/2014/main" id="{F0B57A1C-5AA5-D960-C47A-7A4C84C9FC2D}"/>
+              </a:ext>
+            </a:extLst>
+          </p:cNvPr>
+          <p:cNvSpPr>
+            <a:spLocks noChangeArrowheads="1"/>
+          </p:cNvSpPr>
+          <p:nvPr/>
+        </p:nvSpPr>
+        <p:spPr bwMode="auto">
+          <a:xfrm>
+            <a:off x="881402" y="3093099"/>
+            <a:ext cx="656170" cy="215444"/>
+          </a:xfrm>
+          <a:prstGeom prst="rect">
+            <a:avLst/>
+          </a:prstGeom>
+          <a:solidFill>
+            <a:srgbClr val="2B2B2B"/>
+          </a:solidFill>
+          <a:ln>
+            <a:noFill/>
+          </a:ln>
+          <a:effectLst/>
+          <a:extLst>
+            <a:ext uri="{91240B29-F687-4F45-9708-019B960494DF}">
+              <a14:hiddenLine xmlns:a14="http://schemas.microsoft.com/office/drawing/2010/main" w="9525">
+                <a:solidFill>
+                  <a:schemeClr val="tx1"/>
+                </a:solidFill>
+                <a:miter lim="800000"/>
+                <a:headEnd/>
+                <a:tailEnd/>
+              </a14:hiddenLine>
+            </a:ext>
+            <a:ext uri="{AF507438-7753-43E0-B8FC-AC1667EBCBE1}">
+              <a14:hiddenEffects xmlns:a14="http://schemas.microsoft.com/office/drawing/2010/main">
+                <a:effectLst>
+                  <a:outerShdw dist="35921" dir="2700000" algn="ctr" rotWithShape="0">
+                    <a:schemeClr val="bg2"/>
+                  </a:outerShdw>
+                </a:effectLst>
+              </a14:hiddenEffects>
+            </a:ext>
+          </a:extLst>
+        </p:spPr>
+        <p:txBody>
+          <a:bodyPr vert="horz" wrap="square" lIns="91440" tIns="45720" rIns="91440" bIns="45720" numCol="1" anchor="ctr" anchorCtr="0" compatLnSpc="1">
+            <a:prstTxWarp prst="textNoShape">
+              <a:avLst/>
+            </a:prstTxWarp>
+            <a:spAutoFit/>
+          </a:bodyPr>
+          <a:lstStyle/>
+          <a:p>
+            <a:pPr marL="0" marR="0" lvl="0" indent="0" algn="l" defTabSz="914400" rtl="0" eaLnBrk="0" fontAlgn="base" latinLnBrk="0" hangingPunct="0">
+              <a:lnSpc>
+                <a:spcPct val="100000"/>
+              </a:lnSpc>
+              <a:spcBef>
+                <a:spcPct val="0"/>
+              </a:spcBef>
+              <a:spcAft>
+                <a:spcPct val="0"/>
+              </a:spcAft>
+              <a:buClrTx/>
+              <a:buSzTx/>
+              <a:buFontTx/>
+              <a:buNone/>
+              <a:tabLst/>
+            </a:pPr>
+            <a:r>
+              <a:rPr kumimoji="0" lang="en-US" altLang="en-US" sz="800" b="0" i="0" u="none" strike="noStrike" cap="none" normalizeH="0" baseline="0" dirty="0">
+                <a:ln>
+                  <a:noFill/>
+                </a:ln>
+                <a:solidFill>
+                  <a:srgbClr val="A9B7C6"/>
+                </a:solidFill>
+                <a:effectLst/>
+                <a:latin typeface="Segoe UI" panose="020B0502040204020203" pitchFamily="34" charset="0"/>
+                <a:cs typeface="Segoe UI" panose="020B0502040204020203" pitchFamily="34" charset="0"/>
+              </a:rPr>
+              <a:t>client.py</a:t>
+            </a:r>
+            <a:endParaRPr kumimoji="0" lang="en-US" altLang="en-US" sz="1600" b="0" i="0" u="none" strike="noStrike" cap="none" normalizeH="0" baseline="0" dirty="0">
+              <a:ln>
+                <a:noFill/>
+              </a:ln>
+              <a:solidFill>
+                <a:schemeClr val="tx1"/>
+              </a:solidFill>
+              <a:effectLst/>
+              <a:latin typeface="Arial" panose="020B0604020202020204" pitchFamily="34" charset="0"/>
+            </a:endParaRPr>
+          </a:p>
+        </p:txBody>
+      </p:sp>
+    </p:spTree>
+    <p:extLst>
+      <p:ext uri="{BB962C8B-B14F-4D97-AF65-F5344CB8AC3E}">
+        <p14:creationId xmlns:p14="http://schemas.microsoft.com/office/powerpoint/2010/main" val="60102987"/>
+      </p:ext>
+    </p:extLst>
+  </p:cSld>
+  <p:clrMapOvr>
+    <a:masterClrMapping/>
+  </p:clrMapOvr>
+</p:sld>
+</file>
+
+<file path=ppt/slides/slide9.xml><?xml version="1.0" encoding="utf-8"?>
+<p:sld xmlns:a="http://schemas.openxmlformats.org/drawingml/2006/main" xmlns:r="http://schemas.openxmlformats.org/officeDocument/2006/relationships" xmlns:p="http://schemas.openxmlformats.org/presentationml/2006/main">
+  <p:cSld>
+    <p:spTree>
+      <p:nvGrpSpPr>
+        <p:cNvPr id="1" name=""/>
+        <p:cNvGrpSpPr/>
+        <p:nvPr/>
+      </p:nvGrpSpPr>
+      <p:grpSpPr>
+        <a:xfrm>
+          <a:off x="0" y="0"/>
+          <a:ext cx="0" cy="0"/>
+          <a:chOff x="0" y="0"/>
+          <a:chExt cx="0" cy="0"/>
+        </a:xfrm>
+      </p:grpSpPr>
+      <p:sp>
+        <p:nvSpPr>
+          <p:cNvPr id="2" name="Title 1">
+            <a:extLst>
+              <a:ext uri="{FF2B5EF4-FFF2-40B4-BE49-F238E27FC236}">
+                <a16:creationId xmlns:a16="http://schemas.microsoft.com/office/drawing/2014/main" id="{3C956052-DE4A-B7CD-A3BA-87397F5EB83D}"/>
+              </a:ext>
+            </a:extLst>
+          </p:cNvPr>
+          <p:cNvSpPr>
+            <a:spLocks noGrp="1"/>
+          </p:cNvSpPr>
+          <p:nvPr>
+            <p:ph type="title"/>
+          </p:nvPr>
+        </p:nvSpPr>
+        <p:spPr/>
+        <p:txBody>
+          <a:bodyPr/>
+          <a:lstStyle/>
+          <a:p>
+            <a:pPr algn="ctr"/>
+            <a:r>
+              <a:rPr lang="he-IL" dirty="0"/>
+              <a:t>רפלקציה</a:t>
+            </a:r>
+            <a:endParaRPr lang="en-US" dirty="0"/>
+          </a:p>
+        </p:txBody>
+      </p:sp>
+      <p:sp>
+        <p:nvSpPr>
+          <p:cNvPr id="3" name="Content Placeholder 2">
+            <a:extLst>
+              <a:ext uri="{FF2B5EF4-FFF2-40B4-BE49-F238E27FC236}">
+                <a16:creationId xmlns:a16="http://schemas.microsoft.com/office/drawing/2014/main" id="{5DE7CB62-D30A-434F-AD44-D2D147CC3857}"/>
+              </a:ext>
+            </a:extLst>
+          </p:cNvPr>
+          <p:cNvSpPr>
+            <a:spLocks noGrp="1"/>
+          </p:cNvSpPr>
+          <p:nvPr>
+            <p:ph idx="1"/>
+          </p:nvPr>
+        </p:nvSpPr>
+        <p:spPr/>
+        <p:txBody>
+          <a:bodyPr/>
+          <a:lstStyle/>
+          <a:p>
+            <a:r>
+              <a:rPr lang="he-IL" dirty="0"/>
+              <a:t>דרך העבודה על הפרויקט הבנתי נושאים שלמדנו כמו </a:t>
+            </a:r>
+            <a:r>
+              <a:rPr lang="en-US" dirty="0"/>
+              <a:t>threading</a:t>
+            </a:r>
+            <a:r>
+              <a:rPr lang="he-IL" dirty="0"/>
+              <a:t>, </a:t>
+            </a:r>
+            <a:r>
+              <a:rPr lang="en-US" dirty="0"/>
+              <a:t>SQL</a:t>
+            </a:r>
+            <a:r>
+              <a:rPr lang="he-IL" dirty="0"/>
+              <a:t>, יצירת ממשק משתמש, תכנות מונחה עצמים ותקשורת מרובת לקוחות.</a:t>
+            </a:r>
+          </a:p>
+          <a:p>
+            <a:r>
+              <a:rPr lang="he-IL" dirty="0"/>
+              <a:t>היה לי מאתגר להבין איך לקבל עדכונים בלקוח על פעולות שמתרחשות בלקוח אחר כמו שינוי בקובץ, שליחת בקשת חברות, שינוי בהרשאות וכו'. פתרתי את זה בעזרת תהליך שרץ במקביל לתהליך הראשי שבו רץ ה-</a:t>
+            </a:r>
+            <a:r>
+              <a:rPr lang="en-US" dirty="0"/>
+              <a:t>GUI</a:t>
+            </a:r>
+            <a:r>
+              <a:rPr lang="he-IL" dirty="0"/>
+              <a:t>.</a:t>
+            </a:r>
+          </a:p>
+          <a:p>
+            <a:r>
+              <a:rPr lang="he-IL" dirty="0"/>
+              <a:t>בהתחלה היה לי קושי ביצירת ה</a:t>
+            </a:r>
+            <a:r>
+              <a:rPr lang="en-US" dirty="0"/>
+              <a:t>GUI</a:t>
+            </a:r>
+            <a:r>
+              <a:rPr lang="he-IL" dirty="0"/>
+              <a:t> בעזרת </a:t>
+            </a:r>
+            <a:r>
+              <a:rPr lang="en-US" dirty="0"/>
+              <a:t>Tkinter</a:t>
+            </a:r>
+            <a:r>
+              <a:rPr lang="he-IL" dirty="0"/>
+              <a:t>, אז החלפתי ל-</a:t>
+            </a:r>
+            <a:r>
+              <a:rPr lang="en-US" dirty="0"/>
+              <a:t>PyQt</a:t>
+            </a:r>
+            <a:r>
+              <a:rPr lang="he-IL" dirty="0"/>
+              <a:t> ועיצבתי את ה-</a:t>
+            </a:r>
+            <a:r>
+              <a:rPr lang="en-US" dirty="0"/>
+              <a:t>GUI</a:t>
+            </a:r>
+            <a:r>
+              <a:rPr lang="he-IL" dirty="0"/>
+              <a:t> דרך </a:t>
+            </a:r>
+            <a:r>
+              <a:rPr lang="en-US" dirty="0"/>
+              <a:t>Qt Designer</a:t>
+            </a:r>
+            <a:r>
+              <a:rPr lang="he-IL" dirty="0"/>
+              <a:t> וכך חסכתי לעצמי הרבה זמן.</a:t>
+            </a:r>
+            <a:endParaRPr lang="en-US" dirty="0"/>
+          </a:p>
+        </p:txBody>
+      </p:sp>
+    </p:spTree>
+    <p:extLst>
+      <p:ext uri="{BB962C8B-B14F-4D97-AF65-F5344CB8AC3E}">
+        <p14:creationId xmlns:p14="http://schemas.microsoft.com/office/powerpoint/2010/main" val="4087645197"/>
       </p:ext>
     </p:extLst>
   </p:cSld>

--- a/מצגת פרויקט.pptx
+++ b/מצגת פרויקט.pptx
@@ -8,12 +8,13 @@
     <p:sldId id="256" r:id="rId2"/>
     <p:sldId id="257" r:id="rId3"/>
     <p:sldId id="258" r:id="rId4"/>
-    <p:sldId id="259" r:id="rId5"/>
-    <p:sldId id="260" r:id="rId6"/>
-    <p:sldId id="261" r:id="rId7"/>
-    <p:sldId id="262" r:id="rId8"/>
-    <p:sldId id="263" r:id="rId9"/>
-    <p:sldId id="264" r:id="rId10"/>
+    <p:sldId id="265" r:id="rId5"/>
+    <p:sldId id="259" r:id="rId6"/>
+    <p:sldId id="260" r:id="rId7"/>
+    <p:sldId id="261" r:id="rId8"/>
+    <p:sldId id="262" r:id="rId9"/>
+    <p:sldId id="263" r:id="rId10"/>
+    <p:sldId id="264" r:id="rId11"/>
   </p:sldIdLst>
   <p:sldSz cx="12192000" cy="6858000"/>
   <p:notesSz cx="6858000" cy="9144000"/>
@@ -290,7 +291,7 @@
             <a:fld id="{87DE6118-2437-4B30-8E3C-4D2BE6020583}" type="datetimeFigureOut">
               <a:rPr lang="en-US" dirty="0"/>
               <a:pPr/>
-              <a:t>5/30/2023</a:t>
+              <a:t>6/20/2023</a:t>
             </a:fld>
             <a:endParaRPr lang="en-US" dirty="0"/>
           </a:p>
@@ -616,7 +617,7 @@
           <a:p>
             <a:fld id="{87DE6118-2437-4B30-8E3C-4D2BE6020583}" type="datetimeFigureOut">
               <a:rPr lang="en-US" dirty="0"/>
-              <a:t>5/30/2023</a:t>
+              <a:t>6/20/2023</a:t>
             </a:fld>
             <a:endParaRPr lang="en-US" dirty="0"/>
           </a:p>
@@ -791,7 +792,7 @@
           <a:p>
             <a:fld id="{87DE6118-2437-4B30-8E3C-4D2BE6020583}" type="datetimeFigureOut">
               <a:rPr lang="en-US" dirty="0"/>
-              <a:t>5/30/2023</a:t>
+              <a:t>6/20/2023</a:t>
             </a:fld>
             <a:endParaRPr lang="en-US" dirty="0"/>
           </a:p>
@@ -956,7 +957,7 @@
           <a:p>
             <a:fld id="{87DE6118-2437-4B30-8E3C-4D2BE6020583}" type="datetimeFigureOut">
               <a:rPr lang="en-US" dirty="0"/>
-              <a:t>5/30/2023</a:t>
+              <a:t>6/20/2023</a:t>
             </a:fld>
             <a:endParaRPr lang="en-US" dirty="0"/>
           </a:p>
@@ -1229,7 +1230,7 @@
             <a:fld id="{87DE6118-2437-4B30-8E3C-4D2BE6020583}" type="datetimeFigureOut">
               <a:rPr lang="en-US" dirty="0"/>
               <a:pPr/>
-              <a:t>5/30/2023</a:t>
+              <a:t>6/20/2023</a:t>
             </a:fld>
             <a:endParaRPr lang="en-US" dirty="0"/>
           </a:p>
@@ -1619,7 +1620,7 @@
           <a:p>
             <a:fld id="{87DE6118-2437-4B30-8E3C-4D2BE6020583}" type="datetimeFigureOut">
               <a:rPr lang="en-US" dirty="0"/>
-              <a:t>5/30/2023</a:t>
+              <a:t>6/20/2023</a:t>
             </a:fld>
             <a:endParaRPr lang="en-US" dirty="0"/>
           </a:p>
@@ -2091,7 +2092,7 @@
           <a:p>
             <a:fld id="{87DE6118-2437-4B30-8E3C-4D2BE6020583}" type="datetimeFigureOut">
               <a:rPr lang="en-US" dirty="0"/>
-              <a:t>5/30/2023</a:t>
+              <a:t>6/20/2023</a:t>
             </a:fld>
             <a:endParaRPr lang="en-US" dirty="0"/>
           </a:p>
@@ -2204,7 +2205,7 @@
           <a:p>
             <a:fld id="{87DE6118-2437-4B30-8E3C-4D2BE6020583}" type="datetimeFigureOut">
               <a:rPr lang="en-US" dirty="0"/>
-              <a:t>5/30/2023</a:t>
+              <a:t>6/20/2023</a:t>
             </a:fld>
             <a:endParaRPr lang="en-US" dirty="0"/>
           </a:p>
@@ -2294,7 +2295,7 @@
           <a:p>
             <a:fld id="{87DE6118-2437-4B30-8E3C-4D2BE6020583}" type="datetimeFigureOut">
               <a:rPr lang="en-US" dirty="0"/>
-              <a:t>5/30/2023</a:t>
+              <a:t>6/20/2023</a:t>
             </a:fld>
             <a:endParaRPr lang="en-US" dirty="0"/>
           </a:p>
@@ -2636,7 +2637,7 @@
             <a:fld id="{87DE6118-2437-4B30-8E3C-4D2BE6020583}" type="datetimeFigureOut">
               <a:rPr lang="en-US" dirty="0"/>
               <a:pPr/>
-              <a:t>5/30/2023</a:t>
+              <a:t>6/20/2023</a:t>
             </a:fld>
             <a:endParaRPr lang="en-US" dirty="0"/>
           </a:p>
@@ -3021,7 +3022,7 @@
             <a:fld id="{87DE6118-2437-4B30-8E3C-4D2BE6020583}" type="datetimeFigureOut">
               <a:rPr lang="en-US" dirty="0"/>
               <a:pPr/>
-              <a:t>5/30/2023</a:t>
+              <a:t>6/20/2023</a:t>
             </a:fld>
             <a:endParaRPr lang="en-US" dirty="0"/>
           </a:p>
@@ -3296,7 +3297,7 @@
             <a:fld id="{87DE6118-2437-4B30-8E3C-4D2BE6020583}" type="datetimeFigureOut">
               <a:rPr lang="en-US" dirty="0"/>
               <a:pPr/>
-              <a:t>5/30/2023</a:t>
+              <a:t>6/20/2023</a:t>
             </a:fld>
             <a:endParaRPr lang="en-US" dirty="0"/>
           </a:p>
@@ -3880,6 +3881,171 @@
 </p:sld>
 </file>
 
+<file path=ppt/slides/slide10.xml><?xml version="1.0" encoding="utf-8"?>
+<p:sld xmlns:a="http://schemas.openxmlformats.org/drawingml/2006/main" xmlns:r="http://schemas.openxmlformats.org/officeDocument/2006/relationships" xmlns:p="http://schemas.openxmlformats.org/presentationml/2006/main">
+  <p:cSld>
+    <p:spTree>
+      <p:nvGrpSpPr>
+        <p:cNvPr id="1" name=""/>
+        <p:cNvGrpSpPr/>
+        <p:nvPr/>
+      </p:nvGrpSpPr>
+      <p:grpSpPr>
+        <a:xfrm>
+          <a:off x="0" y="0"/>
+          <a:ext cx="0" cy="0"/>
+          <a:chOff x="0" y="0"/>
+          <a:chExt cx="0" cy="0"/>
+        </a:xfrm>
+      </p:grpSpPr>
+      <p:sp>
+        <p:nvSpPr>
+          <p:cNvPr id="2" name="Title 1">
+            <a:extLst>
+              <a:ext uri="{FF2B5EF4-FFF2-40B4-BE49-F238E27FC236}">
+                <a16:creationId xmlns:a16="http://schemas.microsoft.com/office/drawing/2014/main" id="{3C956052-DE4A-B7CD-A3BA-87397F5EB83D}"/>
+              </a:ext>
+            </a:extLst>
+          </p:cNvPr>
+          <p:cNvSpPr>
+            <a:spLocks noGrp="1"/>
+          </p:cNvSpPr>
+          <p:nvPr>
+            <p:ph type="title"/>
+          </p:nvPr>
+        </p:nvSpPr>
+        <p:spPr/>
+        <p:txBody>
+          <a:bodyPr/>
+          <a:lstStyle/>
+          <a:p>
+            <a:pPr algn="ctr"/>
+            <a:r>
+              <a:rPr lang="he-IL" dirty="0"/>
+              <a:t>רפלקציה</a:t>
+            </a:r>
+            <a:endParaRPr lang="en-US" dirty="0"/>
+          </a:p>
+        </p:txBody>
+      </p:sp>
+      <p:sp>
+        <p:nvSpPr>
+          <p:cNvPr id="3" name="Content Placeholder 2">
+            <a:extLst>
+              <a:ext uri="{FF2B5EF4-FFF2-40B4-BE49-F238E27FC236}">
+                <a16:creationId xmlns:a16="http://schemas.microsoft.com/office/drawing/2014/main" id="{5DE7CB62-D30A-434F-AD44-D2D147CC3857}"/>
+              </a:ext>
+            </a:extLst>
+          </p:cNvPr>
+          <p:cNvSpPr>
+            <a:spLocks noGrp="1"/>
+          </p:cNvSpPr>
+          <p:nvPr>
+            <p:ph idx="1"/>
+          </p:nvPr>
+        </p:nvSpPr>
+        <p:spPr/>
+        <p:txBody>
+          <a:bodyPr/>
+          <a:lstStyle/>
+          <a:p>
+            <a:r>
+              <a:rPr lang="he-IL" dirty="0"/>
+              <a:t>דרך העבודה על הפרויקט הבנתי נושאים שלמדנו כמו </a:t>
+            </a:r>
+            <a:r>
+              <a:rPr lang="en-US" dirty="0"/>
+              <a:t>threading</a:t>
+            </a:r>
+            <a:r>
+              <a:rPr lang="he-IL" dirty="0"/>
+              <a:t>, </a:t>
+            </a:r>
+            <a:r>
+              <a:rPr lang="en-US" dirty="0"/>
+              <a:t>SQL</a:t>
+            </a:r>
+            <a:r>
+              <a:rPr lang="he-IL" dirty="0"/>
+              <a:t>, יצירת ממשק משתמש, תכנות מונחה עצמים ותקשורת מרובת לקוחות.</a:t>
+            </a:r>
+          </a:p>
+          <a:p>
+            <a:r>
+              <a:rPr lang="he-IL" dirty="0"/>
+              <a:t>היה לי מאתגר להבין איך לקבל עדכונים בלקוח על פעולות שמתרחשות בלקוח אחר כמו שינוי בקובץ, שליחת בקשת חברות, שינוי בהרשאות וכו'. פתרתי את זה בעזרת תהליך שרץ במקביל לתהליך הראשי שבו רץ ה-</a:t>
+            </a:r>
+            <a:r>
+              <a:rPr lang="en-US" dirty="0"/>
+              <a:t>GUI</a:t>
+            </a:r>
+            <a:r>
+              <a:rPr lang="he-IL" dirty="0"/>
+              <a:t>.</a:t>
+            </a:r>
+          </a:p>
+          <a:p>
+            <a:r>
+              <a:rPr lang="he-IL" dirty="0"/>
+              <a:t>בהתחלה היה לי קושי ביצירת ה</a:t>
+            </a:r>
+            <a:r>
+              <a:rPr lang="en-US" dirty="0"/>
+              <a:t>GUI</a:t>
+            </a:r>
+            <a:r>
+              <a:rPr lang="he-IL" dirty="0"/>
+              <a:t> בעזרת </a:t>
+            </a:r>
+            <a:r>
+              <a:rPr lang="en-US" dirty="0"/>
+              <a:t>Tkinter</a:t>
+            </a:r>
+            <a:r>
+              <a:rPr lang="he-IL" dirty="0"/>
+              <a:t>, אז החלפתי ל-</a:t>
+            </a:r>
+            <a:r>
+              <a:rPr lang="en-US" dirty="0"/>
+              <a:t>PyQt</a:t>
+            </a:r>
+            <a:r>
+              <a:rPr lang="he-IL" dirty="0"/>
+              <a:t> ועיצבתי את ה-</a:t>
+            </a:r>
+            <a:r>
+              <a:rPr lang="en-US" dirty="0"/>
+              <a:t>GUI</a:t>
+            </a:r>
+            <a:r>
+              <a:rPr lang="he-IL" dirty="0"/>
+              <a:t> דרך </a:t>
+            </a:r>
+            <a:r>
+              <a:rPr lang="en-US" dirty="0"/>
+              <a:t>Qt Designer</a:t>
+            </a:r>
+            <a:r>
+              <a:rPr lang="he-IL" dirty="0"/>
+              <a:t> וכך חסכתי לעצמי הרבה זמן.</a:t>
+            </a:r>
+            <a:endParaRPr lang="en-US" dirty="0"/>
+          </a:p>
+        </p:txBody>
+      </p:sp>
+    </p:spTree>
+    <p:extLst>
+      <p:ext uri="{BB962C8B-B14F-4D97-AF65-F5344CB8AC3E}">
+        <p14:creationId xmlns:p14="http://schemas.microsoft.com/office/powerpoint/2010/main" val="4087645197"/>
+      </p:ext>
+    </p:extLst>
+  </p:cSld>
+  <p:clrMapOvr>
+    <a:masterClrMapping/>
+  </p:clrMapOvr>
+</p:sld>
+</file>
+
 <file path=ppt/slides/slide2.xml><?xml version="1.0" encoding="utf-8"?>
 <p:sld xmlns:a="http://schemas.openxmlformats.org/drawingml/2006/main" xmlns:r="http://schemas.openxmlformats.org/officeDocument/2006/relationships" xmlns:p="http://schemas.openxmlformats.org/presentationml/2006/main">
   <p:cSld>
@@ -4051,7 +4217,7 @@
             <a:pPr algn="ctr"/>
             <a:r>
               <a:rPr lang="he-IL" dirty="0"/>
-              <a:t>תקשורת והצפנה</a:t>
+              <a:t>תקשורת</a:t>
             </a:r>
           </a:p>
         </p:txBody>
@@ -4092,17 +4258,7 @@
             </a:r>
             <a:r>
               <a:rPr lang="he-IL" dirty="0"/>
-              <a:t>.</a:t>
-            </a:r>
-          </a:p>
-          <a:p>
-            <a:r>
-              <a:rPr lang="en-US" dirty="0"/>
-              <a:t>TCP</a:t>
-            </a:r>
-            <a:r>
-              <a:rPr lang="he-IL" dirty="0"/>
-              <a:t> מבטיח שכל המידע יגיע מצד לצד ולכן הוא חשוב בעבודה עם קבצים.</a:t>
+              <a:t> שמבטיחה שכל המידע יגיע מצד לצד ולכן הוא חשוב בעבודה עם קבצים.</a:t>
             </a:r>
           </a:p>
           <a:p>
@@ -4144,24 +4300,116 @@
           </a:p>
         </p:txBody>
       </p:sp>
+      <p:pic>
+        <p:nvPicPr>
+          <p:cNvPr id="6" name="Picture 5" descr="A picture containing text, diagram, plan, line&#10;&#10;Description automatically generated">
+            <a:extLst>
+              <a:ext uri="{FF2B5EF4-FFF2-40B4-BE49-F238E27FC236}">
+                <a16:creationId xmlns:a16="http://schemas.microsoft.com/office/drawing/2014/main" id="{07BCE561-A146-5603-E98A-28649BE6C694}"/>
+              </a:ext>
+            </a:extLst>
+          </p:cNvPr>
+          <p:cNvPicPr>
+            <a:picLocks noChangeAspect="1"/>
+          </p:cNvPicPr>
+          <p:nvPr/>
+        </p:nvPicPr>
+        <p:blipFill>
+          <a:blip r:embed="rId2"/>
+          <a:stretch>
+            <a:fillRect/>
+          </a:stretch>
+        </p:blipFill>
+        <p:spPr>
+          <a:xfrm>
+            <a:off x="854015" y="4290435"/>
+            <a:ext cx="5650302" cy="2496085"/>
+          </a:xfrm>
+          <a:prstGeom prst="rect">
+            <a:avLst/>
+          </a:prstGeom>
+        </p:spPr>
+      </p:pic>
+    </p:spTree>
+    <p:extLst>
+      <p:ext uri="{BB962C8B-B14F-4D97-AF65-F5344CB8AC3E}">
+        <p14:creationId xmlns:p14="http://schemas.microsoft.com/office/powerpoint/2010/main" val="1544926186"/>
+      </p:ext>
+    </p:extLst>
+  </p:cSld>
+  <p:clrMapOvr>
+    <a:masterClrMapping/>
+  </p:clrMapOvr>
+</p:sld>
+</file>
+
+<file path=ppt/slides/slide4.xml><?xml version="1.0" encoding="utf-8"?>
+<p:sld xmlns:a="http://schemas.openxmlformats.org/drawingml/2006/main" xmlns:r="http://schemas.openxmlformats.org/officeDocument/2006/relationships" xmlns:p="http://schemas.openxmlformats.org/presentationml/2006/main">
+  <p:cSld>
+    <p:spTree>
+      <p:nvGrpSpPr>
+        <p:cNvPr id="1" name=""/>
+        <p:cNvGrpSpPr/>
+        <p:nvPr/>
+      </p:nvGrpSpPr>
+      <p:grpSpPr>
+        <a:xfrm>
+          <a:off x="0" y="0"/>
+          <a:ext cx="0" cy="0"/>
+          <a:chOff x="0" y="0"/>
+          <a:chExt cx="0" cy="0"/>
+        </a:xfrm>
+      </p:grpSpPr>
       <p:sp>
         <p:nvSpPr>
-          <p:cNvPr id="5" name="מציין מיקום תוכן 2">
+          <p:cNvPr id="2" name="Title 1">
             <a:extLst>
               <a:ext uri="{FF2B5EF4-FFF2-40B4-BE49-F238E27FC236}">
-                <a16:creationId xmlns:a16="http://schemas.microsoft.com/office/drawing/2014/main" id="{01252F16-11F3-B83E-F4E7-B974E865106F}"/>
+                <a16:creationId xmlns:a16="http://schemas.microsoft.com/office/drawing/2014/main" id="{E8D38D10-F6FB-D72F-88E2-8FE40641B25F}"/>
+              </a:ext>
+            </a:extLst>
+          </p:cNvPr>
+          <p:cNvSpPr>
+            <a:spLocks noGrp="1"/>
+          </p:cNvSpPr>
+          <p:nvPr>
+            <p:ph type="title"/>
+          </p:nvPr>
+        </p:nvSpPr>
+        <p:spPr/>
+        <p:txBody>
+          <a:bodyPr/>
+          <a:lstStyle/>
+          <a:p>
+            <a:pPr algn="ctr"/>
+            <a:r>
+              <a:rPr lang="he-IL" dirty="0"/>
+              <a:t>הצפנה</a:t>
+            </a:r>
+            <a:endParaRPr lang="en-US" dirty="0"/>
+          </a:p>
+        </p:txBody>
+      </p:sp>
+      <p:sp>
+        <p:nvSpPr>
+          <p:cNvPr id="4" name="מציין מיקום תוכן 2">
+            <a:extLst>
+              <a:ext uri="{FF2B5EF4-FFF2-40B4-BE49-F238E27FC236}">
+                <a16:creationId xmlns:a16="http://schemas.microsoft.com/office/drawing/2014/main" id="{B4F72791-8D6D-7A46-1072-47BFC13E85DA}"/>
               </a:ext>
             </a:extLst>
           </p:cNvPr>
           <p:cNvSpPr txBox="1">
-            <a:spLocks/>
+            <a:spLocks noGrp="1"/>
           </p:cNvSpPr>
-          <p:nvPr/>
+          <p:nvPr>
+            <p:ph idx="1"/>
+          </p:nvPr>
         </p:nvSpPr>
         <p:spPr>
           <a:xfrm>
-            <a:off x="1363580" y="4715496"/>
-            <a:ext cx="9601200" cy="1331483"/>
+            <a:off x="1371600" y="2286000"/>
+            <a:ext cx="9601200" cy="3581400"/>
           </a:xfrm>
           <a:prstGeom prst="rect">
             <a:avLst/>
@@ -4368,7 +4616,7 @@
                 <a:latin typeface="Aharoni" panose="02010803020104030203" pitchFamily="2" charset="-79"/>
                 <a:cs typeface="Aharoni" panose="02010803020104030203" pitchFamily="2" charset="-79"/>
               </a:rPr>
-              <a:t>הצפנה: בתחילת הקשר, השרת והלקוח מייצרים מפתח פרטי ומפתח ציבורי בהצפנת </a:t>
+              <a:t>כדי להצפין את התקשורת, בתחילת הקשר, השרת והלקוח מייצרים מפתח פרטי ומפתח ציבורי בהצפנת </a:t>
             </a:r>
             <a:r>
               <a:rPr lang="en-US" dirty="0">
@@ -4404,7 +4652,7 @@
     </p:spTree>
     <p:extLst>
       <p:ext uri="{BB962C8B-B14F-4D97-AF65-F5344CB8AC3E}">
-        <p14:creationId xmlns:p14="http://schemas.microsoft.com/office/powerpoint/2010/main" val="1544926186"/>
+        <p14:creationId xmlns:p14="http://schemas.microsoft.com/office/powerpoint/2010/main" val="3168163173"/>
       </p:ext>
     </p:extLst>
   </p:cSld>
@@ -4414,7 +4662,7 @@
 </p:sld>
 </file>
 
-<file path=ppt/slides/slide4.xml><?xml version="1.0" encoding="utf-8"?>
+<file path=ppt/slides/slide5.xml><?xml version="1.0" encoding="utf-8"?>
 <p:sld xmlns:a="http://schemas.openxmlformats.org/drawingml/2006/main" xmlns:r="http://schemas.openxmlformats.org/officeDocument/2006/relationships" xmlns:p="http://schemas.openxmlformats.org/presentationml/2006/main">
   <p:cSld>
     <p:spTree>
@@ -4634,7 +4882,7 @@
 </p:sld>
 </file>
 
-<file path=ppt/slides/slide5.xml><?xml version="1.0" encoding="utf-8"?>
+<file path=ppt/slides/slide6.xml><?xml version="1.0" encoding="utf-8"?>
 <p:sld xmlns:a="http://schemas.openxmlformats.org/drawingml/2006/main" xmlns:r="http://schemas.openxmlformats.org/officeDocument/2006/relationships" xmlns:p="http://schemas.openxmlformats.org/presentationml/2006/main">
   <p:cSld>
     <p:spTree>
@@ -5080,7 +5328,7 @@
 </p:sld>
 </file>
 
-<file path=ppt/slides/slide6.xml><?xml version="1.0" encoding="utf-8"?>
+<file path=ppt/slides/slide7.xml><?xml version="1.0" encoding="utf-8"?>
 <p:sld xmlns:a="http://schemas.openxmlformats.org/drawingml/2006/main" xmlns:r="http://schemas.openxmlformats.org/officeDocument/2006/relationships" xmlns:p="http://schemas.openxmlformats.org/presentationml/2006/main">
   <p:cSld>
     <p:spTree>
@@ -5269,7 +5517,7 @@
 </p:sld>
 </file>
 
-<file path=ppt/slides/slide7.xml><?xml version="1.0" encoding="utf-8"?>
+<file path=ppt/slides/slide8.xml><?xml version="1.0" encoding="utf-8"?>
 <p:sld xmlns:a="http://schemas.openxmlformats.org/drawingml/2006/main" xmlns:r="http://schemas.openxmlformats.org/officeDocument/2006/relationships" xmlns:p="http://schemas.openxmlformats.org/presentationml/2006/main">
   <p:cSld>
     <p:spTree>
@@ -5497,7 +5745,7 @@
 </p:sld>
 </file>
 
-<file path=ppt/slides/slide8.xml><?xml version="1.0" encoding="utf-8"?>
+<file path=ppt/slides/slide9.xml><?xml version="1.0" encoding="utf-8"?>
 <p:sld xmlns:a="http://schemas.openxmlformats.org/drawingml/2006/main" xmlns:r="http://schemas.openxmlformats.org/officeDocument/2006/relationships" xmlns:p="http://schemas.openxmlformats.org/presentationml/2006/main">
   <p:cSld>
     <p:spTree>
@@ -10674,171 +10922,6 @@
     <p:extLst>
       <p:ext uri="{BB962C8B-B14F-4D97-AF65-F5344CB8AC3E}">
         <p14:creationId xmlns:p14="http://schemas.microsoft.com/office/powerpoint/2010/main" val="60102987"/>
-      </p:ext>
-    </p:extLst>
-  </p:cSld>
-  <p:clrMapOvr>
-    <a:masterClrMapping/>
-  </p:clrMapOvr>
-</p:sld>
-</file>
-
-<file path=ppt/slides/slide9.xml><?xml version="1.0" encoding="utf-8"?>
-<p:sld xmlns:a="http://schemas.openxmlformats.org/drawingml/2006/main" xmlns:r="http://schemas.openxmlformats.org/officeDocument/2006/relationships" xmlns:p="http://schemas.openxmlformats.org/presentationml/2006/main">
-  <p:cSld>
-    <p:spTree>
-      <p:nvGrpSpPr>
-        <p:cNvPr id="1" name=""/>
-        <p:cNvGrpSpPr/>
-        <p:nvPr/>
-      </p:nvGrpSpPr>
-      <p:grpSpPr>
-        <a:xfrm>
-          <a:off x="0" y="0"/>
-          <a:ext cx="0" cy="0"/>
-          <a:chOff x="0" y="0"/>
-          <a:chExt cx="0" cy="0"/>
-        </a:xfrm>
-      </p:grpSpPr>
-      <p:sp>
-        <p:nvSpPr>
-          <p:cNvPr id="2" name="Title 1">
-            <a:extLst>
-              <a:ext uri="{FF2B5EF4-FFF2-40B4-BE49-F238E27FC236}">
-                <a16:creationId xmlns:a16="http://schemas.microsoft.com/office/drawing/2014/main" id="{3C956052-DE4A-B7CD-A3BA-87397F5EB83D}"/>
-              </a:ext>
-            </a:extLst>
-          </p:cNvPr>
-          <p:cNvSpPr>
-            <a:spLocks noGrp="1"/>
-          </p:cNvSpPr>
-          <p:nvPr>
-            <p:ph type="title"/>
-          </p:nvPr>
-        </p:nvSpPr>
-        <p:spPr/>
-        <p:txBody>
-          <a:bodyPr/>
-          <a:lstStyle/>
-          <a:p>
-            <a:pPr algn="ctr"/>
-            <a:r>
-              <a:rPr lang="he-IL" dirty="0"/>
-              <a:t>רפלקציה</a:t>
-            </a:r>
-            <a:endParaRPr lang="en-US" dirty="0"/>
-          </a:p>
-        </p:txBody>
-      </p:sp>
-      <p:sp>
-        <p:nvSpPr>
-          <p:cNvPr id="3" name="Content Placeholder 2">
-            <a:extLst>
-              <a:ext uri="{FF2B5EF4-FFF2-40B4-BE49-F238E27FC236}">
-                <a16:creationId xmlns:a16="http://schemas.microsoft.com/office/drawing/2014/main" id="{5DE7CB62-D30A-434F-AD44-D2D147CC3857}"/>
-              </a:ext>
-            </a:extLst>
-          </p:cNvPr>
-          <p:cNvSpPr>
-            <a:spLocks noGrp="1"/>
-          </p:cNvSpPr>
-          <p:nvPr>
-            <p:ph idx="1"/>
-          </p:nvPr>
-        </p:nvSpPr>
-        <p:spPr/>
-        <p:txBody>
-          <a:bodyPr/>
-          <a:lstStyle/>
-          <a:p>
-            <a:r>
-              <a:rPr lang="he-IL" dirty="0"/>
-              <a:t>דרך העבודה על הפרויקט הבנתי נושאים שלמדנו כמו </a:t>
-            </a:r>
-            <a:r>
-              <a:rPr lang="en-US" dirty="0"/>
-              <a:t>threading</a:t>
-            </a:r>
-            <a:r>
-              <a:rPr lang="he-IL" dirty="0"/>
-              <a:t>, </a:t>
-            </a:r>
-            <a:r>
-              <a:rPr lang="en-US" dirty="0"/>
-              <a:t>SQL</a:t>
-            </a:r>
-            <a:r>
-              <a:rPr lang="he-IL" dirty="0"/>
-              <a:t>, יצירת ממשק משתמש, תכנות מונחה עצמים ותקשורת מרובת לקוחות.</a:t>
-            </a:r>
-          </a:p>
-          <a:p>
-            <a:r>
-              <a:rPr lang="he-IL" dirty="0"/>
-              <a:t>היה לי מאתגר להבין איך לקבל עדכונים בלקוח על פעולות שמתרחשות בלקוח אחר כמו שינוי בקובץ, שליחת בקשת חברות, שינוי בהרשאות וכו'. פתרתי את זה בעזרת תהליך שרץ במקביל לתהליך הראשי שבו רץ ה-</a:t>
-            </a:r>
-            <a:r>
-              <a:rPr lang="en-US" dirty="0"/>
-              <a:t>GUI</a:t>
-            </a:r>
-            <a:r>
-              <a:rPr lang="he-IL" dirty="0"/>
-              <a:t>.</a:t>
-            </a:r>
-          </a:p>
-          <a:p>
-            <a:r>
-              <a:rPr lang="he-IL" dirty="0"/>
-              <a:t>בהתחלה היה לי קושי ביצירת ה</a:t>
-            </a:r>
-            <a:r>
-              <a:rPr lang="en-US" dirty="0"/>
-              <a:t>GUI</a:t>
-            </a:r>
-            <a:r>
-              <a:rPr lang="he-IL" dirty="0"/>
-              <a:t> בעזרת </a:t>
-            </a:r>
-            <a:r>
-              <a:rPr lang="en-US" dirty="0"/>
-              <a:t>Tkinter</a:t>
-            </a:r>
-            <a:r>
-              <a:rPr lang="he-IL" dirty="0"/>
-              <a:t>, אז החלפתי ל-</a:t>
-            </a:r>
-            <a:r>
-              <a:rPr lang="en-US" dirty="0"/>
-              <a:t>PyQt</a:t>
-            </a:r>
-            <a:r>
-              <a:rPr lang="he-IL" dirty="0"/>
-              <a:t> ועיצבתי את ה-</a:t>
-            </a:r>
-            <a:r>
-              <a:rPr lang="en-US" dirty="0"/>
-              <a:t>GUI</a:t>
-            </a:r>
-            <a:r>
-              <a:rPr lang="he-IL" dirty="0"/>
-              <a:t> דרך </a:t>
-            </a:r>
-            <a:r>
-              <a:rPr lang="en-US" dirty="0"/>
-              <a:t>Qt Designer</a:t>
-            </a:r>
-            <a:r>
-              <a:rPr lang="he-IL" dirty="0"/>
-              <a:t> וכך חסכתי לעצמי הרבה זמן.</a:t>
-            </a:r>
-            <a:endParaRPr lang="en-US" dirty="0"/>
-          </a:p>
-        </p:txBody>
-      </p:sp>
-    </p:spTree>
-    <p:extLst>
-      <p:ext uri="{BB962C8B-B14F-4D97-AF65-F5344CB8AC3E}">
-        <p14:creationId xmlns:p14="http://schemas.microsoft.com/office/powerpoint/2010/main" val="4087645197"/>
       </p:ext>
     </p:extLst>
   </p:cSld>
